--- a/presentations/DESY - Week 7.pptx
+++ b/presentations/DESY - Week 7.pptx
@@ -7,7 +7,14 @@
   <p:sldIdLst>
     <p:sldId id="257" r:id="rId2"/>
     <p:sldId id="258" r:id="rId3"/>
-    <p:sldId id="259" r:id="rId4"/>
+    <p:sldId id="260" r:id="rId4"/>
+    <p:sldId id="259" r:id="rId5"/>
+    <p:sldId id="262" r:id="rId6"/>
+    <p:sldId id="263" r:id="rId7"/>
+    <p:sldId id="261" r:id="rId8"/>
+    <p:sldId id="264" r:id="rId9"/>
+    <p:sldId id="265" r:id="rId10"/>
+    <p:sldId id="266" r:id="rId11"/>
   </p:sldIdLst>
   <p:sldSz cx="12192000" cy="6858000"/>
   <p:notesSz cx="6858000" cy="9144000"/>
@@ -106,6 +113,11 @@
       </a:defRPr>
     </a:lvl9pPr>
   </p:defaultTextStyle>
+  <p:extLst>
+    <p:ext uri="{EFAFB233-063F-42B5-8137-9DF3F51BA10A}">
+      <p15:sldGuideLst xmlns:p15="http://schemas.microsoft.com/office/powerpoint/2012/main"/>
+    </p:ext>
+  </p:extLst>
 </p:presentation>
 </file>
 
@@ -3452,6 +3464,109 @@
 </p:sld>
 </file>
 
+<file path=ppt/slides/slide10.xml><?xml version="1.0" encoding="utf-8"?>
+<p:sld xmlns:a="http://schemas.openxmlformats.org/drawingml/2006/main" xmlns:r="http://schemas.openxmlformats.org/officeDocument/2006/relationships" xmlns:p="http://schemas.openxmlformats.org/presentationml/2006/main">
+  <p:cSld>
+    <p:spTree>
+      <p:nvGrpSpPr>
+        <p:cNvPr id="1" name=""/>
+        <p:cNvGrpSpPr/>
+        <p:nvPr/>
+      </p:nvGrpSpPr>
+      <p:grpSpPr>
+        <a:xfrm>
+          <a:off x="0" y="0"/>
+          <a:ext cx="0" cy="0"/>
+          <a:chOff x="0" y="0"/>
+          <a:chExt cx="0" cy="0"/>
+        </a:xfrm>
+      </p:grpSpPr>
+      <p:sp>
+        <p:nvSpPr>
+          <p:cNvPr id="2" name="Title 1">
+            <a:extLst>
+              <a:ext uri="{FF2B5EF4-FFF2-40B4-BE49-F238E27FC236}">
+                <a16:creationId xmlns:a16="http://schemas.microsoft.com/office/drawing/2014/main" id="{CC7CFC3A-4783-5795-1699-F59E4831297E}"/>
+              </a:ext>
+            </a:extLst>
+          </p:cNvPr>
+          <p:cNvSpPr>
+            <a:spLocks noGrp="1"/>
+          </p:cNvSpPr>
+          <p:nvPr>
+            <p:ph type="title"/>
+          </p:nvPr>
+        </p:nvSpPr>
+        <p:spPr/>
+        <p:txBody>
+          <a:bodyPr/>
+          <a:lstStyle/>
+          <a:p>
+            <a:endParaRPr lang="en-GB"/>
+          </a:p>
+        </p:txBody>
+      </p:sp>
+      <p:sp>
+        <p:nvSpPr>
+          <p:cNvPr id="3" name="Content Placeholder 2">
+            <a:extLst>
+              <a:ext uri="{FF2B5EF4-FFF2-40B4-BE49-F238E27FC236}">
+                <a16:creationId xmlns:a16="http://schemas.microsoft.com/office/drawing/2014/main" id="{585A5E9F-8276-1CF5-5EBF-D747F111568E}"/>
+              </a:ext>
+            </a:extLst>
+          </p:cNvPr>
+          <p:cNvSpPr>
+            <a:spLocks noGrp="1"/>
+          </p:cNvSpPr>
+          <p:nvPr>
+            <p:ph idx="1"/>
+          </p:nvPr>
+        </p:nvSpPr>
+        <p:spPr/>
+        <p:txBody>
+          <a:bodyPr/>
+          <a:lstStyle/>
+          <a:p>
+            <a:r>
+              <a:rPr lang="en-GB" dirty="0"/>
+              <a:t>Find 10 best spectra?!</a:t>
+            </a:r>
+          </a:p>
+          <a:p>
+            <a:endParaRPr lang="en-GB" dirty="0"/>
+          </a:p>
+          <a:p>
+            <a:endParaRPr lang="en-GB" dirty="0"/>
+          </a:p>
+          <a:p>
+            <a:r>
+              <a:rPr lang="en-GB" dirty="0"/>
+              <a:t>Note: plots E and F slightly cut at </a:t>
+            </a:r>
+            <a:r>
+              <a:rPr lang="en-GB" dirty="0" err="1"/>
+              <a:t>xlabel</a:t>
+            </a:r>
+            <a:r>
+              <a:rPr lang="en-GB" dirty="0"/>
+              <a:t> -&gt; increase bottom !!</a:t>
+            </a:r>
+          </a:p>
+        </p:txBody>
+      </p:sp>
+    </p:spTree>
+    <p:extLst>
+      <p:ext uri="{BB962C8B-B14F-4D97-AF65-F5344CB8AC3E}">
+        <p14:creationId xmlns:p14="http://schemas.microsoft.com/office/powerpoint/2010/main" val="2637962366"/>
+      </p:ext>
+    </p:extLst>
+  </p:cSld>
+  <p:clrMapOvr>
+    <a:masterClrMapping/>
+  </p:clrMapOvr>
+</p:sld>
+</file>
+
 <file path=ppt/slides/slide2.xml><?xml version="1.0" encoding="utf-8"?>
 <p:sld xmlns:a="http://schemas.openxmlformats.org/drawingml/2006/main" xmlns:r="http://schemas.openxmlformats.org/officeDocument/2006/relationships" xmlns:p="http://schemas.openxmlformats.org/presentationml/2006/main">
   <p:cSld>
@@ -3519,7 +3634,9 @@
         </p:nvSpPr>
         <p:spPr/>
         <p:txBody>
-          <a:bodyPr/>
+          <a:bodyPr>
+            <a:normAutofit fontScale="62500" lnSpcReduction="20000"/>
+          </a:bodyPr>
           <a:lstStyle/>
           <a:p>
             <a:r>
@@ -3595,6 +3712,92 @@
             <a:r>
               <a:rPr lang="en-GB" dirty="0"/>
               <a:t> waiting for new COMSOL data and manuscript plots first</a:t>
+            </a:r>
+          </a:p>
+          <a:p>
+            <a:pPr lvl="1">
+              <a:buFont typeface="Wingdings" panose="05000000000000000000" pitchFamily="2" charset="2"/>
+              <a:buChar char="Ø"/>
+            </a:pPr>
+            <a:endParaRPr lang="en-GB" dirty="0"/>
+          </a:p>
+          <a:p>
+            <a:pPr marL="457200" lvl="1" indent="0">
+              <a:buNone/>
+            </a:pPr>
+            <a:r>
+              <a:rPr lang="en-GB" dirty="0"/>
+              <a:t>For prelim plots (following): only </a:t>
+            </a:r>
+            <a:r>
+              <a:rPr lang="en-GB" dirty="0" err="1"/>
+              <a:t>Ar</a:t>
+            </a:r>
+            <a:r>
+              <a:rPr lang="en-GB" dirty="0"/>
+              <a:t>; </a:t>
+            </a:r>
+          </a:p>
+          <a:p>
+            <a:pPr marL="457200" lvl="1" indent="0">
+              <a:buNone/>
+            </a:pPr>
+            <a:r>
+              <a:rPr lang="en-GB" dirty="0"/>
+              <a:t>Think about shifting pressure?? -&gt; also shift wavelength??</a:t>
+            </a:r>
+          </a:p>
+          <a:p>
+            <a:pPr marL="457200" lvl="1" indent="0">
+              <a:buNone/>
+            </a:pPr>
+            <a:endParaRPr lang="en-GB" dirty="0"/>
+          </a:p>
+          <a:p>
+            <a:pPr marL="457200" lvl="1" indent="0">
+              <a:buNone/>
+            </a:pPr>
+            <a:r>
+              <a:rPr lang="en-GB" dirty="0"/>
+              <a:t>With final data: do all plots twice? Ne and </a:t>
+            </a:r>
+            <a:r>
+              <a:rPr lang="en-GB" dirty="0" err="1"/>
+              <a:t>Ar</a:t>
+            </a:r>
+            <a:r>
+              <a:rPr lang="en-GB" dirty="0"/>
+              <a:t>?</a:t>
+            </a:r>
+          </a:p>
+          <a:p>
+            <a:pPr marL="457200" lvl="1" indent="0">
+              <a:buNone/>
+            </a:pPr>
+            <a:endParaRPr lang="en-GB" dirty="0"/>
+          </a:p>
+          <a:p>
+            <a:pPr marL="457200" lvl="1" indent="0">
+              <a:buNone/>
+            </a:pPr>
+            <a:r>
+              <a:rPr lang="en-GB" dirty="0"/>
+              <a:t>Ask for plot formatting feedback</a:t>
+            </a:r>
+          </a:p>
+          <a:p>
+            <a:pPr marL="457200" lvl="1" indent="0">
+              <a:buNone/>
+            </a:pPr>
+            <a:endParaRPr lang="en-GB" dirty="0"/>
+          </a:p>
+          <a:p>
+            <a:pPr marL="457200" lvl="1" indent="0">
+              <a:buNone/>
+            </a:pPr>
+            <a:r>
+              <a:rPr lang="en-GB" dirty="0"/>
+              <a:t>Apart from changing plot layout, there is not much I can do right now without the new data</a:t>
             </a:r>
           </a:p>
         </p:txBody>
@@ -3629,6 +3832,42 @@
           <a:chExt cx="0" cy="0"/>
         </a:xfrm>
       </p:grpSpPr>
+      <p:pic>
+        <p:nvPicPr>
+          <p:cNvPr id="9" name="Picture 8" descr="A graph of a function&#10;&#10;Description automatically generated with medium confidence">
+            <a:extLst>
+              <a:ext uri="{FF2B5EF4-FFF2-40B4-BE49-F238E27FC236}">
+                <a16:creationId xmlns:a16="http://schemas.microsoft.com/office/drawing/2014/main" id="{251A3B53-2B02-BA09-DCD3-86C21BA9C9BD}"/>
+              </a:ext>
+            </a:extLst>
+          </p:cNvPr>
+          <p:cNvPicPr>
+            <a:picLocks noChangeAspect="1"/>
+          </p:cNvPicPr>
+          <p:nvPr/>
+        </p:nvPicPr>
+        <p:blipFill>
+          <a:blip r:embed="rId2">
+            <a:extLst>
+              <a:ext uri="{28A0092B-C50C-407E-A947-70E740481C1C}">
+                <a14:useLocalDpi xmlns:a14="http://schemas.microsoft.com/office/drawing/2010/main" val="0"/>
+              </a:ext>
+            </a:extLst>
+          </a:blip>
+          <a:stretch>
+            <a:fillRect/>
+          </a:stretch>
+        </p:blipFill>
+        <p:spPr>
+          <a:xfrm>
+            <a:off x="6598017" y="1850075"/>
+            <a:ext cx="5759817" cy="4319634"/>
+          </a:xfrm>
+          <a:prstGeom prst="rect">
+            <a:avLst/>
+          </a:prstGeom>
+        </p:spPr>
+      </p:pic>
       <p:sp>
         <p:nvSpPr>
           <p:cNvPr id="2" name="Title 1">
@@ -3677,7 +3916,375 @@
             <p:ph idx="1"/>
           </p:nvPr>
         </p:nvSpPr>
+        <p:spPr>
+          <a:xfrm>
+            <a:off x="838200" y="1517715"/>
+            <a:ext cx="10515600" cy="4351338"/>
+          </a:xfrm>
+        </p:spPr>
+        <p:txBody>
+          <a:bodyPr/>
+          <a:lstStyle/>
+          <a:p>
+            <a:pPr marL="0" indent="0">
+              <a:buNone/>
+            </a:pPr>
+            <a:r>
+              <a:rPr lang="en-GB" b="1" u="sng" dirty="0"/>
+              <a:t>A. Simulated pressure scan energies</a:t>
+            </a:r>
+          </a:p>
+        </p:txBody>
+      </p:sp>
+      <p:pic>
+        <p:nvPicPr>
+          <p:cNvPr id="5" name="Picture 4" descr="A graph of a graph with red and blue dots&#10;&#10;Description automatically generated">
+            <a:extLst>
+              <a:ext uri="{FF2B5EF4-FFF2-40B4-BE49-F238E27FC236}">
+                <a16:creationId xmlns:a16="http://schemas.microsoft.com/office/drawing/2014/main" id="{B082BF0B-B617-A2D9-D03B-1FDE5D76BA95}"/>
+              </a:ext>
+            </a:extLst>
+          </p:cNvPr>
+          <p:cNvPicPr>
+            <a:picLocks noChangeAspect="1"/>
+          </p:cNvPicPr>
+          <p:nvPr/>
+        </p:nvPicPr>
+        <p:blipFill>
+          <a:blip r:embed="rId3">
+            <a:extLst>
+              <a:ext uri="{28A0092B-C50C-407E-A947-70E740481C1C}">
+                <a14:useLocalDpi xmlns:a14="http://schemas.microsoft.com/office/drawing/2010/main" val="0"/>
+              </a:ext>
+            </a:extLst>
+          </a:blip>
+          <a:stretch>
+            <a:fillRect/>
+          </a:stretch>
+        </p:blipFill>
+        <p:spPr>
+          <a:xfrm>
+            <a:off x="706157" y="1917259"/>
+            <a:ext cx="5759817" cy="4319634"/>
+          </a:xfrm>
+          <a:prstGeom prst="rect">
+            <a:avLst/>
+          </a:prstGeom>
+        </p:spPr>
+      </p:pic>
+      <p:sp>
+        <p:nvSpPr>
+          <p:cNvPr id="6" name="TextBox 5">
+            <a:extLst>
+              <a:ext uri="{FF2B5EF4-FFF2-40B4-BE49-F238E27FC236}">
+                <a16:creationId xmlns:a16="http://schemas.microsoft.com/office/drawing/2014/main" id="{2D447917-3E4E-C4CD-71CA-13B2F011C74E}"/>
+              </a:ext>
+            </a:extLst>
+          </p:cNvPr>
+          <p:cNvSpPr txBox="1"/>
+          <p:nvPr/>
+        </p:nvSpPr>
+        <p:spPr>
+          <a:xfrm>
+            <a:off x="1474237" y="6169709"/>
+            <a:ext cx="4514461" cy="646331"/>
+          </a:xfrm>
+          <a:prstGeom prst="rect">
+            <a:avLst/>
+          </a:prstGeom>
+          <a:noFill/>
+        </p:spPr>
+        <p:txBody>
+          <a:bodyPr wrap="square" rtlCol="0">
+            <a:spAutoFit/>
+          </a:bodyPr>
+          <a:lstStyle/>
+          <a:p>
+            <a:r>
+              <a:rPr lang="en-GB" i="1" dirty="0"/>
+              <a:t>Fig. 1a: </a:t>
+            </a:r>
+            <a:r>
+              <a:rPr lang="en-GB" dirty="0"/>
+              <a:t>Argon at 150mW (simulations with </a:t>
+            </a:r>
+          </a:p>
+          <a:p>
+            <a:r>
+              <a:rPr lang="en-GB" dirty="0"/>
+              <a:t>COMSOL model)</a:t>
+            </a:r>
+          </a:p>
+        </p:txBody>
+      </p:sp>
+      <p:sp>
+        <p:nvSpPr>
+          <p:cNvPr id="7" name="TextBox 6">
+            <a:extLst>
+              <a:ext uri="{FF2B5EF4-FFF2-40B4-BE49-F238E27FC236}">
+                <a16:creationId xmlns:a16="http://schemas.microsoft.com/office/drawing/2014/main" id="{EF5B40A0-63BB-D0ED-D283-A8F3AC0FB360}"/>
+              </a:ext>
+            </a:extLst>
+          </p:cNvPr>
+          <p:cNvSpPr txBox="1"/>
+          <p:nvPr/>
+        </p:nvSpPr>
+        <p:spPr>
+          <a:xfrm>
+            <a:off x="7816485" y="594385"/>
+            <a:ext cx="3537315" cy="923330"/>
+          </a:xfrm>
+          <a:prstGeom prst="rect">
+            <a:avLst/>
+          </a:prstGeom>
+          <a:noFill/>
+        </p:spPr>
+        <p:txBody>
+          <a:bodyPr wrap="none" rtlCol="0">
+            <a:spAutoFit/>
+          </a:bodyPr>
+          <a:lstStyle/>
+          <a:p>
+            <a:r>
+              <a:rPr lang="en-GB" b="1" dirty="0">
+                <a:solidFill>
+                  <a:srgbClr val="002060"/>
+                </a:solidFill>
+              </a:rPr>
+              <a:t>Notes: </a:t>
+            </a:r>
+          </a:p>
+          <a:p>
+            <a:pPr marL="285750" indent="-285750">
+              <a:buFont typeface="Arial" panose="020B0604020202020204" pitchFamily="34" charset="0"/>
+              <a:buChar char="•"/>
+            </a:pPr>
+            <a:r>
+              <a:rPr lang="en-GB" dirty="0">
+                <a:solidFill>
+                  <a:srgbClr val="002060"/>
+                </a:solidFill>
+              </a:rPr>
+              <a:t>repeat this with Ne at 400mW ?!</a:t>
+            </a:r>
+          </a:p>
+          <a:p>
+            <a:pPr marL="285750" indent="-285750">
+              <a:buFont typeface="Arial" panose="020B0604020202020204" pitchFamily="34" charset="0"/>
+              <a:buChar char="•"/>
+            </a:pPr>
+            <a:r>
+              <a:rPr lang="en-GB" dirty="0">
+                <a:solidFill>
+                  <a:srgbClr val="002060"/>
+                </a:solidFill>
+              </a:rPr>
+              <a:t>shift/rescale pressure axis?</a:t>
+            </a:r>
+          </a:p>
+        </p:txBody>
+      </p:sp>
+      <p:sp>
+        <p:nvSpPr>
+          <p:cNvPr id="10" name="TextBox 9">
+            <a:extLst>
+              <a:ext uri="{FF2B5EF4-FFF2-40B4-BE49-F238E27FC236}">
+                <a16:creationId xmlns:a16="http://schemas.microsoft.com/office/drawing/2014/main" id="{A030EEBA-8679-1FF2-6623-78130E935FA0}"/>
+              </a:ext>
+            </a:extLst>
+          </p:cNvPr>
+          <p:cNvSpPr txBox="1"/>
+          <p:nvPr/>
+        </p:nvSpPr>
+        <p:spPr>
+          <a:xfrm>
+            <a:off x="7038393" y="6178903"/>
+            <a:ext cx="4514461" cy="646331"/>
+          </a:xfrm>
+          <a:prstGeom prst="rect">
+            <a:avLst/>
+          </a:prstGeom>
+          <a:noFill/>
+        </p:spPr>
+        <p:txBody>
+          <a:bodyPr wrap="square" rtlCol="0">
+            <a:spAutoFit/>
+          </a:bodyPr>
+          <a:lstStyle/>
+          <a:p>
+            <a:r>
+              <a:rPr lang="en-GB" i="1" dirty="0"/>
+              <a:t>Fig. 1b: </a:t>
+            </a:r>
+            <a:r>
+              <a:rPr lang="en-GB" dirty="0"/>
+              <a:t>Argon at 150mW (simulations with </a:t>
+            </a:r>
+          </a:p>
+          <a:p>
+            <a:r>
+              <a:rPr lang="en-GB" dirty="0"/>
+              <a:t>gradient model)</a:t>
+            </a:r>
+          </a:p>
+        </p:txBody>
+      </p:sp>
+    </p:spTree>
+    <p:extLst>
+      <p:ext uri="{BB962C8B-B14F-4D97-AF65-F5344CB8AC3E}">
+        <p14:creationId xmlns:p14="http://schemas.microsoft.com/office/powerpoint/2010/main" val="330327965"/>
+      </p:ext>
+    </p:extLst>
+  </p:cSld>
+  <p:clrMapOvr>
+    <a:masterClrMapping/>
+  </p:clrMapOvr>
+</p:sld>
+</file>
+
+<file path=ppt/slides/slide4.xml><?xml version="1.0" encoding="utf-8"?>
+<p:sld xmlns:a="http://schemas.openxmlformats.org/drawingml/2006/main" xmlns:r="http://schemas.openxmlformats.org/officeDocument/2006/relationships" xmlns:p="http://schemas.openxmlformats.org/presentationml/2006/main">
+  <p:cSld>
+    <p:spTree>
+      <p:nvGrpSpPr>
+        <p:cNvPr id="1" name=""/>
+        <p:cNvGrpSpPr/>
+        <p:nvPr/>
+      </p:nvGrpSpPr>
+      <p:grpSpPr>
+        <a:xfrm>
+          <a:off x="0" y="0"/>
+          <a:ext cx="0" cy="0"/>
+          <a:chOff x="0" y="0"/>
+          <a:chExt cx="0" cy="0"/>
+        </a:xfrm>
+      </p:grpSpPr>
+      <p:pic>
+        <p:nvPicPr>
+          <p:cNvPr id="9" name="Picture 8" descr="A graph of a graph&#10;&#10;Description automatically generated">
+            <a:extLst>
+              <a:ext uri="{FF2B5EF4-FFF2-40B4-BE49-F238E27FC236}">
+                <a16:creationId xmlns:a16="http://schemas.microsoft.com/office/drawing/2014/main" id="{F5AC2F87-BD45-9910-6FAF-E4A16EBC3880}"/>
+              </a:ext>
+            </a:extLst>
+          </p:cNvPr>
+          <p:cNvPicPr>
+            <a:picLocks noChangeAspect="1"/>
+          </p:cNvPicPr>
+          <p:nvPr/>
+        </p:nvPicPr>
+        <p:blipFill>
+          <a:blip r:embed="rId2">
+            <a:extLst>
+              <a:ext uri="{28A0092B-C50C-407E-A947-70E740481C1C}">
+                <a14:useLocalDpi xmlns:a14="http://schemas.microsoft.com/office/drawing/2010/main" val="0"/>
+              </a:ext>
+            </a:extLst>
+          </a:blip>
+          <a:stretch>
+            <a:fillRect/>
+          </a:stretch>
+        </p:blipFill>
+        <p:spPr>
+          <a:xfrm>
+            <a:off x="6598017" y="1873312"/>
+            <a:ext cx="5759817" cy="4319634"/>
+          </a:xfrm>
+          <a:prstGeom prst="rect">
+            <a:avLst/>
+          </a:prstGeom>
+        </p:spPr>
+      </p:pic>
+      <p:pic>
+        <p:nvPicPr>
+          <p:cNvPr id="5" name="Picture 4" descr="A graph of a graph of a number of objects&#10;&#10;Description automatically generated with medium confidence">
+            <a:extLst>
+              <a:ext uri="{FF2B5EF4-FFF2-40B4-BE49-F238E27FC236}">
+                <a16:creationId xmlns:a16="http://schemas.microsoft.com/office/drawing/2014/main" id="{A3CBB5A8-AF43-EB69-0F70-5E34761A01E0}"/>
+              </a:ext>
+            </a:extLst>
+          </p:cNvPr>
+          <p:cNvPicPr>
+            <a:picLocks noChangeAspect="1"/>
+          </p:cNvPicPr>
+          <p:nvPr/>
+        </p:nvPicPr>
+        <p:blipFill>
+          <a:blip r:embed="rId3">
+            <a:extLst>
+              <a:ext uri="{28A0092B-C50C-407E-A947-70E740481C1C}">
+                <a14:useLocalDpi xmlns:a14="http://schemas.microsoft.com/office/drawing/2010/main" val="0"/>
+              </a:ext>
+            </a:extLst>
+          </a:blip>
+          <a:stretch>
+            <a:fillRect/>
+          </a:stretch>
+        </p:blipFill>
+        <p:spPr>
+          <a:xfrm>
+            <a:off x="705962" y="1902989"/>
+            <a:ext cx="5759817" cy="4319634"/>
+          </a:xfrm>
+          <a:prstGeom prst="rect">
+            <a:avLst/>
+          </a:prstGeom>
+        </p:spPr>
+      </p:pic>
+      <p:sp>
+        <p:nvSpPr>
+          <p:cNvPr id="2" name="Title 1">
+            <a:extLst>
+              <a:ext uri="{FF2B5EF4-FFF2-40B4-BE49-F238E27FC236}">
+                <a16:creationId xmlns:a16="http://schemas.microsoft.com/office/drawing/2014/main" id="{F480FEC9-2109-DBE5-91A6-B807289AEB5D}"/>
+              </a:ext>
+            </a:extLst>
+          </p:cNvPr>
+          <p:cNvSpPr>
+            <a:spLocks noGrp="1"/>
+          </p:cNvSpPr>
+          <p:nvPr>
+            <p:ph type="title"/>
+          </p:nvPr>
+        </p:nvSpPr>
         <p:spPr/>
+        <p:txBody>
+          <a:bodyPr/>
+          <a:lstStyle/>
+          <a:p>
+            <a:r>
+              <a:rPr lang="en-GB" b="1" dirty="0">
+                <a:solidFill>
+                  <a:srgbClr val="002060"/>
+                </a:solidFill>
+              </a:rPr>
+              <a:t>Sample manuscript plots</a:t>
+            </a:r>
+          </a:p>
+        </p:txBody>
+      </p:sp>
+      <p:sp>
+        <p:nvSpPr>
+          <p:cNvPr id="3" name="Content Placeholder 2">
+            <a:extLst>
+              <a:ext uri="{FF2B5EF4-FFF2-40B4-BE49-F238E27FC236}">
+                <a16:creationId xmlns:a16="http://schemas.microsoft.com/office/drawing/2014/main" id="{9CC75D50-846F-F711-4B31-9276143F0DEC}"/>
+              </a:ext>
+            </a:extLst>
+          </p:cNvPr>
+          <p:cNvSpPr>
+            <a:spLocks noGrp="1"/>
+          </p:cNvSpPr>
+          <p:nvPr>
+            <p:ph idx="1"/>
+          </p:nvPr>
+        </p:nvSpPr>
+        <p:spPr>
+          <a:xfrm>
+            <a:off x="838200" y="1539875"/>
+            <a:ext cx="10515600" cy="4351338"/>
+          </a:xfrm>
+        </p:spPr>
         <p:txBody>
           <a:bodyPr/>
           <a:lstStyle/>
@@ -3688,6 +4295,96 @@
             <a:r>
               <a:rPr lang="en-GB" b="1" u="sng" dirty="0"/>
               <a:t>B. Simulated v. measured UV spectra</a:t>
+            </a:r>
+          </a:p>
+        </p:txBody>
+      </p:sp>
+      <p:sp>
+        <p:nvSpPr>
+          <p:cNvPr id="6" name="TextBox 5">
+            <a:extLst>
+              <a:ext uri="{FF2B5EF4-FFF2-40B4-BE49-F238E27FC236}">
+                <a16:creationId xmlns:a16="http://schemas.microsoft.com/office/drawing/2014/main" id="{3B93A1C6-E3C8-F5A4-4E5A-C707AAE22145}"/>
+              </a:ext>
+            </a:extLst>
+          </p:cNvPr>
+          <p:cNvSpPr txBox="1"/>
+          <p:nvPr/>
+        </p:nvSpPr>
+        <p:spPr>
+          <a:xfrm>
+            <a:off x="1474237" y="6169709"/>
+            <a:ext cx="4514461" cy="646331"/>
+          </a:xfrm>
+          <a:prstGeom prst="rect">
+            <a:avLst/>
+          </a:prstGeom>
+          <a:noFill/>
+        </p:spPr>
+        <p:txBody>
+          <a:bodyPr wrap="square" rtlCol="0">
+            <a:spAutoFit/>
+          </a:bodyPr>
+          <a:lstStyle/>
+          <a:p>
+            <a:r>
+              <a:rPr lang="en-GB" i="1" dirty="0"/>
+              <a:t>Fig. 2a: </a:t>
+            </a:r>
+            <a:r>
+              <a:rPr lang="en-GB" dirty="0"/>
+              <a:t>Argon at 150mW (simulations with </a:t>
+            </a:r>
+          </a:p>
+          <a:p>
+            <a:r>
+              <a:rPr lang="en-GB" dirty="0"/>
+              <a:t>gradient model)</a:t>
+            </a:r>
+          </a:p>
+        </p:txBody>
+      </p:sp>
+      <p:sp>
+        <p:nvSpPr>
+          <p:cNvPr id="10" name="TextBox 9">
+            <a:extLst>
+              <a:ext uri="{FF2B5EF4-FFF2-40B4-BE49-F238E27FC236}">
+                <a16:creationId xmlns:a16="http://schemas.microsoft.com/office/drawing/2014/main" id="{89D8A6F1-12FC-A34E-3A2B-3A1075C01D16}"/>
+              </a:ext>
+            </a:extLst>
+          </p:cNvPr>
+          <p:cNvSpPr txBox="1"/>
+          <p:nvPr/>
+        </p:nvSpPr>
+        <p:spPr>
+          <a:xfrm>
+            <a:off x="7341356" y="6123556"/>
+            <a:ext cx="4514461" cy="646331"/>
+          </a:xfrm>
+          <a:prstGeom prst="rect">
+            <a:avLst/>
+          </a:prstGeom>
+          <a:noFill/>
+        </p:spPr>
+        <p:txBody>
+          <a:bodyPr wrap="square" rtlCol="0">
+            <a:spAutoFit/>
+          </a:bodyPr>
+          <a:lstStyle/>
+          <a:p>
+            <a:r>
+              <a:rPr lang="en-GB" i="1" dirty="0"/>
+              <a:t>Fig. 2b: </a:t>
+            </a:r>
+            <a:r>
+              <a:rPr lang="en-GB" dirty="0"/>
+              <a:t>Argon at 150mW (simulations with </a:t>
+            </a:r>
+          </a:p>
+          <a:p>
+            <a:r>
+              <a:rPr lang="en-GB" dirty="0"/>
+              <a:t>COMSOL model)</a:t>
             </a:r>
           </a:p>
         </p:txBody>
@@ -3696,6 +4393,1701 @@
     <p:extLst>
       <p:ext uri="{BB962C8B-B14F-4D97-AF65-F5344CB8AC3E}">
         <p14:creationId xmlns:p14="http://schemas.microsoft.com/office/powerpoint/2010/main" val="1679950134"/>
+      </p:ext>
+    </p:extLst>
+  </p:cSld>
+  <p:clrMapOvr>
+    <a:masterClrMapping/>
+  </p:clrMapOvr>
+</p:sld>
+</file>
+
+<file path=ppt/slides/slide5.xml><?xml version="1.0" encoding="utf-8"?>
+<p:sld xmlns:a="http://schemas.openxmlformats.org/drawingml/2006/main" xmlns:r="http://schemas.openxmlformats.org/officeDocument/2006/relationships" xmlns:p="http://schemas.openxmlformats.org/presentationml/2006/main">
+  <p:cSld>
+    <p:spTree>
+      <p:nvGrpSpPr>
+        <p:cNvPr id="1" name=""/>
+        <p:cNvGrpSpPr/>
+        <p:nvPr/>
+      </p:nvGrpSpPr>
+      <p:grpSpPr>
+        <a:xfrm>
+          <a:off x="0" y="0"/>
+          <a:ext cx="0" cy="0"/>
+          <a:chOff x="0" y="0"/>
+          <a:chExt cx="0" cy="0"/>
+        </a:xfrm>
+      </p:grpSpPr>
+      <p:pic>
+        <p:nvPicPr>
+          <p:cNvPr id="8" name="Picture 7" descr="A graph of a graph&#10;&#10;Description automatically generated">
+            <a:extLst>
+              <a:ext uri="{FF2B5EF4-FFF2-40B4-BE49-F238E27FC236}">
+                <a16:creationId xmlns:a16="http://schemas.microsoft.com/office/drawing/2014/main" id="{C6996DEE-7652-FF9C-9D12-7AFE30858809}"/>
+              </a:ext>
+            </a:extLst>
+          </p:cNvPr>
+          <p:cNvPicPr>
+            <a:picLocks noChangeAspect="1"/>
+          </p:cNvPicPr>
+          <p:nvPr/>
+        </p:nvPicPr>
+        <p:blipFill>
+          <a:blip r:embed="rId2">
+            <a:extLst>
+              <a:ext uri="{28A0092B-C50C-407E-A947-70E740481C1C}">
+                <a14:useLocalDpi xmlns:a14="http://schemas.microsoft.com/office/drawing/2010/main" val="0"/>
+              </a:ext>
+            </a:extLst>
+          </a:blip>
+          <a:stretch>
+            <a:fillRect/>
+          </a:stretch>
+        </p:blipFill>
+        <p:spPr>
+          <a:xfrm>
+            <a:off x="859280" y="1782841"/>
+            <a:ext cx="5759817" cy="4319634"/>
+          </a:xfrm>
+          <a:prstGeom prst="rect">
+            <a:avLst/>
+          </a:prstGeom>
+        </p:spPr>
+      </p:pic>
+      <p:sp>
+        <p:nvSpPr>
+          <p:cNvPr id="2" name="Title 1">
+            <a:extLst>
+              <a:ext uri="{FF2B5EF4-FFF2-40B4-BE49-F238E27FC236}">
+                <a16:creationId xmlns:a16="http://schemas.microsoft.com/office/drawing/2014/main" id="{F480FEC9-2109-DBE5-91A6-B807289AEB5D}"/>
+              </a:ext>
+            </a:extLst>
+          </p:cNvPr>
+          <p:cNvSpPr>
+            <a:spLocks noGrp="1"/>
+          </p:cNvSpPr>
+          <p:nvPr>
+            <p:ph type="title"/>
+          </p:nvPr>
+        </p:nvSpPr>
+        <p:spPr/>
+        <p:txBody>
+          <a:bodyPr/>
+          <a:lstStyle/>
+          <a:p>
+            <a:r>
+              <a:rPr lang="en-GB" b="1" dirty="0">
+                <a:solidFill>
+                  <a:srgbClr val="002060"/>
+                </a:solidFill>
+              </a:rPr>
+              <a:t>Sample manuscript plots</a:t>
+            </a:r>
+          </a:p>
+        </p:txBody>
+      </p:sp>
+      <p:sp>
+        <p:nvSpPr>
+          <p:cNvPr id="3" name="Content Placeholder 2">
+            <a:extLst>
+              <a:ext uri="{FF2B5EF4-FFF2-40B4-BE49-F238E27FC236}">
+                <a16:creationId xmlns:a16="http://schemas.microsoft.com/office/drawing/2014/main" id="{9CC75D50-846F-F711-4B31-9276143F0DEC}"/>
+              </a:ext>
+            </a:extLst>
+          </p:cNvPr>
+          <p:cNvSpPr>
+            <a:spLocks noGrp="1"/>
+          </p:cNvSpPr>
+          <p:nvPr>
+            <p:ph idx="1"/>
+          </p:nvPr>
+        </p:nvSpPr>
+        <p:spPr>
+          <a:xfrm>
+            <a:off x="838200" y="1539875"/>
+            <a:ext cx="10515600" cy="4351338"/>
+          </a:xfrm>
+        </p:spPr>
+        <p:txBody>
+          <a:bodyPr/>
+          <a:lstStyle/>
+          <a:p>
+            <a:pPr marL="0" indent="0">
+              <a:buNone/>
+            </a:pPr>
+            <a:r>
+              <a:rPr lang="en-GB" b="1" u="sng" dirty="0"/>
+              <a:t>C. Simulated spectra: new chip v. old chip</a:t>
+            </a:r>
+          </a:p>
+        </p:txBody>
+      </p:sp>
+      <p:sp>
+        <p:nvSpPr>
+          <p:cNvPr id="6" name="TextBox 5">
+            <a:extLst>
+              <a:ext uri="{FF2B5EF4-FFF2-40B4-BE49-F238E27FC236}">
+                <a16:creationId xmlns:a16="http://schemas.microsoft.com/office/drawing/2014/main" id="{3B93A1C6-E3C8-F5A4-4E5A-C707AAE22145}"/>
+              </a:ext>
+            </a:extLst>
+          </p:cNvPr>
+          <p:cNvSpPr txBox="1"/>
+          <p:nvPr/>
+        </p:nvSpPr>
+        <p:spPr>
+          <a:xfrm>
+            <a:off x="1474237" y="6169709"/>
+            <a:ext cx="8836090" cy="646331"/>
+          </a:xfrm>
+          <a:prstGeom prst="rect">
+            <a:avLst/>
+          </a:prstGeom>
+          <a:noFill/>
+        </p:spPr>
+        <p:txBody>
+          <a:bodyPr wrap="square" rtlCol="0">
+            <a:spAutoFit/>
+          </a:bodyPr>
+          <a:lstStyle/>
+          <a:p>
+            <a:r>
+              <a:rPr lang="en-GB" i="1" dirty="0"/>
+              <a:t>Fig. 3: </a:t>
+            </a:r>
+            <a:r>
+              <a:rPr lang="en-GB" dirty="0"/>
+              <a:t>Argon at 150mW (simulations with </a:t>
+            </a:r>
+          </a:p>
+          <a:p>
+            <a:r>
+              <a:rPr lang="en-GB" dirty="0"/>
+              <a:t>gradient model and COMSOL model of new chip instead of COMSOL of new and old)</a:t>
+            </a:r>
+          </a:p>
+        </p:txBody>
+      </p:sp>
+    </p:spTree>
+    <p:extLst>
+      <p:ext uri="{BB962C8B-B14F-4D97-AF65-F5344CB8AC3E}">
+        <p14:creationId xmlns:p14="http://schemas.microsoft.com/office/powerpoint/2010/main" val="3377462131"/>
+      </p:ext>
+    </p:extLst>
+  </p:cSld>
+  <p:clrMapOvr>
+    <a:masterClrMapping/>
+  </p:clrMapOvr>
+</p:sld>
+</file>
+
+<file path=ppt/slides/slide6.xml><?xml version="1.0" encoding="utf-8"?>
+<p:sld xmlns:a="http://schemas.openxmlformats.org/drawingml/2006/main" xmlns:r="http://schemas.openxmlformats.org/officeDocument/2006/relationships" xmlns:p="http://schemas.openxmlformats.org/presentationml/2006/main">
+  <p:cSld>
+    <p:spTree>
+      <p:nvGrpSpPr>
+        <p:cNvPr id="1" name=""/>
+        <p:cNvGrpSpPr/>
+        <p:nvPr/>
+      </p:nvGrpSpPr>
+      <p:grpSpPr>
+        <a:xfrm>
+          <a:off x="0" y="0"/>
+          <a:ext cx="0" cy="0"/>
+          <a:chOff x="0" y="0"/>
+          <a:chExt cx="0" cy="0"/>
+        </a:xfrm>
+      </p:grpSpPr>
+      <p:sp>
+        <p:nvSpPr>
+          <p:cNvPr id="2" name="Title 1">
+            <a:extLst>
+              <a:ext uri="{FF2B5EF4-FFF2-40B4-BE49-F238E27FC236}">
+                <a16:creationId xmlns:a16="http://schemas.microsoft.com/office/drawing/2014/main" id="{BE5782E2-71E5-D382-4C67-783970FEE9AA}"/>
+              </a:ext>
+            </a:extLst>
+          </p:cNvPr>
+          <p:cNvSpPr>
+            <a:spLocks noGrp="1"/>
+          </p:cNvSpPr>
+          <p:nvPr>
+            <p:ph type="title"/>
+          </p:nvPr>
+        </p:nvSpPr>
+        <p:spPr/>
+        <p:txBody>
+          <a:bodyPr/>
+          <a:lstStyle/>
+          <a:p>
+            <a:r>
+              <a:rPr lang="en-GB" b="1" dirty="0">
+                <a:solidFill>
+                  <a:srgbClr val="002060"/>
+                </a:solidFill>
+              </a:rPr>
+              <a:t>Sample manuscript plots</a:t>
+            </a:r>
+            <a:endParaRPr lang="en-GB" dirty="0"/>
+          </a:p>
+        </p:txBody>
+      </p:sp>
+      <p:sp>
+        <p:nvSpPr>
+          <p:cNvPr id="4" name="Content Placeholder 2">
+            <a:extLst>
+              <a:ext uri="{FF2B5EF4-FFF2-40B4-BE49-F238E27FC236}">
+                <a16:creationId xmlns:a16="http://schemas.microsoft.com/office/drawing/2014/main" id="{06B587C4-01EE-1E41-B8D3-BACA60AEFACF}"/>
+              </a:ext>
+            </a:extLst>
+          </p:cNvPr>
+          <p:cNvSpPr txBox="1">
+            <a:spLocks/>
+          </p:cNvSpPr>
+          <p:nvPr/>
+        </p:nvSpPr>
+        <p:spPr>
+          <a:xfrm>
+            <a:off x="838200" y="1539875"/>
+            <a:ext cx="10515600" cy="4351338"/>
+          </a:xfrm>
+          <a:prstGeom prst="rect">
+            <a:avLst/>
+          </a:prstGeom>
+        </p:spPr>
+        <p:txBody>
+          <a:bodyPr vert="horz" lIns="91440" tIns="45720" rIns="91440" bIns="45720" rtlCol="0">
+            <a:normAutofit/>
+          </a:bodyPr>
+          <a:lstStyle>
+            <a:lvl1pPr marL="228600" indent="-228600" algn="l" defTabSz="914400" rtl="0" eaLnBrk="1" latinLnBrk="0" hangingPunct="1">
+              <a:lnSpc>
+                <a:spcPct val="90000"/>
+              </a:lnSpc>
+              <a:spcBef>
+                <a:spcPts val="1000"/>
+              </a:spcBef>
+              <a:buFont typeface="Arial" panose="020B0604020202020204" pitchFamily="34" charset="0"/>
+              <a:buChar char="•"/>
+              <a:defRPr sz="2800" kern="1200">
+                <a:solidFill>
+                  <a:schemeClr val="tx1"/>
+                </a:solidFill>
+                <a:latin typeface="+mn-lt"/>
+                <a:ea typeface="+mn-ea"/>
+                <a:cs typeface="+mn-cs"/>
+              </a:defRPr>
+            </a:lvl1pPr>
+            <a:lvl2pPr marL="685800" indent="-228600" algn="l" defTabSz="914400" rtl="0" eaLnBrk="1" latinLnBrk="0" hangingPunct="1">
+              <a:lnSpc>
+                <a:spcPct val="90000"/>
+              </a:lnSpc>
+              <a:spcBef>
+                <a:spcPts val="500"/>
+              </a:spcBef>
+              <a:buFont typeface="Arial" panose="020B0604020202020204" pitchFamily="34" charset="0"/>
+              <a:buChar char="•"/>
+              <a:defRPr sz="2400" kern="1200">
+                <a:solidFill>
+                  <a:schemeClr val="tx1"/>
+                </a:solidFill>
+                <a:latin typeface="+mn-lt"/>
+                <a:ea typeface="+mn-ea"/>
+                <a:cs typeface="+mn-cs"/>
+              </a:defRPr>
+            </a:lvl2pPr>
+            <a:lvl3pPr marL="1143000" indent="-228600" algn="l" defTabSz="914400" rtl="0" eaLnBrk="1" latinLnBrk="0" hangingPunct="1">
+              <a:lnSpc>
+                <a:spcPct val="90000"/>
+              </a:lnSpc>
+              <a:spcBef>
+                <a:spcPts val="500"/>
+              </a:spcBef>
+              <a:buFont typeface="Arial" panose="020B0604020202020204" pitchFamily="34" charset="0"/>
+              <a:buChar char="•"/>
+              <a:defRPr sz="2000" kern="1200">
+                <a:solidFill>
+                  <a:schemeClr val="tx1"/>
+                </a:solidFill>
+                <a:latin typeface="+mn-lt"/>
+                <a:ea typeface="+mn-ea"/>
+                <a:cs typeface="+mn-cs"/>
+              </a:defRPr>
+            </a:lvl3pPr>
+            <a:lvl4pPr marL="1600200" indent="-228600" algn="l" defTabSz="914400" rtl="0" eaLnBrk="1" latinLnBrk="0" hangingPunct="1">
+              <a:lnSpc>
+                <a:spcPct val="90000"/>
+              </a:lnSpc>
+              <a:spcBef>
+                <a:spcPts val="500"/>
+              </a:spcBef>
+              <a:buFont typeface="Arial" panose="020B0604020202020204" pitchFamily="34" charset="0"/>
+              <a:buChar char="•"/>
+              <a:defRPr sz="1800" kern="1200">
+                <a:solidFill>
+                  <a:schemeClr val="tx1"/>
+                </a:solidFill>
+                <a:latin typeface="+mn-lt"/>
+                <a:ea typeface="+mn-ea"/>
+                <a:cs typeface="+mn-cs"/>
+              </a:defRPr>
+            </a:lvl4pPr>
+            <a:lvl5pPr marL="2057400" indent="-228600" algn="l" defTabSz="914400" rtl="0" eaLnBrk="1" latinLnBrk="0" hangingPunct="1">
+              <a:lnSpc>
+                <a:spcPct val="90000"/>
+              </a:lnSpc>
+              <a:spcBef>
+                <a:spcPts val="500"/>
+              </a:spcBef>
+              <a:buFont typeface="Arial" panose="020B0604020202020204" pitchFamily="34" charset="0"/>
+              <a:buChar char="•"/>
+              <a:defRPr sz="1800" kern="1200">
+                <a:solidFill>
+                  <a:schemeClr val="tx1"/>
+                </a:solidFill>
+                <a:latin typeface="+mn-lt"/>
+                <a:ea typeface="+mn-ea"/>
+                <a:cs typeface="+mn-cs"/>
+              </a:defRPr>
+            </a:lvl5pPr>
+            <a:lvl6pPr marL="2514600" indent="-228600" algn="l" defTabSz="914400" rtl="0" eaLnBrk="1" latinLnBrk="0" hangingPunct="1">
+              <a:lnSpc>
+                <a:spcPct val="90000"/>
+              </a:lnSpc>
+              <a:spcBef>
+                <a:spcPts val="500"/>
+              </a:spcBef>
+              <a:buFont typeface="Arial" panose="020B0604020202020204" pitchFamily="34" charset="0"/>
+              <a:buChar char="•"/>
+              <a:defRPr sz="1800" kern="1200">
+                <a:solidFill>
+                  <a:schemeClr val="tx1"/>
+                </a:solidFill>
+                <a:latin typeface="+mn-lt"/>
+                <a:ea typeface="+mn-ea"/>
+                <a:cs typeface="+mn-cs"/>
+              </a:defRPr>
+            </a:lvl6pPr>
+            <a:lvl7pPr marL="2971800" indent="-228600" algn="l" defTabSz="914400" rtl="0" eaLnBrk="1" latinLnBrk="0" hangingPunct="1">
+              <a:lnSpc>
+                <a:spcPct val="90000"/>
+              </a:lnSpc>
+              <a:spcBef>
+                <a:spcPts val="500"/>
+              </a:spcBef>
+              <a:buFont typeface="Arial" panose="020B0604020202020204" pitchFamily="34" charset="0"/>
+              <a:buChar char="•"/>
+              <a:defRPr sz="1800" kern="1200">
+                <a:solidFill>
+                  <a:schemeClr val="tx1"/>
+                </a:solidFill>
+                <a:latin typeface="+mn-lt"/>
+                <a:ea typeface="+mn-ea"/>
+                <a:cs typeface="+mn-cs"/>
+              </a:defRPr>
+            </a:lvl7pPr>
+            <a:lvl8pPr marL="3429000" indent="-228600" algn="l" defTabSz="914400" rtl="0" eaLnBrk="1" latinLnBrk="0" hangingPunct="1">
+              <a:lnSpc>
+                <a:spcPct val="90000"/>
+              </a:lnSpc>
+              <a:spcBef>
+                <a:spcPts val="500"/>
+              </a:spcBef>
+              <a:buFont typeface="Arial" panose="020B0604020202020204" pitchFamily="34" charset="0"/>
+              <a:buChar char="•"/>
+              <a:defRPr sz="1800" kern="1200">
+                <a:solidFill>
+                  <a:schemeClr val="tx1"/>
+                </a:solidFill>
+                <a:latin typeface="+mn-lt"/>
+                <a:ea typeface="+mn-ea"/>
+                <a:cs typeface="+mn-cs"/>
+              </a:defRPr>
+            </a:lvl8pPr>
+            <a:lvl9pPr marL="3886200" indent="-228600" algn="l" defTabSz="914400" rtl="0" eaLnBrk="1" latinLnBrk="0" hangingPunct="1">
+              <a:lnSpc>
+                <a:spcPct val="90000"/>
+              </a:lnSpc>
+              <a:spcBef>
+                <a:spcPts val="500"/>
+              </a:spcBef>
+              <a:buFont typeface="Arial" panose="020B0604020202020204" pitchFamily="34" charset="0"/>
+              <a:buChar char="•"/>
+              <a:defRPr sz="1800" kern="1200">
+                <a:solidFill>
+                  <a:schemeClr val="tx1"/>
+                </a:solidFill>
+                <a:latin typeface="+mn-lt"/>
+                <a:ea typeface="+mn-ea"/>
+                <a:cs typeface="+mn-cs"/>
+              </a:defRPr>
+            </a:lvl9pPr>
+          </a:lstStyle>
+          <a:p>
+            <a:pPr marL="0" indent="0">
+              <a:buFont typeface="Arial" panose="020B0604020202020204" pitchFamily="34" charset="0"/>
+              <a:buNone/>
+            </a:pPr>
+            <a:r>
+              <a:rPr lang="en-GB" b="1" u="sng" dirty="0"/>
+              <a:t>D. Spatiotemporal UV profile at output</a:t>
+            </a:r>
+          </a:p>
+        </p:txBody>
+      </p:sp>
+      <p:pic>
+        <p:nvPicPr>
+          <p:cNvPr id="6" name="Picture 5" descr="A rainbow colored circle with numbers and a chart&#10;&#10;Description automatically generated with medium confidence">
+            <a:extLst>
+              <a:ext uri="{FF2B5EF4-FFF2-40B4-BE49-F238E27FC236}">
+                <a16:creationId xmlns:a16="http://schemas.microsoft.com/office/drawing/2014/main" id="{D9502DA8-6EE7-859D-23E2-6379B2A2C43A}"/>
+              </a:ext>
+            </a:extLst>
+          </p:cNvPr>
+          <p:cNvPicPr>
+            <a:picLocks noChangeAspect="1"/>
+          </p:cNvPicPr>
+          <p:nvPr/>
+        </p:nvPicPr>
+        <p:blipFill>
+          <a:blip r:embed="rId2">
+            <a:extLst>
+              <a:ext uri="{28A0092B-C50C-407E-A947-70E740481C1C}">
+                <a14:useLocalDpi xmlns:a14="http://schemas.microsoft.com/office/drawing/2010/main" val="0"/>
+              </a:ext>
+            </a:extLst>
+          </a:blip>
+          <a:stretch>
+            <a:fillRect/>
+          </a:stretch>
+        </p:blipFill>
+        <p:spPr>
+          <a:xfrm>
+            <a:off x="650173" y="1922326"/>
+            <a:ext cx="5759817" cy="4319634"/>
+          </a:xfrm>
+          <a:prstGeom prst="rect">
+            <a:avLst/>
+          </a:prstGeom>
+        </p:spPr>
+      </p:pic>
+      <p:pic>
+        <p:nvPicPr>
+          <p:cNvPr id="8" name="Picture 7" descr="A rainbow colored circle with numbers&#10;&#10;Description automatically generated with medium confidence">
+            <a:extLst>
+              <a:ext uri="{FF2B5EF4-FFF2-40B4-BE49-F238E27FC236}">
+                <a16:creationId xmlns:a16="http://schemas.microsoft.com/office/drawing/2014/main" id="{C13509AE-83B0-8E30-3B15-D6E98743BF1A}"/>
+              </a:ext>
+            </a:extLst>
+          </p:cNvPr>
+          <p:cNvPicPr>
+            <a:picLocks noChangeAspect="1"/>
+          </p:cNvPicPr>
+          <p:nvPr/>
+        </p:nvPicPr>
+        <p:blipFill>
+          <a:blip r:embed="rId3">
+            <a:extLst>
+              <a:ext uri="{28A0092B-C50C-407E-A947-70E740481C1C}">
+                <a14:useLocalDpi xmlns:a14="http://schemas.microsoft.com/office/drawing/2010/main" val="0"/>
+              </a:ext>
+            </a:extLst>
+          </a:blip>
+          <a:stretch>
+            <a:fillRect/>
+          </a:stretch>
+        </p:blipFill>
+        <p:spPr>
+          <a:xfrm>
+            <a:off x="6341846" y="1922326"/>
+            <a:ext cx="5759817" cy="4319634"/>
+          </a:xfrm>
+          <a:prstGeom prst="rect">
+            <a:avLst/>
+          </a:prstGeom>
+        </p:spPr>
+      </p:pic>
+      <p:sp>
+        <p:nvSpPr>
+          <p:cNvPr id="9" name="TextBox 8">
+            <a:extLst>
+              <a:ext uri="{FF2B5EF4-FFF2-40B4-BE49-F238E27FC236}">
+                <a16:creationId xmlns:a16="http://schemas.microsoft.com/office/drawing/2014/main" id="{1D90BA58-5C71-6DD5-D65B-394B25185508}"/>
+              </a:ext>
+            </a:extLst>
+          </p:cNvPr>
+          <p:cNvSpPr txBox="1"/>
+          <p:nvPr/>
+        </p:nvSpPr>
+        <p:spPr>
+          <a:xfrm>
+            <a:off x="7873482" y="1539875"/>
+            <a:ext cx="2318327" cy="369332"/>
+          </a:xfrm>
+          <a:prstGeom prst="rect">
+            <a:avLst/>
+          </a:prstGeom>
+          <a:noFill/>
+        </p:spPr>
+        <p:txBody>
+          <a:bodyPr wrap="none" rtlCol="0">
+            <a:spAutoFit/>
+          </a:bodyPr>
+          <a:lstStyle/>
+          <a:p>
+            <a:r>
+              <a:rPr lang="en-GB" dirty="0" err="1"/>
+              <a:t>Ar</a:t>
+            </a:r>
+            <a:r>
+              <a:rPr lang="en-GB" dirty="0"/>
+              <a:t> 150mW 0.4bar grad</a:t>
+            </a:r>
+          </a:p>
+        </p:txBody>
+      </p:sp>
+      <p:sp>
+        <p:nvSpPr>
+          <p:cNvPr id="10" name="TextBox 9">
+            <a:extLst>
+              <a:ext uri="{FF2B5EF4-FFF2-40B4-BE49-F238E27FC236}">
+                <a16:creationId xmlns:a16="http://schemas.microsoft.com/office/drawing/2014/main" id="{AD35B6EF-62B7-B9B4-BDD7-64E1F80A83F6}"/>
+              </a:ext>
+            </a:extLst>
+          </p:cNvPr>
+          <p:cNvSpPr txBox="1"/>
+          <p:nvPr/>
+        </p:nvSpPr>
+        <p:spPr>
+          <a:xfrm>
+            <a:off x="2238375" y="6553200"/>
+            <a:ext cx="481222" cy="369332"/>
+          </a:xfrm>
+          <a:prstGeom prst="rect">
+            <a:avLst/>
+          </a:prstGeom>
+          <a:noFill/>
+        </p:spPr>
+        <p:txBody>
+          <a:bodyPr wrap="none" rtlCol="0">
+            <a:spAutoFit/>
+          </a:bodyPr>
+          <a:lstStyle/>
+          <a:p>
+            <a:r>
+              <a:rPr lang="en-GB" dirty="0"/>
+              <a:t>ion</a:t>
+            </a:r>
+          </a:p>
+        </p:txBody>
+      </p:sp>
+      <p:sp>
+        <p:nvSpPr>
+          <p:cNvPr id="11" name="TextBox 10">
+            <a:extLst>
+              <a:ext uri="{FF2B5EF4-FFF2-40B4-BE49-F238E27FC236}">
+                <a16:creationId xmlns:a16="http://schemas.microsoft.com/office/drawing/2014/main" id="{E58597D1-E69B-D094-B514-6F0EF85E2447}"/>
+              </a:ext>
+            </a:extLst>
+          </p:cNvPr>
+          <p:cNvSpPr txBox="1"/>
+          <p:nvPr/>
+        </p:nvSpPr>
+        <p:spPr>
+          <a:xfrm>
+            <a:off x="9221754" y="6553200"/>
+            <a:ext cx="840295" cy="369332"/>
+          </a:xfrm>
+          <a:prstGeom prst="rect">
+            <a:avLst/>
+          </a:prstGeom>
+          <a:noFill/>
+        </p:spPr>
+        <p:txBody>
+          <a:bodyPr wrap="none" rtlCol="0">
+            <a:spAutoFit/>
+          </a:bodyPr>
+          <a:lstStyle/>
+          <a:p>
+            <a:r>
+              <a:rPr lang="en-GB" dirty="0" err="1"/>
+              <a:t>no_ion</a:t>
+            </a:r>
+            <a:endParaRPr lang="en-GB" dirty="0"/>
+          </a:p>
+        </p:txBody>
+      </p:sp>
+      <p:sp>
+        <p:nvSpPr>
+          <p:cNvPr id="12" name="TextBox 11">
+            <a:extLst>
+              <a:ext uri="{FF2B5EF4-FFF2-40B4-BE49-F238E27FC236}">
+                <a16:creationId xmlns:a16="http://schemas.microsoft.com/office/drawing/2014/main" id="{43013B3F-B74F-DB66-65BB-04FBA1270B66}"/>
+              </a:ext>
+            </a:extLst>
+          </p:cNvPr>
+          <p:cNvSpPr txBox="1"/>
+          <p:nvPr/>
+        </p:nvSpPr>
+        <p:spPr>
+          <a:xfrm>
+            <a:off x="5768025" y="6308209"/>
+            <a:ext cx="2822824" cy="369332"/>
+          </a:xfrm>
+          <a:prstGeom prst="rect">
+            <a:avLst/>
+          </a:prstGeom>
+          <a:noFill/>
+        </p:spPr>
+        <p:txBody>
+          <a:bodyPr wrap="none" rtlCol="0">
+            <a:spAutoFit/>
+          </a:bodyPr>
+          <a:lstStyle/>
+          <a:p>
+            <a:r>
+              <a:rPr lang="en-GB" dirty="0"/>
+              <a:t>ADD TL PULSE DURATION?? </a:t>
+            </a:r>
+          </a:p>
+        </p:txBody>
+      </p:sp>
+    </p:spTree>
+    <p:extLst>
+      <p:ext uri="{BB962C8B-B14F-4D97-AF65-F5344CB8AC3E}">
+        <p14:creationId xmlns:p14="http://schemas.microsoft.com/office/powerpoint/2010/main" val="2417181311"/>
+      </p:ext>
+    </p:extLst>
+  </p:cSld>
+  <p:clrMapOvr>
+    <a:masterClrMapping/>
+  </p:clrMapOvr>
+</p:sld>
+</file>
+
+<file path=ppt/slides/slide7.xml><?xml version="1.0" encoding="utf-8"?>
+<p:sld xmlns:a="http://schemas.openxmlformats.org/drawingml/2006/main" xmlns:r="http://schemas.openxmlformats.org/officeDocument/2006/relationships" xmlns:p="http://schemas.openxmlformats.org/presentationml/2006/main">
+  <p:cSld>
+    <p:spTree>
+      <p:nvGrpSpPr>
+        <p:cNvPr id="1" name=""/>
+        <p:cNvGrpSpPr/>
+        <p:nvPr/>
+      </p:nvGrpSpPr>
+      <p:grpSpPr>
+        <a:xfrm>
+          <a:off x="0" y="0"/>
+          <a:ext cx="0" cy="0"/>
+          <a:chOff x="0" y="0"/>
+          <a:chExt cx="0" cy="0"/>
+        </a:xfrm>
+      </p:grpSpPr>
+      <p:sp>
+        <p:nvSpPr>
+          <p:cNvPr id="2" name="Title 1">
+            <a:extLst>
+              <a:ext uri="{FF2B5EF4-FFF2-40B4-BE49-F238E27FC236}">
+                <a16:creationId xmlns:a16="http://schemas.microsoft.com/office/drawing/2014/main" id="{8C280EDB-9E7F-15CC-3725-25F873883A62}"/>
+              </a:ext>
+            </a:extLst>
+          </p:cNvPr>
+          <p:cNvSpPr>
+            <a:spLocks noGrp="1"/>
+          </p:cNvSpPr>
+          <p:nvPr>
+            <p:ph type="title"/>
+          </p:nvPr>
+        </p:nvSpPr>
+        <p:spPr/>
+        <p:txBody>
+          <a:bodyPr/>
+          <a:lstStyle/>
+          <a:p>
+            <a:r>
+              <a:rPr lang="en-GB" b="1" dirty="0">
+                <a:solidFill>
+                  <a:srgbClr val="002060"/>
+                </a:solidFill>
+              </a:rPr>
+              <a:t>Sample manuscript plots</a:t>
+            </a:r>
+            <a:endParaRPr lang="en-GB" dirty="0"/>
+          </a:p>
+        </p:txBody>
+      </p:sp>
+      <p:sp>
+        <p:nvSpPr>
+          <p:cNvPr id="4" name="Content Placeholder 2">
+            <a:extLst>
+              <a:ext uri="{FF2B5EF4-FFF2-40B4-BE49-F238E27FC236}">
+                <a16:creationId xmlns:a16="http://schemas.microsoft.com/office/drawing/2014/main" id="{3FF2DF13-A52F-11EC-C110-C13DB4B783E9}"/>
+              </a:ext>
+            </a:extLst>
+          </p:cNvPr>
+          <p:cNvSpPr txBox="1">
+            <a:spLocks/>
+          </p:cNvSpPr>
+          <p:nvPr/>
+        </p:nvSpPr>
+        <p:spPr>
+          <a:xfrm>
+            <a:off x="838200" y="1539875"/>
+            <a:ext cx="10515600" cy="4351338"/>
+          </a:xfrm>
+          <a:prstGeom prst="rect">
+            <a:avLst/>
+          </a:prstGeom>
+        </p:spPr>
+        <p:txBody>
+          <a:bodyPr vert="horz" lIns="91440" tIns="45720" rIns="91440" bIns="45720" rtlCol="0">
+            <a:normAutofit/>
+          </a:bodyPr>
+          <a:lstStyle>
+            <a:lvl1pPr marL="228600" indent="-228600" algn="l" defTabSz="914400" rtl="0" eaLnBrk="1" latinLnBrk="0" hangingPunct="1">
+              <a:lnSpc>
+                <a:spcPct val="90000"/>
+              </a:lnSpc>
+              <a:spcBef>
+                <a:spcPts val="1000"/>
+              </a:spcBef>
+              <a:buFont typeface="Arial" panose="020B0604020202020204" pitchFamily="34" charset="0"/>
+              <a:buChar char="•"/>
+              <a:defRPr sz="2800" kern="1200">
+                <a:solidFill>
+                  <a:schemeClr val="tx1"/>
+                </a:solidFill>
+                <a:latin typeface="+mn-lt"/>
+                <a:ea typeface="+mn-ea"/>
+                <a:cs typeface="+mn-cs"/>
+              </a:defRPr>
+            </a:lvl1pPr>
+            <a:lvl2pPr marL="685800" indent="-228600" algn="l" defTabSz="914400" rtl="0" eaLnBrk="1" latinLnBrk="0" hangingPunct="1">
+              <a:lnSpc>
+                <a:spcPct val="90000"/>
+              </a:lnSpc>
+              <a:spcBef>
+                <a:spcPts val="500"/>
+              </a:spcBef>
+              <a:buFont typeface="Arial" panose="020B0604020202020204" pitchFamily="34" charset="0"/>
+              <a:buChar char="•"/>
+              <a:defRPr sz="2400" kern="1200">
+                <a:solidFill>
+                  <a:schemeClr val="tx1"/>
+                </a:solidFill>
+                <a:latin typeface="+mn-lt"/>
+                <a:ea typeface="+mn-ea"/>
+                <a:cs typeface="+mn-cs"/>
+              </a:defRPr>
+            </a:lvl2pPr>
+            <a:lvl3pPr marL="1143000" indent="-228600" algn="l" defTabSz="914400" rtl="0" eaLnBrk="1" latinLnBrk="0" hangingPunct="1">
+              <a:lnSpc>
+                <a:spcPct val="90000"/>
+              </a:lnSpc>
+              <a:spcBef>
+                <a:spcPts val="500"/>
+              </a:spcBef>
+              <a:buFont typeface="Arial" panose="020B0604020202020204" pitchFamily="34" charset="0"/>
+              <a:buChar char="•"/>
+              <a:defRPr sz="2000" kern="1200">
+                <a:solidFill>
+                  <a:schemeClr val="tx1"/>
+                </a:solidFill>
+                <a:latin typeface="+mn-lt"/>
+                <a:ea typeface="+mn-ea"/>
+                <a:cs typeface="+mn-cs"/>
+              </a:defRPr>
+            </a:lvl3pPr>
+            <a:lvl4pPr marL="1600200" indent="-228600" algn="l" defTabSz="914400" rtl="0" eaLnBrk="1" latinLnBrk="0" hangingPunct="1">
+              <a:lnSpc>
+                <a:spcPct val="90000"/>
+              </a:lnSpc>
+              <a:spcBef>
+                <a:spcPts val="500"/>
+              </a:spcBef>
+              <a:buFont typeface="Arial" panose="020B0604020202020204" pitchFamily="34" charset="0"/>
+              <a:buChar char="•"/>
+              <a:defRPr sz="1800" kern="1200">
+                <a:solidFill>
+                  <a:schemeClr val="tx1"/>
+                </a:solidFill>
+                <a:latin typeface="+mn-lt"/>
+                <a:ea typeface="+mn-ea"/>
+                <a:cs typeface="+mn-cs"/>
+              </a:defRPr>
+            </a:lvl4pPr>
+            <a:lvl5pPr marL="2057400" indent="-228600" algn="l" defTabSz="914400" rtl="0" eaLnBrk="1" latinLnBrk="0" hangingPunct="1">
+              <a:lnSpc>
+                <a:spcPct val="90000"/>
+              </a:lnSpc>
+              <a:spcBef>
+                <a:spcPts val="500"/>
+              </a:spcBef>
+              <a:buFont typeface="Arial" panose="020B0604020202020204" pitchFamily="34" charset="0"/>
+              <a:buChar char="•"/>
+              <a:defRPr sz="1800" kern="1200">
+                <a:solidFill>
+                  <a:schemeClr val="tx1"/>
+                </a:solidFill>
+                <a:latin typeface="+mn-lt"/>
+                <a:ea typeface="+mn-ea"/>
+                <a:cs typeface="+mn-cs"/>
+              </a:defRPr>
+            </a:lvl5pPr>
+            <a:lvl6pPr marL="2514600" indent="-228600" algn="l" defTabSz="914400" rtl="0" eaLnBrk="1" latinLnBrk="0" hangingPunct="1">
+              <a:lnSpc>
+                <a:spcPct val="90000"/>
+              </a:lnSpc>
+              <a:spcBef>
+                <a:spcPts val="500"/>
+              </a:spcBef>
+              <a:buFont typeface="Arial" panose="020B0604020202020204" pitchFamily="34" charset="0"/>
+              <a:buChar char="•"/>
+              <a:defRPr sz="1800" kern="1200">
+                <a:solidFill>
+                  <a:schemeClr val="tx1"/>
+                </a:solidFill>
+                <a:latin typeface="+mn-lt"/>
+                <a:ea typeface="+mn-ea"/>
+                <a:cs typeface="+mn-cs"/>
+              </a:defRPr>
+            </a:lvl6pPr>
+            <a:lvl7pPr marL="2971800" indent="-228600" algn="l" defTabSz="914400" rtl="0" eaLnBrk="1" latinLnBrk="0" hangingPunct="1">
+              <a:lnSpc>
+                <a:spcPct val="90000"/>
+              </a:lnSpc>
+              <a:spcBef>
+                <a:spcPts val="500"/>
+              </a:spcBef>
+              <a:buFont typeface="Arial" panose="020B0604020202020204" pitchFamily="34" charset="0"/>
+              <a:buChar char="•"/>
+              <a:defRPr sz="1800" kern="1200">
+                <a:solidFill>
+                  <a:schemeClr val="tx1"/>
+                </a:solidFill>
+                <a:latin typeface="+mn-lt"/>
+                <a:ea typeface="+mn-ea"/>
+                <a:cs typeface="+mn-cs"/>
+              </a:defRPr>
+            </a:lvl7pPr>
+            <a:lvl8pPr marL="3429000" indent="-228600" algn="l" defTabSz="914400" rtl="0" eaLnBrk="1" latinLnBrk="0" hangingPunct="1">
+              <a:lnSpc>
+                <a:spcPct val="90000"/>
+              </a:lnSpc>
+              <a:spcBef>
+                <a:spcPts val="500"/>
+              </a:spcBef>
+              <a:buFont typeface="Arial" panose="020B0604020202020204" pitchFamily="34" charset="0"/>
+              <a:buChar char="•"/>
+              <a:defRPr sz="1800" kern="1200">
+                <a:solidFill>
+                  <a:schemeClr val="tx1"/>
+                </a:solidFill>
+                <a:latin typeface="+mn-lt"/>
+                <a:ea typeface="+mn-ea"/>
+                <a:cs typeface="+mn-cs"/>
+              </a:defRPr>
+            </a:lvl8pPr>
+            <a:lvl9pPr marL="3886200" indent="-228600" algn="l" defTabSz="914400" rtl="0" eaLnBrk="1" latinLnBrk="0" hangingPunct="1">
+              <a:lnSpc>
+                <a:spcPct val="90000"/>
+              </a:lnSpc>
+              <a:spcBef>
+                <a:spcPts val="500"/>
+              </a:spcBef>
+              <a:buFont typeface="Arial" panose="020B0604020202020204" pitchFamily="34" charset="0"/>
+              <a:buChar char="•"/>
+              <a:defRPr sz="1800" kern="1200">
+                <a:solidFill>
+                  <a:schemeClr val="tx1"/>
+                </a:solidFill>
+                <a:latin typeface="+mn-lt"/>
+                <a:ea typeface="+mn-ea"/>
+                <a:cs typeface="+mn-cs"/>
+              </a:defRPr>
+            </a:lvl9pPr>
+          </a:lstStyle>
+          <a:p>
+            <a:pPr marL="0" indent="0">
+              <a:buFont typeface="Arial" panose="020B0604020202020204" pitchFamily="34" charset="0"/>
+              <a:buNone/>
+            </a:pPr>
+            <a:r>
+              <a:rPr lang="en-GB" b="1" u="sng" dirty="0"/>
+              <a:t>E. Spatiotemporal UV profile at different positions</a:t>
+            </a:r>
+          </a:p>
+        </p:txBody>
+      </p:sp>
+      <p:pic>
+        <p:nvPicPr>
+          <p:cNvPr id="6" name="Picture 5" descr="A group of images of numbers and symbols&#10;&#10;Description automatically generated">
+            <a:extLst>
+              <a:ext uri="{FF2B5EF4-FFF2-40B4-BE49-F238E27FC236}">
+                <a16:creationId xmlns:a16="http://schemas.microsoft.com/office/drawing/2014/main" id="{9DCD6C18-069F-0EEA-2B4D-E598FFFDC0D7}"/>
+              </a:ext>
+            </a:extLst>
+          </p:cNvPr>
+          <p:cNvPicPr>
+            <a:picLocks noChangeAspect="1"/>
+          </p:cNvPicPr>
+          <p:nvPr/>
+        </p:nvPicPr>
+        <p:blipFill>
+          <a:blip r:embed="rId2">
+            <a:extLst>
+              <a:ext uri="{28A0092B-C50C-407E-A947-70E740481C1C}">
+                <a14:useLocalDpi xmlns:a14="http://schemas.microsoft.com/office/drawing/2010/main" val="0"/>
+              </a:ext>
+            </a:extLst>
+          </a:blip>
+          <a:stretch>
+            <a:fillRect/>
+          </a:stretch>
+        </p:blipFill>
+        <p:spPr>
+          <a:xfrm>
+            <a:off x="1270464" y="2047317"/>
+            <a:ext cx="5759817" cy="4319634"/>
+          </a:xfrm>
+          <a:prstGeom prst="rect">
+            <a:avLst/>
+          </a:prstGeom>
+        </p:spPr>
+      </p:pic>
+      <p:sp>
+        <p:nvSpPr>
+          <p:cNvPr id="7" name="TextBox 6">
+            <a:extLst>
+              <a:ext uri="{FF2B5EF4-FFF2-40B4-BE49-F238E27FC236}">
+                <a16:creationId xmlns:a16="http://schemas.microsoft.com/office/drawing/2014/main" id="{F55A44CD-EDF9-0599-881D-08BA2EA9C8ED}"/>
+              </a:ext>
+            </a:extLst>
+          </p:cNvPr>
+          <p:cNvSpPr txBox="1"/>
+          <p:nvPr/>
+        </p:nvSpPr>
+        <p:spPr>
+          <a:xfrm>
+            <a:off x="8406882" y="3429000"/>
+            <a:ext cx="2318327" cy="369332"/>
+          </a:xfrm>
+          <a:prstGeom prst="rect">
+            <a:avLst/>
+          </a:prstGeom>
+          <a:noFill/>
+        </p:spPr>
+        <p:txBody>
+          <a:bodyPr wrap="none" rtlCol="0">
+            <a:spAutoFit/>
+          </a:bodyPr>
+          <a:lstStyle/>
+          <a:p>
+            <a:r>
+              <a:rPr lang="en-GB" dirty="0" err="1"/>
+              <a:t>Ar</a:t>
+            </a:r>
+            <a:r>
+              <a:rPr lang="en-GB" dirty="0"/>
+              <a:t> 150mW 0.4bar grad</a:t>
+            </a:r>
+          </a:p>
+        </p:txBody>
+      </p:sp>
+    </p:spTree>
+    <p:extLst>
+      <p:ext uri="{BB962C8B-B14F-4D97-AF65-F5344CB8AC3E}">
+        <p14:creationId xmlns:p14="http://schemas.microsoft.com/office/powerpoint/2010/main" val="3859995036"/>
+      </p:ext>
+    </p:extLst>
+  </p:cSld>
+  <p:clrMapOvr>
+    <a:masterClrMapping/>
+  </p:clrMapOvr>
+</p:sld>
+</file>
+
+<file path=ppt/slides/slide8.xml><?xml version="1.0" encoding="utf-8"?>
+<p:sld xmlns:a="http://schemas.openxmlformats.org/drawingml/2006/main" xmlns:r="http://schemas.openxmlformats.org/officeDocument/2006/relationships" xmlns:p="http://schemas.openxmlformats.org/presentationml/2006/main">
+  <p:cSld>
+    <p:spTree>
+      <p:nvGrpSpPr>
+        <p:cNvPr id="1" name=""/>
+        <p:cNvGrpSpPr/>
+        <p:nvPr/>
+      </p:nvGrpSpPr>
+      <p:grpSpPr>
+        <a:xfrm>
+          <a:off x="0" y="0"/>
+          <a:ext cx="0" cy="0"/>
+          <a:chOff x="0" y="0"/>
+          <a:chExt cx="0" cy="0"/>
+        </a:xfrm>
+      </p:grpSpPr>
+      <p:sp>
+        <p:nvSpPr>
+          <p:cNvPr id="4" name="Content Placeholder 2">
+            <a:extLst>
+              <a:ext uri="{FF2B5EF4-FFF2-40B4-BE49-F238E27FC236}">
+                <a16:creationId xmlns:a16="http://schemas.microsoft.com/office/drawing/2014/main" id="{F8901679-2C27-325A-62B1-8DD209F70B57}"/>
+              </a:ext>
+            </a:extLst>
+          </p:cNvPr>
+          <p:cNvSpPr txBox="1">
+            <a:spLocks/>
+          </p:cNvSpPr>
+          <p:nvPr/>
+        </p:nvSpPr>
+        <p:spPr>
+          <a:xfrm>
+            <a:off x="838200" y="1539875"/>
+            <a:ext cx="10515600" cy="4351338"/>
+          </a:xfrm>
+          <a:prstGeom prst="rect">
+            <a:avLst/>
+          </a:prstGeom>
+        </p:spPr>
+        <p:txBody>
+          <a:bodyPr vert="horz" lIns="91440" tIns="45720" rIns="91440" bIns="45720" rtlCol="0">
+            <a:normAutofit/>
+          </a:bodyPr>
+          <a:lstStyle>
+            <a:lvl1pPr marL="228600" indent="-228600" algn="l" defTabSz="914400" rtl="0" eaLnBrk="1" latinLnBrk="0" hangingPunct="1">
+              <a:lnSpc>
+                <a:spcPct val="90000"/>
+              </a:lnSpc>
+              <a:spcBef>
+                <a:spcPts val="1000"/>
+              </a:spcBef>
+              <a:buFont typeface="Arial" panose="020B0604020202020204" pitchFamily="34" charset="0"/>
+              <a:buChar char="•"/>
+              <a:defRPr sz="2800" kern="1200">
+                <a:solidFill>
+                  <a:schemeClr val="tx1"/>
+                </a:solidFill>
+                <a:latin typeface="+mn-lt"/>
+                <a:ea typeface="+mn-ea"/>
+                <a:cs typeface="+mn-cs"/>
+              </a:defRPr>
+            </a:lvl1pPr>
+            <a:lvl2pPr marL="685800" indent="-228600" algn="l" defTabSz="914400" rtl="0" eaLnBrk="1" latinLnBrk="0" hangingPunct="1">
+              <a:lnSpc>
+                <a:spcPct val="90000"/>
+              </a:lnSpc>
+              <a:spcBef>
+                <a:spcPts val="500"/>
+              </a:spcBef>
+              <a:buFont typeface="Arial" panose="020B0604020202020204" pitchFamily="34" charset="0"/>
+              <a:buChar char="•"/>
+              <a:defRPr sz="2400" kern="1200">
+                <a:solidFill>
+                  <a:schemeClr val="tx1"/>
+                </a:solidFill>
+                <a:latin typeface="+mn-lt"/>
+                <a:ea typeface="+mn-ea"/>
+                <a:cs typeface="+mn-cs"/>
+              </a:defRPr>
+            </a:lvl2pPr>
+            <a:lvl3pPr marL="1143000" indent="-228600" algn="l" defTabSz="914400" rtl="0" eaLnBrk="1" latinLnBrk="0" hangingPunct="1">
+              <a:lnSpc>
+                <a:spcPct val="90000"/>
+              </a:lnSpc>
+              <a:spcBef>
+                <a:spcPts val="500"/>
+              </a:spcBef>
+              <a:buFont typeface="Arial" panose="020B0604020202020204" pitchFamily="34" charset="0"/>
+              <a:buChar char="•"/>
+              <a:defRPr sz="2000" kern="1200">
+                <a:solidFill>
+                  <a:schemeClr val="tx1"/>
+                </a:solidFill>
+                <a:latin typeface="+mn-lt"/>
+                <a:ea typeface="+mn-ea"/>
+                <a:cs typeface="+mn-cs"/>
+              </a:defRPr>
+            </a:lvl3pPr>
+            <a:lvl4pPr marL="1600200" indent="-228600" algn="l" defTabSz="914400" rtl="0" eaLnBrk="1" latinLnBrk="0" hangingPunct="1">
+              <a:lnSpc>
+                <a:spcPct val="90000"/>
+              </a:lnSpc>
+              <a:spcBef>
+                <a:spcPts val="500"/>
+              </a:spcBef>
+              <a:buFont typeface="Arial" panose="020B0604020202020204" pitchFamily="34" charset="0"/>
+              <a:buChar char="•"/>
+              <a:defRPr sz="1800" kern="1200">
+                <a:solidFill>
+                  <a:schemeClr val="tx1"/>
+                </a:solidFill>
+                <a:latin typeface="+mn-lt"/>
+                <a:ea typeface="+mn-ea"/>
+                <a:cs typeface="+mn-cs"/>
+              </a:defRPr>
+            </a:lvl4pPr>
+            <a:lvl5pPr marL="2057400" indent="-228600" algn="l" defTabSz="914400" rtl="0" eaLnBrk="1" latinLnBrk="0" hangingPunct="1">
+              <a:lnSpc>
+                <a:spcPct val="90000"/>
+              </a:lnSpc>
+              <a:spcBef>
+                <a:spcPts val="500"/>
+              </a:spcBef>
+              <a:buFont typeface="Arial" panose="020B0604020202020204" pitchFamily="34" charset="0"/>
+              <a:buChar char="•"/>
+              <a:defRPr sz="1800" kern="1200">
+                <a:solidFill>
+                  <a:schemeClr val="tx1"/>
+                </a:solidFill>
+                <a:latin typeface="+mn-lt"/>
+                <a:ea typeface="+mn-ea"/>
+                <a:cs typeface="+mn-cs"/>
+              </a:defRPr>
+            </a:lvl5pPr>
+            <a:lvl6pPr marL="2514600" indent="-228600" algn="l" defTabSz="914400" rtl="0" eaLnBrk="1" latinLnBrk="0" hangingPunct="1">
+              <a:lnSpc>
+                <a:spcPct val="90000"/>
+              </a:lnSpc>
+              <a:spcBef>
+                <a:spcPts val="500"/>
+              </a:spcBef>
+              <a:buFont typeface="Arial" panose="020B0604020202020204" pitchFamily="34" charset="0"/>
+              <a:buChar char="•"/>
+              <a:defRPr sz="1800" kern="1200">
+                <a:solidFill>
+                  <a:schemeClr val="tx1"/>
+                </a:solidFill>
+                <a:latin typeface="+mn-lt"/>
+                <a:ea typeface="+mn-ea"/>
+                <a:cs typeface="+mn-cs"/>
+              </a:defRPr>
+            </a:lvl6pPr>
+            <a:lvl7pPr marL="2971800" indent="-228600" algn="l" defTabSz="914400" rtl="0" eaLnBrk="1" latinLnBrk="0" hangingPunct="1">
+              <a:lnSpc>
+                <a:spcPct val="90000"/>
+              </a:lnSpc>
+              <a:spcBef>
+                <a:spcPts val="500"/>
+              </a:spcBef>
+              <a:buFont typeface="Arial" panose="020B0604020202020204" pitchFamily="34" charset="0"/>
+              <a:buChar char="•"/>
+              <a:defRPr sz="1800" kern="1200">
+                <a:solidFill>
+                  <a:schemeClr val="tx1"/>
+                </a:solidFill>
+                <a:latin typeface="+mn-lt"/>
+                <a:ea typeface="+mn-ea"/>
+                <a:cs typeface="+mn-cs"/>
+              </a:defRPr>
+            </a:lvl7pPr>
+            <a:lvl8pPr marL="3429000" indent="-228600" algn="l" defTabSz="914400" rtl="0" eaLnBrk="1" latinLnBrk="0" hangingPunct="1">
+              <a:lnSpc>
+                <a:spcPct val="90000"/>
+              </a:lnSpc>
+              <a:spcBef>
+                <a:spcPts val="500"/>
+              </a:spcBef>
+              <a:buFont typeface="Arial" panose="020B0604020202020204" pitchFamily="34" charset="0"/>
+              <a:buChar char="•"/>
+              <a:defRPr sz="1800" kern="1200">
+                <a:solidFill>
+                  <a:schemeClr val="tx1"/>
+                </a:solidFill>
+                <a:latin typeface="+mn-lt"/>
+                <a:ea typeface="+mn-ea"/>
+                <a:cs typeface="+mn-cs"/>
+              </a:defRPr>
+            </a:lvl8pPr>
+            <a:lvl9pPr marL="3886200" indent="-228600" algn="l" defTabSz="914400" rtl="0" eaLnBrk="1" latinLnBrk="0" hangingPunct="1">
+              <a:lnSpc>
+                <a:spcPct val="90000"/>
+              </a:lnSpc>
+              <a:spcBef>
+                <a:spcPts val="500"/>
+              </a:spcBef>
+              <a:buFont typeface="Arial" panose="020B0604020202020204" pitchFamily="34" charset="0"/>
+              <a:buChar char="•"/>
+              <a:defRPr sz="1800" kern="1200">
+                <a:solidFill>
+                  <a:schemeClr val="tx1"/>
+                </a:solidFill>
+                <a:latin typeface="+mn-lt"/>
+                <a:ea typeface="+mn-ea"/>
+                <a:cs typeface="+mn-cs"/>
+              </a:defRPr>
+            </a:lvl9pPr>
+          </a:lstStyle>
+          <a:p>
+            <a:pPr marL="0" indent="0">
+              <a:buFont typeface="Arial" panose="020B0604020202020204" pitchFamily="34" charset="0"/>
+              <a:buNone/>
+            </a:pPr>
+            <a:r>
+              <a:rPr lang="en-GB" b="1" u="sng" dirty="0"/>
+              <a:t>F. Effects of chirp</a:t>
+            </a:r>
+          </a:p>
+        </p:txBody>
+      </p:sp>
+      <p:sp>
+        <p:nvSpPr>
+          <p:cNvPr id="5" name="Title 1">
+            <a:extLst>
+              <a:ext uri="{FF2B5EF4-FFF2-40B4-BE49-F238E27FC236}">
+                <a16:creationId xmlns:a16="http://schemas.microsoft.com/office/drawing/2014/main" id="{0BE737C5-024F-8BD7-5A87-BC7E8C0FB8BB}"/>
+              </a:ext>
+            </a:extLst>
+          </p:cNvPr>
+          <p:cNvSpPr>
+            <a:spLocks noGrp="1"/>
+          </p:cNvSpPr>
+          <p:nvPr>
+            <p:ph type="title"/>
+          </p:nvPr>
+        </p:nvSpPr>
+        <p:spPr>
+          <a:xfrm>
+            <a:off x="838200" y="365125"/>
+            <a:ext cx="10515600" cy="1325563"/>
+          </a:xfrm>
+        </p:spPr>
+        <p:txBody>
+          <a:bodyPr/>
+          <a:lstStyle/>
+          <a:p>
+            <a:r>
+              <a:rPr lang="en-GB" b="1" dirty="0">
+                <a:solidFill>
+                  <a:srgbClr val="002060"/>
+                </a:solidFill>
+              </a:rPr>
+              <a:t>Sample manuscript plots</a:t>
+            </a:r>
+            <a:endParaRPr lang="en-GB" dirty="0"/>
+          </a:p>
+        </p:txBody>
+      </p:sp>
+      <p:pic>
+        <p:nvPicPr>
+          <p:cNvPr id="7" name="Picture 6" descr="A graph of a graph of a graph&#10;&#10;Description automatically generated with medium confidence">
+            <a:extLst>
+              <a:ext uri="{FF2B5EF4-FFF2-40B4-BE49-F238E27FC236}">
+                <a16:creationId xmlns:a16="http://schemas.microsoft.com/office/drawing/2014/main" id="{76687866-7F78-72B6-FEDC-18B91AF9893E}"/>
+              </a:ext>
+            </a:extLst>
+          </p:cNvPr>
+          <p:cNvPicPr>
+            <a:picLocks noChangeAspect="1"/>
+          </p:cNvPicPr>
+          <p:nvPr/>
+        </p:nvPicPr>
+        <p:blipFill>
+          <a:blip r:embed="rId2">
+            <a:extLst>
+              <a:ext uri="{28A0092B-C50C-407E-A947-70E740481C1C}">
+                <a14:useLocalDpi xmlns:a14="http://schemas.microsoft.com/office/drawing/2010/main" val="0"/>
+              </a:ext>
+            </a:extLst>
+          </a:blip>
+          <a:stretch>
+            <a:fillRect/>
+          </a:stretch>
+        </p:blipFill>
+        <p:spPr>
+          <a:xfrm>
+            <a:off x="594189" y="2034293"/>
+            <a:ext cx="5759817" cy="4319634"/>
+          </a:xfrm>
+          <a:prstGeom prst="rect">
+            <a:avLst/>
+          </a:prstGeom>
+        </p:spPr>
+      </p:pic>
+      <p:sp>
+        <p:nvSpPr>
+          <p:cNvPr id="8" name="TextBox 7">
+            <a:extLst>
+              <a:ext uri="{FF2B5EF4-FFF2-40B4-BE49-F238E27FC236}">
+                <a16:creationId xmlns:a16="http://schemas.microsoft.com/office/drawing/2014/main" id="{8BDCC41E-EE0B-6AA5-F4DA-23FD5D4DE6A7}"/>
+              </a:ext>
+            </a:extLst>
+          </p:cNvPr>
+          <p:cNvSpPr txBox="1"/>
+          <p:nvPr/>
+        </p:nvSpPr>
+        <p:spPr>
+          <a:xfrm>
+            <a:off x="8406882" y="3429000"/>
+            <a:ext cx="2318327" cy="369332"/>
+          </a:xfrm>
+          <a:prstGeom prst="rect">
+            <a:avLst/>
+          </a:prstGeom>
+          <a:noFill/>
+        </p:spPr>
+        <p:txBody>
+          <a:bodyPr wrap="none" rtlCol="0">
+            <a:spAutoFit/>
+          </a:bodyPr>
+          <a:lstStyle/>
+          <a:p>
+            <a:r>
+              <a:rPr lang="en-GB" dirty="0" err="1"/>
+              <a:t>Ar</a:t>
+            </a:r>
+            <a:r>
+              <a:rPr lang="en-GB" dirty="0"/>
+              <a:t> 150mW 0.4bar grad</a:t>
+            </a:r>
+          </a:p>
+        </p:txBody>
+      </p:sp>
+    </p:spTree>
+    <p:extLst>
+      <p:ext uri="{BB962C8B-B14F-4D97-AF65-F5344CB8AC3E}">
+        <p14:creationId xmlns:p14="http://schemas.microsoft.com/office/powerpoint/2010/main" val="1409455611"/>
+      </p:ext>
+    </p:extLst>
+  </p:cSld>
+  <p:clrMapOvr>
+    <a:masterClrMapping/>
+  </p:clrMapOvr>
+</p:sld>
+</file>
+
+<file path=ppt/slides/slide9.xml><?xml version="1.0" encoding="utf-8"?>
+<p:sld xmlns:a="http://schemas.openxmlformats.org/drawingml/2006/main" xmlns:r="http://schemas.openxmlformats.org/officeDocument/2006/relationships" xmlns:p="http://schemas.openxmlformats.org/presentationml/2006/main">
+  <p:cSld>
+    <p:spTree>
+      <p:nvGrpSpPr>
+        <p:cNvPr id="1" name=""/>
+        <p:cNvGrpSpPr/>
+        <p:nvPr/>
+      </p:nvGrpSpPr>
+      <p:grpSpPr>
+        <a:xfrm>
+          <a:off x="0" y="0"/>
+          <a:ext cx="0" cy="0"/>
+          <a:chOff x="0" y="0"/>
+          <a:chExt cx="0" cy="0"/>
+        </a:xfrm>
+      </p:grpSpPr>
+      <p:sp>
+        <p:nvSpPr>
+          <p:cNvPr id="4" name="Content Placeholder 2">
+            <a:extLst>
+              <a:ext uri="{FF2B5EF4-FFF2-40B4-BE49-F238E27FC236}">
+                <a16:creationId xmlns:a16="http://schemas.microsoft.com/office/drawing/2014/main" id="{094C60D9-AF68-F782-0407-D1170A687175}"/>
+              </a:ext>
+            </a:extLst>
+          </p:cNvPr>
+          <p:cNvSpPr txBox="1">
+            <a:spLocks/>
+          </p:cNvSpPr>
+          <p:nvPr/>
+        </p:nvSpPr>
+        <p:spPr>
+          <a:xfrm>
+            <a:off x="838200" y="1539875"/>
+            <a:ext cx="10515600" cy="4351338"/>
+          </a:xfrm>
+          <a:prstGeom prst="rect">
+            <a:avLst/>
+          </a:prstGeom>
+        </p:spPr>
+        <p:txBody>
+          <a:bodyPr vert="horz" lIns="91440" tIns="45720" rIns="91440" bIns="45720" rtlCol="0">
+            <a:normAutofit/>
+          </a:bodyPr>
+          <a:lstStyle>
+            <a:lvl1pPr marL="228600" indent="-228600" algn="l" defTabSz="914400" rtl="0" eaLnBrk="1" latinLnBrk="0" hangingPunct="1">
+              <a:lnSpc>
+                <a:spcPct val="90000"/>
+              </a:lnSpc>
+              <a:spcBef>
+                <a:spcPts val="1000"/>
+              </a:spcBef>
+              <a:buFont typeface="Arial" panose="020B0604020202020204" pitchFamily="34" charset="0"/>
+              <a:buChar char="•"/>
+              <a:defRPr sz="2800" kern="1200">
+                <a:solidFill>
+                  <a:schemeClr val="tx1"/>
+                </a:solidFill>
+                <a:latin typeface="+mn-lt"/>
+                <a:ea typeface="+mn-ea"/>
+                <a:cs typeface="+mn-cs"/>
+              </a:defRPr>
+            </a:lvl1pPr>
+            <a:lvl2pPr marL="685800" indent="-228600" algn="l" defTabSz="914400" rtl="0" eaLnBrk="1" latinLnBrk="0" hangingPunct="1">
+              <a:lnSpc>
+                <a:spcPct val="90000"/>
+              </a:lnSpc>
+              <a:spcBef>
+                <a:spcPts val="500"/>
+              </a:spcBef>
+              <a:buFont typeface="Arial" panose="020B0604020202020204" pitchFamily="34" charset="0"/>
+              <a:buChar char="•"/>
+              <a:defRPr sz="2400" kern="1200">
+                <a:solidFill>
+                  <a:schemeClr val="tx1"/>
+                </a:solidFill>
+                <a:latin typeface="+mn-lt"/>
+                <a:ea typeface="+mn-ea"/>
+                <a:cs typeface="+mn-cs"/>
+              </a:defRPr>
+            </a:lvl2pPr>
+            <a:lvl3pPr marL="1143000" indent="-228600" algn="l" defTabSz="914400" rtl="0" eaLnBrk="1" latinLnBrk="0" hangingPunct="1">
+              <a:lnSpc>
+                <a:spcPct val="90000"/>
+              </a:lnSpc>
+              <a:spcBef>
+                <a:spcPts val="500"/>
+              </a:spcBef>
+              <a:buFont typeface="Arial" panose="020B0604020202020204" pitchFamily="34" charset="0"/>
+              <a:buChar char="•"/>
+              <a:defRPr sz="2000" kern="1200">
+                <a:solidFill>
+                  <a:schemeClr val="tx1"/>
+                </a:solidFill>
+                <a:latin typeface="+mn-lt"/>
+                <a:ea typeface="+mn-ea"/>
+                <a:cs typeface="+mn-cs"/>
+              </a:defRPr>
+            </a:lvl3pPr>
+            <a:lvl4pPr marL="1600200" indent="-228600" algn="l" defTabSz="914400" rtl="0" eaLnBrk="1" latinLnBrk="0" hangingPunct="1">
+              <a:lnSpc>
+                <a:spcPct val="90000"/>
+              </a:lnSpc>
+              <a:spcBef>
+                <a:spcPts val="500"/>
+              </a:spcBef>
+              <a:buFont typeface="Arial" panose="020B0604020202020204" pitchFamily="34" charset="0"/>
+              <a:buChar char="•"/>
+              <a:defRPr sz="1800" kern="1200">
+                <a:solidFill>
+                  <a:schemeClr val="tx1"/>
+                </a:solidFill>
+                <a:latin typeface="+mn-lt"/>
+                <a:ea typeface="+mn-ea"/>
+                <a:cs typeface="+mn-cs"/>
+              </a:defRPr>
+            </a:lvl4pPr>
+            <a:lvl5pPr marL="2057400" indent="-228600" algn="l" defTabSz="914400" rtl="0" eaLnBrk="1" latinLnBrk="0" hangingPunct="1">
+              <a:lnSpc>
+                <a:spcPct val="90000"/>
+              </a:lnSpc>
+              <a:spcBef>
+                <a:spcPts val="500"/>
+              </a:spcBef>
+              <a:buFont typeface="Arial" panose="020B0604020202020204" pitchFamily="34" charset="0"/>
+              <a:buChar char="•"/>
+              <a:defRPr sz="1800" kern="1200">
+                <a:solidFill>
+                  <a:schemeClr val="tx1"/>
+                </a:solidFill>
+                <a:latin typeface="+mn-lt"/>
+                <a:ea typeface="+mn-ea"/>
+                <a:cs typeface="+mn-cs"/>
+              </a:defRPr>
+            </a:lvl5pPr>
+            <a:lvl6pPr marL="2514600" indent="-228600" algn="l" defTabSz="914400" rtl="0" eaLnBrk="1" latinLnBrk="0" hangingPunct="1">
+              <a:lnSpc>
+                <a:spcPct val="90000"/>
+              </a:lnSpc>
+              <a:spcBef>
+                <a:spcPts val="500"/>
+              </a:spcBef>
+              <a:buFont typeface="Arial" panose="020B0604020202020204" pitchFamily="34" charset="0"/>
+              <a:buChar char="•"/>
+              <a:defRPr sz="1800" kern="1200">
+                <a:solidFill>
+                  <a:schemeClr val="tx1"/>
+                </a:solidFill>
+                <a:latin typeface="+mn-lt"/>
+                <a:ea typeface="+mn-ea"/>
+                <a:cs typeface="+mn-cs"/>
+              </a:defRPr>
+            </a:lvl6pPr>
+            <a:lvl7pPr marL="2971800" indent="-228600" algn="l" defTabSz="914400" rtl="0" eaLnBrk="1" latinLnBrk="0" hangingPunct="1">
+              <a:lnSpc>
+                <a:spcPct val="90000"/>
+              </a:lnSpc>
+              <a:spcBef>
+                <a:spcPts val="500"/>
+              </a:spcBef>
+              <a:buFont typeface="Arial" panose="020B0604020202020204" pitchFamily="34" charset="0"/>
+              <a:buChar char="•"/>
+              <a:defRPr sz="1800" kern="1200">
+                <a:solidFill>
+                  <a:schemeClr val="tx1"/>
+                </a:solidFill>
+                <a:latin typeface="+mn-lt"/>
+                <a:ea typeface="+mn-ea"/>
+                <a:cs typeface="+mn-cs"/>
+              </a:defRPr>
+            </a:lvl7pPr>
+            <a:lvl8pPr marL="3429000" indent="-228600" algn="l" defTabSz="914400" rtl="0" eaLnBrk="1" latinLnBrk="0" hangingPunct="1">
+              <a:lnSpc>
+                <a:spcPct val="90000"/>
+              </a:lnSpc>
+              <a:spcBef>
+                <a:spcPts val="500"/>
+              </a:spcBef>
+              <a:buFont typeface="Arial" panose="020B0604020202020204" pitchFamily="34" charset="0"/>
+              <a:buChar char="•"/>
+              <a:defRPr sz="1800" kern="1200">
+                <a:solidFill>
+                  <a:schemeClr val="tx1"/>
+                </a:solidFill>
+                <a:latin typeface="+mn-lt"/>
+                <a:ea typeface="+mn-ea"/>
+                <a:cs typeface="+mn-cs"/>
+              </a:defRPr>
+            </a:lvl8pPr>
+            <a:lvl9pPr marL="3886200" indent="-228600" algn="l" defTabSz="914400" rtl="0" eaLnBrk="1" latinLnBrk="0" hangingPunct="1">
+              <a:lnSpc>
+                <a:spcPct val="90000"/>
+              </a:lnSpc>
+              <a:spcBef>
+                <a:spcPts val="500"/>
+              </a:spcBef>
+              <a:buFont typeface="Arial" panose="020B0604020202020204" pitchFamily="34" charset="0"/>
+              <a:buChar char="•"/>
+              <a:defRPr sz="1800" kern="1200">
+                <a:solidFill>
+                  <a:schemeClr val="tx1"/>
+                </a:solidFill>
+                <a:latin typeface="+mn-lt"/>
+                <a:ea typeface="+mn-ea"/>
+                <a:cs typeface="+mn-cs"/>
+              </a:defRPr>
+            </a:lvl9pPr>
+          </a:lstStyle>
+          <a:p>
+            <a:pPr marL="0" indent="0">
+              <a:buFont typeface="Arial" panose="020B0604020202020204" pitchFamily="34" charset="0"/>
+              <a:buNone/>
+            </a:pPr>
+            <a:r>
+              <a:rPr lang="en-GB" b="1" u="sng" dirty="0"/>
+              <a:t>G. Effects of CEP</a:t>
+            </a:r>
+          </a:p>
+        </p:txBody>
+      </p:sp>
+      <p:sp>
+        <p:nvSpPr>
+          <p:cNvPr id="5" name="Title 1">
+            <a:extLst>
+              <a:ext uri="{FF2B5EF4-FFF2-40B4-BE49-F238E27FC236}">
+                <a16:creationId xmlns:a16="http://schemas.microsoft.com/office/drawing/2014/main" id="{B27B8526-B820-A553-7C2F-689E2D1F76C5}"/>
+              </a:ext>
+            </a:extLst>
+          </p:cNvPr>
+          <p:cNvSpPr>
+            <a:spLocks noGrp="1"/>
+          </p:cNvSpPr>
+          <p:nvPr>
+            <p:ph type="title"/>
+          </p:nvPr>
+        </p:nvSpPr>
+        <p:spPr>
+          <a:xfrm>
+            <a:off x="838200" y="365125"/>
+            <a:ext cx="10515600" cy="1325563"/>
+          </a:xfrm>
+        </p:spPr>
+        <p:txBody>
+          <a:bodyPr/>
+          <a:lstStyle/>
+          <a:p>
+            <a:r>
+              <a:rPr lang="en-GB" b="1" dirty="0">
+                <a:solidFill>
+                  <a:srgbClr val="002060"/>
+                </a:solidFill>
+              </a:rPr>
+              <a:t>Sample manuscript plots</a:t>
+            </a:r>
+            <a:endParaRPr lang="en-GB" dirty="0"/>
+          </a:p>
+        </p:txBody>
+      </p:sp>
+      <p:pic>
+        <p:nvPicPr>
+          <p:cNvPr id="7" name="Picture 6" descr="A graph of a graph&#10;&#10;Description automatically generated">
+            <a:extLst>
+              <a:ext uri="{FF2B5EF4-FFF2-40B4-BE49-F238E27FC236}">
+                <a16:creationId xmlns:a16="http://schemas.microsoft.com/office/drawing/2014/main" id="{C795E186-4973-66F0-3638-7E6AE988064A}"/>
+              </a:ext>
+            </a:extLst>
+          </p:cNvPr>
+          <p:cNvPicPr>
+            <a:picLocks noChangeAspect="1"/>
+          </p:cNvPicPr>
+          <p:nvPr/>
+        </p:nvPicPr>
+        <p:blipFill>
+          <a:blip r:embed="rId2">
+            <a:extLst>
+              <a:ext uri="{28A0092B-C50C-407E-A947-70E740481C1C}">
+                <a14:useLocalDpi xmlns:a14="http://schemas.microsoft.com/office/drawing/2010/main" val="0"/>
+              </a:ext>
+            </a:extLst>
+          </a:blip>
+          <a:stretch>
+            <a:fillRect/>
+          </a:stretch>
+        </p:blipFill>
+        <p:spPr>
+          <a:xfrm>
+            <a:off x="1206316" y="2173241"/>
+            <a:ext cx="5759817" cy="4319634"/>
+          </a:xfrm>
+          <a:prstGeom prst="rect">
+            <a:avLst/>
+          </a:prstGeom>
+        </p:spPr>
+      </p:pic>
+      <p:sp>
+        <p:nvSpPr>
+          <p:cNvPr id="8" name="TextBox 7">
+            <a:extLst>
+              <a:ext uri="{FF2B5EF4-FFF2-40B4-BE49-F238E27FC236}">
+                <a16:creationId xmlns:a16="http://schemas.microsoft.com/office/drawing/2014/main" id="{55C34D56-93E5-AF86-2D4F-0E069C3E5E5D}"/>
+              </a:ext>
+            </a:extLst>
+          </p:cNvPr>
+          <p:cNvSpPr txBox="1"/>
+          <p:nvPr/>
+        </p:nvSpPr>
+        <p:spPr>
+          <a:xfrm>
+            <a:off x="8406882" y="3429000"/>
+            <a:ext cx="2318327" cy="369332"/>
+          </a:xfrm>
+          <a:prstGeom prst="rect">
+            <a:avLst/>
+          </a:prstGeom>
+          <a:noFill/>
+        </p:spPr>
+        <p:txBody>
+          <a:bodyPr wrap="none" rtlCol="0">
+            <a:spAutoFit/>
+          </a:bodyPr>
+          <a:lstStyle/>
+          <a:p>
+            <a:r>
+              <a:rPr lang="en-GB" dirty="0" err="1"/>
+              <a:t>Ar</a:t>
+            </a:r>
+            <a:r>
+              <a:rPr lang="en-GB" dirty="0"/>
+              <a:t> 150mW 0.4bar grad</a:t>
+            </a:r>
+          </a:p>
+        </p:txBody>
+      </p:sp>
+    </p:spTree>
+    <p:extLst>
+      <p:ext uri="{BB962C8B-B14F-4D97-AF65-F5344CB8AC3E}">
+        <p14:creationId xmlns:p14="http://schemas.microsoft.com/office/powerpoint/2010/main" val="689488163"/>
       </p:ext>
     </p:extLst>
   </p:cSld>

--- a/presentations/DESY - Week 7.pptx
+++ b/presentations/DESY - Week 7.pptx
@@ -14,7 +14,10 @@
     <p:sldId id="261" r:id="rId8"/>
     <p:sldId id="264" r:id="rId9"/>
     <p:sldId id="265" r:id="rId10"/>
-    <p:sldId id="266" r:id="rId11"/>
+    <p:sldId id="268" r:id="rId11"/>
+    <p:sldId id="269" r:id="rId12"/>
+    <p:sldId id="270" r:id="rId13"/>
+    <p:sldId id="267" r:id="rId14"/>
   </p:sldIdLst>
   <p:sldSz cx="12192000" cy="6858000"/>
   <p:notesSz cx="6858000" cy="9144000"/>
@@ -270,7 +273,7 @@
           <a:p>
             <a:fld id="{60D2F8C1-9AC0-42E7-8349-8F17FCAA92E5}" type="datetimeFigureOut">
               <a:rPr lang="en-GB" smtClean="0"/>
-              <a:t>28/08/2023</a:t>
+              <a:t>29/08/2023</a:t>
             </a:fld>
             <a:endParaRPr lang="en-GB"/>
           </a:p>
@@ -470,7 +473,7 @@
           <a:p>
             <a:fld id="{60D2F8C1-9AC0-42E7-8349-8F17FCAA92E5}" type="datetimeFigureOut">
               <a:rPr lang="en-GB" smtClean="0"/>
-              <a:t>28/08/2023</a:t>
+              <a:t>29/08/2023</a:t>
             </a:fld>
             <a:endParaRPr lang="en-GB"/>
           </a:p>
@@ -680,7 +683,7 @@
           <a:p>
             <a:fld id="{60D2F8C1-9AC0-42E7-8349-8F17FCAA92E5}" type="datetimeFigureOut">
               <a:rPr lang="en-GB" smtClean="0"/>
-              <a:t>28/08/2023</a:t>
+              <a:t>29/08/2023</a:t>
             </a:fld>
             <a:endParaRPr lang="en-GB"/>
           </a:p>
@@ -880,7 +883,7 @@
           <a:p>
             <a:fld id="{60D2F8C1-9AC0-42E7-8349-8F17FCAA92E5}" type="datetimeFigureOut">
               <a:rPr lang="en-GB" smtClean="0"/>
-              <a:t>28/08/2023</a:t>
+              <a:t>29/08/2023</a:t>
             </a:fld>
             <a:endParaRPr lang="en-GB"/>
           </a:p>
@@ -1156,7 +1159,7 @@
           <a:p>
             <a:fld id="{60D2F8C1-9AC0-42E7-8349-8F17FCAA92E5}" type="datetimeFigureOut">
               <a:rPr lang="en-GB" smtClean="0"/>
-              <a:t>28/08/2023</a:t>
+              <a:t>29/08/2023</a:t>
             </a:fld>
             <a:endParaRPr lang="en-GB"/>
           </a:p>
@@ -1424,7 +1427,7 @@
           <a:p>
             <a:fld id="{60D2F8C1-9AC0-42E7-8349-8F17FCAA92E5}" type="datetimeFigureOut">
               <a:rPr lang="en-GB" smtClean="0"/>
-              <a:t>28/08/2023</a:t>
+              <a:t>29/08/2023</a:t>
             </a:fld>
             <a:endParaRPr lang="en-GB"/>
           </a:p>
@@ -1839,7 +1842,7 @@
           <a:p>
             <a:fld id="{60D2F8C1-9AC0-42E7-8349-8F17FCAA92E5}" type="datetimeFigureOut">
               <a:rPr lang="en-GB" smtClean="0"/>
-              <a:t>28/08/2023</a:t>
+              <a:t>29/08/2023</a:t>
             </a:fld>
             <a:endParaRPr lang="en-GB"/>
           </a:p>
@@ -1981,7 +1984,7 @@
           <a:p>
             <a:fld id="{60D2F8C1-9AC0-42E7-8349-8F17FCAA92E5}" type="datetimeFigureOut">
               <a:rPr lang="en-GB" smtClean="0"/>
-              <a:t>28/08/2023</a:t>
+              <a:t>29/08/2023</a:t>
             </a:fld>
             <a:endParaRPr lang="en-GB"/>
           </a:p>
@@ -2094,7 +2097,7 @@
           <a:p>
             <a:fld id="{60D2F8C1-9AC0-42E7-8349-8F17FCAA92E5}" type="datetimeFigureOut">
               <a:rPr lang="en-GB" smtClean="0"/>
-              <a:t>28/08/2023</a:t>
+              <a:t>29/08/2023</a:t>
             </a:fld>
             <a:endParaRPr lang="en-GB"/>
           </a:p>
@@ -2407,7 +2410,7 @@
           <a:p>
             <a:fld id="{60D2F8C1-9AC0-42E7-8349-8F17FCAA92E5}" type="datetimeFigureOut">
               <a:rPr lang="en-GB" smtClean="0"/>
-              <a:t>28/08/2023</a:t>
+              <a:t>29/08/2023</a:t>
             </a:fld>
             <a:endParaRPr lang="en-GB"/>
           </a:p>
@@ -2696,7 +2699,7 @@
           <a:p>
             <a:fld id="{60D2F8C1-9AC0-42E7-8349-8F17FCAA92E5}" type="datetimeFigureOut">
               <a:rPr lang="en-GB" smtClean="0"/>
-              <a:t>28/08/2023</a:t>
+              <a:t>29/08/2023</a:t>
             </a:fld>
             <a:endParaRPr lang="en-GB"/>
           </a:p>
@@ -2939,7 +2942,7 @@
           <a:p>
             <a:fld id="{60D2F8C1-9AC0-42E7-8349-8F17FCAA92E5}" type="datetimeFigureOut">
               <a:rPr lang="en-GB" smtClean="0"/>
-              <a:t>28/08/2023</a:t>
+              <a:t>29/08/2023</a:t>
             </a:fld>
             <a:endParaRPr lang="en-GB"/>
           </a:p>
@@ -3486,7 +3489,7 @@
           <p:cNvPr id="2" name="Title 1">
             <a:extLst>
               <a:ext uri="{FF2B5EF4-FFF2-40B4-BE49-F238E27FC236}">
-                <a16:creationId xmlns:a16="http://schemas.microsoft.com/office/drawing/2014/main" id="{CC7CFC3A-4783-5795-1699-F59E4831297E}"/>
+                <a16:creationId xmlns:a16="http://schemas.microsoft.com/office/drawing/2014/main" id="{6594CEE2-86E7-C107-DD66-29CA127FD78B}"/>
               </a:ext>
             </a:extLst>
           </p:cNvPr>
@@ -3502,54 +3505,162 @@
           <a:bodyPr/>
           <a:lstStyle/>
           <a:p>
-            <a:endParaRPr lang="en-GB"/>
-          </a:p>
-        </p:txBody>
-      </p:sp>
-      <p:sp>
-        <p:nvSpPr>
-          <p:cNvPr id="3" name="Content Placeholder 2">
-            <a:extLst>
-              <a:ext uri="{FF2B5EF4-FFF2-40B4-BE49-F238E27FC236}">
-                <a16:creationId xmlns:a16="http://schemas.microsoft.com/office/drawing/2014/main" id="{585A5E9F-8276-1CF5-5EBF-D747F111568E}"/>
-              </a:ext>
-            </a:extLst>
-          </p:cNvPr>
-          <p:cNvSpPr>
-            <a:spLocks noGrp="1"/>
-          </p:cNvSpPr>
-          <p:nvPr>
-            <p:ph idx="1"/>
-          </p:nvPr>
-        </p:nvSpPr>
-        <p:spPr/>
-        <p:txBody>
-          <a:bodyPr/>
+            <a:r>
+              <a:rPr lang="en-GB" b="1" dirty="0">
+                <a:solidFill>
+                  <a:srgbClr val="002060"/>
+                </a:solidFill>
+              </a:rPr>
+              <a:t>Sample manuscript plots:</a:t>
+            </a:r>
+            <a:br>
+              <a:rPr lang="en-GB" b="1" dirty="0">
+                <a:solidFill>
+                  <a:srgbClr val="002060"/>
+                </a:solidFill>
+              </a:rPr>
+            </a:br>
+            <a:r>
+              <a:rPr lang="en-GB" sz="3200" b="1" i="1" u="sng" dirty="0">
+                <a:solidFill>
+                  <a:srgbClr val="002060"/>
+                </a:solidFill>
+              </a:rPr>
+              <a:t>H. Comparison of 10 best spectra</a:t>
+            </a:r>
+            <a:endParaRPr lang="en-GB" dirty="0"/>
+          </a:p>
+        </p:txBody>
+      </p:sp>
+      <p:sp>
+        <p:nvSpPr>
+          <p:cNvPr id="4" name="Rectangle 3">
+            <a:extLst>
+              <a:ext uri="{FF2B5EF4-FFF2-40B4-BE49-F238E27FC236}">
+                <a16:creationId xmlns:a16="http://schemas.microsoft.com/office/drawing/2014/main" id="{93BA7C84-4D04-E910-6D63-E6E6C098CF32}"/>
+              </a:ext>
+            </a:extLst>
+          </p:cNvPr>
+          <p:cNvSpPr/>
+          <p:nvPr/>
+        </p:nvSpPr>
+        <p:spPr>
+          <a:xfrm>
+            <a:off x="3153748" y="1884781"/>
+            <a:ext cx="5150498" cy="3870442"/>
+          </a:xfrm>
+          <a:prstGeom prst="rect">
+            <a:avLst/>
+          </a:prstGeom>
+          <a:solidFill>
+            <a:schemeClr val="accent3">
+              <a:lumMod val="60000"/>
+              <a:lumOff val="40000"/>
+            </a:schemeClr>
+          </a:solidFill>
+        </p:spPr>
+        <p:style>
+          <a:lnRef idx="2">
+            <a:schemeClr val="accent1">
+              <a:shade val="15000"/>
+            </a:schemeClr>
+          </a:lnRef>
+          <a:fillRef idx="1">
+            <a:schemeClr val="accent1"/>
+          </a:fillRef>
+          <a:effectRef idx="0">
+            <a:schemeClr val="accent1"/>
+          </a:effectRef>
+          <a:fontRef idx="minor">
+            <a:schemeClr val="lt1"/>
+          </a:fontRef>
+        </p:style>
+        <p:txBody>
+          <a:bodyPr rtlCol="0" anchor="ctr"/>
+          <a:lstStyle/>
+          <a:p>
+            <a:pPr algn="ctr"/>
+            <a:r>
+              <a:rPr lang="en-GB" b="1" dirty="0">
+                <a:solidFill>
+                  <a:srgbClr val="FF0000"/>
+                </a:solidFill>
+              </a:rPr>
+              <a:t>no time yet</a:t>
+            </a:r>
+          </a:p>
+        </p:txBody>
+      </p:sp>
+      <p:sp>
+        <p:nvSpPr>
+          <p:cNvPr id="5" name="TextBox 4">
+            <a:extLst>
+              <a:ext uri="{FF2B5EF4-FFF2-40B4-BE49-F238E27FC236}">
+                <a16:creationId xmlns:a16="http://schemas.microsoft.com/office/drawing/2014/main" id="{D328146D-A671-0E0F-0E7B-A4907975AC52}"/>
+              </a:ext>
+            </a:extLst>
+          </p:cNvPr>
+          <p:cNvSpPr txBox="1"/>
+          <p:nvPr/>
+        </p:nvSpPr>
+        <p:spPr>
+          <a:xfrm>
+            <a:off x="177282" y="3450670"/>
+            <a:ext cx="2499402" cy="369332"/>
+          </a:xfrm>
+          <a:prstGeom prst="rect">
+            <a:avLst/>
+          </a:prstGeom>
+          <a:noFill/>
+        </p:spPr>
+        <p:txBody>
+          <a:bodyPr wrap="none" rtlCol="0">
+            <a:spAutoFit/>
+          </a:bodyPr>
           <a:lstStyle/>
           <a:p>
             <a:r>
               <a:rPr lang="en-GB" dirty="0"/>
-              <a:t>Find 10 best spectra?!</a:t>
-            </a:r>
-          </a:p>
-          <a:p>
-            <a:endParaRPr lang="en-GB" dirty="0"/>
-          </a:p>
-          <a:p>
-            <a:endParaRPr lang="en-GB" dirty="0"/>
-          </a:p>
-          <a:p>
+              <a:t>Note: is it even worth it?</a:t>
+            </a:r>
+          </a:p>
+        </p:txBody>
+      </p:sp>
+      <p:sp>
+        <p:nvSpPr>
+          <p:cNvPr id="3" name="TextBox 2">
+            <a:extLst>
+              <a:ext uri="{FF2B5EF4-FFF2-40B4-BE49-F238E27FC236}">
+                <a16:creationId xmlns:a16="http://schemas.microsoft.com/office/drawing/2014/main" id="{944FD901-0F91-05AA-3B4F-D49AC465BA90}"/>
+              </a:ext>
+            </a:extLst>
+          </p:cNvPr>
+          <p:cNvSpPr txBox="1"/>
+          <p:nvPr/>
+        </p:nvSpPr>
+        <p:spPr>
+          <a:xfrm>
+            <a:off x="3266464" y="5923177"/>
+            <a:ext cx="5371765" cy="369332"/>
+          </a:xfrm>
+          <a:prstGeom prst="rect">
+            <a:avLst/>
+          </a:prstGeom>
+          <a:noFill/>
+        </p:spPr>
+        <p:txBody>
+          <a:bodyPr wrap="square" rtlCol="0">
+            <a:spAutoFit/>
+          </a:bodyPr>
+          <a:lstStyle/>
+          <a:p>
+            <a:r>
+              <a:rPr lang="en-GB" i="1" dirty="0"/>
+              <a:t>Fig. 8: </a:t>
+            </a:r>
             <a:r>
               <a:rPr lang="en-GB" dirty="0"/>
-              <a:t>Note: plots E and F slightly cut at </a:t>
-            </a:r>
-            <a:r>
-              <a:rPr lang="en-GB" dirty="0" err="1"/>
-              <a:t>xlabel</a:t>
-            </a:r>
-            <a:r>
-              <a:rPr lang="en-GB" dirty="0"/>
-              <a:t> -&gt; increase bottom !!</a:t>
+              <a:t>….</a:t>
             </a:r>
           </a:p>
         </p:txBody>
@@ -3557,7 +3668,616 @@
     </p:spTree>
     <p:extLst>
       <p:ext uri="{BB962C8B-B14F-4D97-AF65-F5344CB8AC3E}">
-        <p14:creationId xmlns:p14="http://schemas.microsoft.com/office/powerpoint/2010/main" val="2637962366"/>
+        <p14:creationId xmlns:p14="http://schemas.microsoft.com/office/powerpoint/2010/main" val="140326257"/>
+      </p:ext>
+    </p:extLst>
+  </p:cSld>
+  <p:clrMapOvr>
+    <a:masterClrMapping/>
+  </p:clrMapOvr>
+</p:sld>
+</file>
+
+<file path=ppt/slides/slide11.xml><?xml version="1.0" encoding="utf-8"?>
+<p:sld xmlns:a="http://schemas.openxmlformats.org/drawingml/2006/main" xmlns:r="http://schemas.openxmlformats.org/officeDocument/2006/relationships" xmlns:p="http://schemas.openxmlformats.org/presentationml/2006/main">
+  <p:cSld>
+    <p:spTree>
+      <p:nvGrpSpPr>
+        <p:cNvPr id="1" name=""/>
+        <p:cNvGrpSpPr/>
+        <p:nvPr/>
+      </p:nvGrpSpPr>
+      <p:grpSpPr>
+        <a:xfrm>
+          <a:off x="0" y="0"/>
+          <a:ext cx="0" cy="0"/>
+          <a:chOff x="0" y="0"/>
+          <a:chExt cx="0" cy="0"/>
+        </a:xfrm>
+      </p:grpSpPr>
+      <p:sp>
+        <p:nvSpPr>
+          <p:cNvPr id="2" name="Title 1">
+            <a:extLst>
+              <a:ext uri="{FF2B5EF4-FFF2-40B4-BE49-F238E27FC236}">
+                <a16:creationId xmlns:a16="http://schemas.microsoft.com/office/drawing/2014/main" id="{BA77FEAB-0A60-B26F-0279-15600E88DA0E}"/>
+              </a:ext>
+            </a:extLst>
+          </p:cNvPr>
+          <p:cNvSpPr>
+            <a:spLocks noGrp="1"/>
+          </p:cNvSpPr>
+          <p:nvPr>
+            <p:ph type="title"/>
+          </p:nvPr>
+        </p:nvSpPr>
+        <p:spPr/>
+        <p:txBody>
+          <a:bodyPr/>
+          <a:lstStyle/>
+          <a:p>
+            <a:r>
+              <a:rPr lang="en-GB" b="1" dirty="0">
+                <a:solidFill>
+                  <a:srgbClr val="002060"/>
+                </a:solidFill>
+              </a:rPr>
+              <a:t>Sample manuscript plots:</a:t>
+            </a:r>
+            <a:br>
+              <a:rPr lang="en-GB" b="1" dirty="0">
+                <a:solidFill>
+                  <a:srgbClr val="002060"/>
+                </a:solidFill>
+              </a:rPr>
+            </a:br>
+            <a:r>
+              <a:rPr lang="en-GB" sz="3200" b="1" i="1" u="sng" dirty="0">
+                <a:solidFill>
+                  <a:srgbClr val="002060"/>
+                </a:solidFill>
+              </a:rPr>
+              <a:t>I. New: 2d maps</a:t>
+            </a:r>
+            <a:endParaRPr lang="en-GB" dirty="0"/>
+          </a:p>
+        </p:txBody>
+      </p:sp>
+      <p:pic>
+        <p:nvPicPr>
+          <p:cNvPr id="5" name="Content Placeholder 4" descr="A purple and green gradient with white text&#10;&#10;Description automatically generated with medium confidence">
+            <a:extLst>
+              <a:ext uri="{FF2B5EF4-FFF2-40B4-BE49-F238E27FC236}">
+                <a16:creationId xmlns:a16="http://schemas.microsoft.com/office/drawing/2014/main" id="{DB06E5D0-DB57-6064-7034-E920C7DB3F08}"/>
+              </a:ext>
+            </a:extLst>
+          </p:cNvPr>
+          <p:cNvPicPr>
+            <a:picLocks noGrp="1" noChangeAspect="1"/>
+          </p:cNvPicPr>
+          <p:nvPr>
+            <p:ph idx="1"/>
+          </p:nvPr>
+        </p:nvPicPr>
+        <p:blipFill>
+          <a:blip r:embed="rId2">
+            <a:extLst>
+              <a:ext uri="{28A0092B-C50C-407E-A947-70E740481C1C}">
+                <a14:useLocalDpi xmlns:a14="http://schemas.microsoft.com/office/drawing/2010/main" val="0"/>
+              </a:ext>
+            </a:extLst>
+          </a:blip>
+          <a:stretch>
+            <a:fillRect/>
+          </a:stretch>
+        </p:blipFill>
+        <p:spPr>
+          <a:xfrm>
+            <a:off x="5940630" y="1690688"/>
+            <a:ext cx="5759817" cy="4319634"/>
+          </a:xfrm>
+        </p:spPr>
+      </p:pic>
+      <p:pic>
+        <p:nvPicPr>
+          <p:cNvPr id="7" name="Picture 6" descr="A close-up of a graph&#10;&#10;Description automatically generated">
+            <a:extLst>
+              <a:ext uri="{FF2B5EF4-FFF2-40B4-BE49-F238E27FC236}">
+                <a16:creationId xmlns:a16="http://schemas.microsoft.com/office/drawing/2014/main" id="{A84889EC-7EB7-D4CF-2F6B-531512848C11}"/>
+              </a:ext>
+            </a:extLst>
+          </p:cNvPr>
+          <p:cNvPicPr>
+            <a:picLocks noChangeAspect="1"/>
+          </p:cNvPicPr>
+          <p:nvPr/>
+        </p:nvPicPr>
+        <p:blipFill>
+          <a:blip r:embed="rId3">
+            <a:extLst>
+              <a:ext uri="{28A0092B-C50C-407E-A947-70E740481C1C}">
+                <a14:useLocalDpi xmlns:a14="http://schemas.microsoft.com/office/drawing/2010/main" val="0"/>
+              </a:ext>
+            </a:extLst>
+          </a:blip>
+          <a:stretch>
+            <a:fillRect/>
+          </a:stretch>
+        </p:blipFill>
+        <p:spPr>
+          <a:xfrm>
+            <a:off x="180813" y="1782366"/>
+            <a:ext cx="5759817" cy="4319634"/>
+          </a:xfrm>
+          <a:prstGeom prst="rect">
+            <a:avLst/>
+          </a:prstGeom>
+        </p:spPr>
+      </p:pic>
+      <p:sp>
+        <p:nvSpPr>
+          <p:cNvPr id="8" name="TextBox 7">
+            <a:extLst>
+              <a:ext uri="{FF2B5EF4-FFF2-40B4-BE49-F238E27FC236}">
+                <a16:creationId xmlns:a16="http://schemas.microsoft.com/office/drawing/2014/main" id="{3E1C15C5-CC95-C372-8CC7-636BA4370AE4}"/>
+              </a:ext>
+            </a:extLst>
+          </p:cNvPr>
+          <p:cNvSpPr txBox="1"/>
+          <p:nvPr/>
+        </p:nvSpPr>
+        <p:spPr>
+          <a:xfrm>
+            <a:off x="7225005" y="6169708"/>
+            <a:ext cx="4514461" cy="646331"/>
+          </a:xfrm>
+          <a:prstGeom prst="rect">
+            <a:avLst/>
+          </a:prstGeom>
+          <a:noFill/>
+        </p:spPr>
+        <p:txBody>
+          <a:bodyPr wrap="square" rtlCol="0">
+            <a:spAutoFit/>
+          </a:bodyPr>
+          <a:lstStyle/>
+          <a:p>
+            <a:r>
+              <a:rPr lang="en-GB" i="1" dirty="0"/>
+              <a:t>Fig. 9b: </a:t>
+            </a:r>
+            <a:r>
+              <a:rPr lang="en-GB" dirty="0"/>
+              <a:t>Neon at 400mW (simulations with </a:t>
+            </a:r>
+          </a:p>
+          <a:p>
+            <a:r>
+              <a:rPr lang="en-GB" dirty="0"/>
+              <a:t>gradient model)</a:t>
+            </a:r>
+          </a:p>
+        </p:txBody>
+      </p:sp>
+      <p:sp>
+        <p:nvSpPr>
+          <p:cNvPr id="9" name="TextBox 8">
+            <a:extLst>
+              <a:ext uri="{FF2B5EF4-FFF2-40B4-BE49-F238E27FC236}">
+                <a16:creationId xmlns:a16="http://schemas.microsoft.com/office/drawing/2014/main" id="{E3EC6DF3-32C6-8588-BE78-90CED4AF5D8E}"/>
+              </a:ext>
+            </a:extLst>
+          </p:cNvPr>
+          <p:cNvSpPr txBox="1"/>
+          <p:nvPr/>
+        </p:nvSpPr>
+        <p:spPr>
+          <a:xfrm>
+            <a:off x="838200" y="6169707"/>
+            <a:ext cx="4514461" cy="646331"/>
+          </a:xfrm>
+          <a:prstGeom prst="rect">
+            <a:avLst/>
+          </a:prstGeom>
+          <a:noFill/>
+        </p:spPr>
+        <p:txBody>
+          <a:bodyPr wrap="square" rtlCol="0">
+            <a:spAutoFit/>
+          </a:bodyPr>
+          <a:lstStyle/>
+          <a:p>
+            <a:r>
+              <a:rPr lang="en-GB" i="1" dirty="0"/>
+              <a:t>Fig. 9a: </a:t>
+            </a:r>
+            <a:r>
+              <a:rPr lang="en-GB" dirty="0"/>
+              <a:t>Argon at 150mW (simulations with </a:t>
+            </a:r>
+          </a:p>
+          <a:p>
+            <a:r>
+              <a:rPr lang="en-GB" dirty="0"/>
+              <a:t>gradient model)</a:t>
+            </a:r>
+          </a:p>
+        </p:txBody>
+      </p:sp>
+    </p:spTree>
+    <p:extLst>
+      <p:ext uri="{BB962C8B-B14F-4D97-AF65-F5344CB8AC3E}">
+        <p14:creationId xmlns:p14="http://schemas.microsoft.com/office/powerpoint/2010/main" val="135193349"/>
+      </p:ext>
+    </p:extLst>
+  </p:cSld>
+  <p:clrMapOvr>
+    <a:masterClrMapping/>
+  </p:clrMapOvr>
+</p:sld>
+</file>
+
+<file path=ppt/slides/slide12.xml><?xml version="1.0" encoding="utf-8"?>
+<p:sld xmlns:a="http://schemas.openxmlformats.org/drawingml/2006/main" xmlns:r="http://schemas.openxmlformats.org/officeDocument/2006/relationships" xmlns:p="http://schemas.openxmlformats.org/presentationml/2006/main">
+  <p:cSld>
+    <p:spTree>
+      <p:nvGrpSpPr>
+        <p:cNvPr id="1" name=""/>
+        <p:cNvGrpSpPr/>
+        <p:nvPr/>
+      </p:nvGrpSpPr>
+      <p:grpSpPr>
+        <a:xfrm>
+          <a:off x="0" y="0"/>
+          <a:ext cx="0" cy="0"/>
+          <a:chOff x="0" y="0"/>
+          <a:chExt cx="0" cy="0"/>
+        </a:xfrm>
+      </p:grpSpPr>
+      <p:sp>
+        <p:nvSpPr>
+          <p:cNvPr id="2" name="Title 1">
+            <a:extLst>
+              <a:ext uri="{FF2B5EF4-FFF2-40B4-BE49-F238E27FC236}">
+                <a16:creationId xmlns:a16="http://schemas.microsoft.com/office/drawing/2014/main" id="{BA77FEAB-0A60-B26F-0279-15600E88DA0E}"/>
+              </a:ext>
+            </a:extLst>
+          </p:cNvPr>
+          <p:cNvSpPr>
+            <a:spLocks noGrp="1"/>
+          </p:cNvSpPr>
+          <p:nvPr>
+            <p:ph type="title"/>
+          </p:nvPr>
+        </p:nvSpPr>
+        <p:spPr/>
+        <p:txBody>
+          <a:bodyPr/>
+          <a:lstStyle/>
+          <a:p>
+            <a:r>
+              <a:rPr lang="en-GB" b="1" dirty="0">
+                <a:solidFill>
+                  <a:srgbClr val="002060"/>
+                </a:solidFill>
+              </a:rPr>
+              <a:t>Sample manuscript plots:</a:t>
+            </a:r>
+            <a:br>
+              <a:rPr lang="en-GB" b="1" dirty="0">
+                <a:solidFill>
+                  <a:srgbClr val="002060"/>
+                </a:solidFill>
+              </a:rPr>
+            </a:br>
+            <a:r>
+              <a:rPr lang="en-GB" sz="3200" b="1" i="1" u="sng" dirty="0">
+                <a:solidFill>
+                  <a:srgbClr val="002060"/>
+                </a:solidFill>
+              </a:rPr>
+              <a:t>I. New: 2d maps</a:t>
+            </a:r>
+            <a:endParaRPr lang="en-GB" dirty="0"/>
+          </a:p>
+        </p:txBody>
+      </p:sp>
+      <p:sp>
+        <p:nvSpPr>
+          <p:cNvPr id="8" name="TextBox 7">
+            <a:extLst>
+              <a:ext uri="{FF2B5EF4-FFF2-40B4-BE49-F238E27FC236}">
+                <a16:creationId xmlns:a16="http://schemas.microsoft.com/office/drawing/2014/main" id="{3E1C15C5-CC95-C372-8CC7-636BA4370AE4}"/>
+              </a:ext>
+            </a:extLst>
+          </p:cNvPr>
+          <p:cNvSpPr txBox="1"/>
+          <p:nvPr/>
+        </p:nvSpPr>
+        <p:spPr>
+          <a:xfrm>
+            <a:off x="7225005" y="6169708"/>
+            <a:ext cx="4514461" cy="369332"/>
+          </a:xfrm>
+          <a:prstGeom prst="rect">
+            <a:avLst/>
+          </a:prstGeom>
+          <a:noFill/>
+        </p:spPr>
+        <p:txBody>
+          <a:bodyPr wrap="square" rtlCol="0">
+            <a:spAutoFit/>
+          </a:bodyPr>
+          <a:lstStyle/>
+          <a:p>
+            <a:r>
+              <a:rPr lang="en-GB" i="1" dirty="0"/>
+              <a:t>Fig. 9d: </a:t>
+            </a:r>
+            <a:r>
+              <a:rPr lang="en-GB" dirty="0"/>
+              <a:t>Neon at 400mW (measured)</a:t>
+            </a:r>
+          </a:p>
+        </p:txBody>
+      </p:sp>
+      <p:sp>
+        <p:nvSpPr>
+          <p:cNvPr id="9" name="TextBox 8">
+            <a:extLst>
+              <a:ext uri="{FF2B5EF4-FFF2-40B4-BE49-F238E27FC236}">
+                <a16:creationId xmlns:a16="http://schemas.microsoft.com/office/drawing/2014/main" id="{E3EC6DF3-32C6-8588-BE78-90CED4AF5D8E}"/>
+              </a:ext>
+            </a:extLst>
+          </p:cNvPr>
+          <p:cNvSpPr txBox="1"/>
+          <p:nvPr/>
+        </p:nvSpPr>
+        <p:spPr>
+          <a:xfrm>
+            <a:off x="838200" y="6169707"/>
+            <a:ext cx="4514461" cy="369332"/>
+          </a:xfrm>
+          <a:prstGeom prst="rect">
+            <a:avLst/>
+          </a:prstGeom>
+          <a:noFill/>
+        </p:spPr>
+        <p:txBody>
+          <a:bodyPr wrap="square" rtlCol="0">
+            <a:spAutoFit/>
+          </a:bodyPr>
+          <a:lstStyle/>
+          <a:p>
+            <a:r>
+              <a:rPr lang="en-GB" i="1" dirty="0"/>
+              <a:t>Fig. 9c: </a:t>
+            </a:r>
+            <a:r>
+              <a:rPr lang="en-GB" dirty="0"/>
+              <a:t>Argon at 150mW (measured)</a:t>
+            </a:r>
+          </a:p>
+        </p:txBody>
+      </p:sp>
+      <p:sp>
+        <p:nvSpPr>
+          <p:cNvPr id="3" name="Rectangle 2">
+            <a:extLst>
+              <a:ext uri="{FF2B5EF4-FFF2-40B4-BE49-F238E27FC236}">
+                <a16:creationId xmlns:a16="http://schemas.microsoft.com/office/drawing/2014/main" id="{258C7B37-B555-2911-3E2A-158DCAF15352}"/>
+              </a:ext>
+            </a:extLst>
+          </p:cNvPr>
+          <p:cNvSpPr/>
+          <p:nvPr/>
+        </p:nvSpPr>
+        <p:spPr>
+          <a:xfrm>
+            <a:off x="410548" y="1971649"/>
+            <a:ext cx="5150498" cy="3870442"/>
+          </a:xfrm>
+          <a:prstGeom prst="rect">
+            <a:avLst/>
+          </a:prstGeom>
+          <a:solidFill>
+            <a:schemeClr val="accent3">
+              <a:lumMod val="60000"/>
+              <a:lumOff val="40000"/>
+            </a:schemeClr>
+          </a:solidFill>
+        </p:spPr>
+        <p:style>
+          <a:lnRef idx="2">
+            <a:schemeClr val="accent1">
+              <a:shade val="15000"/>
+            </a:schemeClr>
+          </a:lnRef>
+          <a:fillRef idx="1">
+            <a:schemeClr val="accent1"/>
+          </a:fillRef>
+          <a:effectRef idx="0">
+            <a:schemeClr val="accent1"/>
+          </a:effectRef>
+          <a:fontRef idx="minor">
+            <a:schemeClr val="lt1"/>
+          </a:fontRef>
+        </p:style>
+        <p:txBody>
+          <a:bodyPr rtlCol="0" anchor="ctr"/>
+          <a:lstStyle/>
+          <a:p>
+            <a:pPr algn="ctr"/>
+            <a:r>
+              <a:rPr lang="en-GB" b="1" dirty="0">
+                <a:solidFill>
+                  <a:srgbClr val="FF0000"/>
+                </a:solidFill>
+              </a:rPr>
+              <a:t>no time yet</a:t>
+            </a:r>
+          </a:p>
+        </p:txBody>
+      </p:sp>
+      <p:sp>
+        <p:nvSpPr>
+          <p:cNvPr id="10" name="Rectangle 9">
+            <a:extLst>
+              <a:ext uri="{FF2B5EF4-FFF2-40B4-BE49-F238E27FC236}">
+                <a16:creationId xmlns:a16="http://schemas.microsoft.com/office/drawing/2014/main" id="{DB935105-3C94-8E56-4B31-91AF07B3EBBE}"/>
+              </a:ext>
+            </a:extLst>
+          </p:cNvPr>
+          <p:cNvSpPr/>
+          <p:nvPr/>
+        </p:nvSpPr>
+        <p:spPr>
+          <a:xfrm>
+            <a:off x="6096000" y="1971649"/>
+            <a:ext cx="5150498" cy="3870442"/>
+          </a:xfrm>
+          <a:prstGeom prst="rect">
+            <a:avLst/>
+          </a:prstGeom>
+          <a:solidFill>
+            <a:schemeClr val="accent3">
+              <a:lumMod val="60000"/>
+              <a:lumOff val="40000"/>
+            </a:schemeClr>
+          </a:solidFill>
+        </p:spPr>
+        <p:style>
+          <a:lnRef idx="2">
+            <a:schemeClr val="accent1">
+              <a:shade val="15000"/>
+            </a:schemeClr>
+          </a:lnRef>
+          <a:fillRef idx="1">
+            <a:schemeClr val="accent1"/>
+          </a:fillRef>
+          <a:effectRef idx="0">
+            <a:schemeClr val="accent1"/>
+          </a:effectRef>
+          <a:fontRef idx="minor">
+            <a:schemeClr val="lt1"/>
+          </a:fontRef>
+        </p:style>
+        <p:txBody>
+          <a:bodyPr rtlCol="0" anchor="ctr"/>
+          <a:lstStyle/>
+          <a:p>
+            <a:pPr algn="ctr"/>
+            <a:r>
+              <a:rPr lang="en-GB" b="1" dirty="0">
+                <a:solidFill>
+                  <a:srgbClr val="FF0000"/>
+                </a:solidFill>
+              </a:rPr>
+              <a:t>no time yet</a:t>
+            </a:r>
+          </a:p>
+        </p:txBody>
+      </p:sp>
+    </p:spTree>
+    <p:extLst>
+      <p:ext uri="{BB962C8B-B14F-4D97-AF65-F5344CB8AC3E}">
+        <p14:creationId xmlns:p14="http://schemas.microsoft.com/office/powerpoint/2010/main" val="3927151049"/>
+      </p:ext>
+    </p:extLst>
+  </p:cSld>
+  <p:clrMapOvr>
+    <a:masterClrMapping/>
+  </p:clrMapOvr>
+</p:sld>
+</file>
+
+<file path=ppt/slides/slide13.xml><?xml version="1.0" encoding="utf-8"?>
+<p:sld xmlns:a="http://schemas.openxmlformats.org/drawingml/2006/main" xmlns:r="http://schemas.openxmlformats.org/officeDocument/2006/relationships" xmlns:p="http://schemas.openxmlformats.org/presentationml/2006/main">
+  <p:cSld>
+    <p:spTree>
+      <p:nvGrpSpPr>
+        <p:cNvPr id="1" name=""/>
+        <p:cNvGrpSpPr/>
+        <p:nvPr/>
+      </p:nvGrpSpPr>
+      <p:grpSpPr>
+        <a:xfrm>
+          <a:off x="0" y="0"/>
+          <a:ext cx="0" cy="0"/>
+          <a:chOff x="0" y="0"/>
+          <a:chExt cx="0" cy="0"/>
+        </a:xfrm>
+      </p:grpSpPr>
+      <p:sp>
+        <p:nvSpPr>
+          <p:cNvPr id="2" name="Title 1">
+            <a:extLst>
+              <a:ext uri="{FF2B5EF4-FFF2-40B4-BE49-F238E27FC236}">
+                <a16:creationId xmlns:a16="http://schemas.microsoft.com/office/drawing/2014/main" id="{3ABAEAAA-A252-2EAF-DE6D-C1ACA0B5C4F5}"/>
+              </a:ext>
+            </a:extLst>
+          </p:cNvPr>
+          <p:cNvSpPr>
+            <a:spLocks noGrp="1"/>
+          </p:cNvSpPr>
+          <p:nvPr>
+            <p:ph type="title"/>
+          </p:nvPr>
+        </p:nvSpPr>
+        <p:spPr/>
+        <p:txBody>
+          <a:bodyPr/>
+          <a:lstStyle/>
+          <a:p>
+            <a:r>
+              <a:rPr lang="en-GB" b="1" dirty="0">
+                <a:solidFill>
+                  <a:srgbClr val="002060"/>
+                </a:solidFill>
+              </a:rPr>
+              <a:t>Questions</a:t>
+            </a:r>
+          </a:p>
+        </p:txBody>
+      </p:sp>
+      <p:sp>
+        <p:nvSpPr>
+          <p:cNvPr id="3" name="Content Placeholder 2">
+            <a:extLst>
+              <a:ext uri="{FF2B5EF4-FFF2-40B4-BE49-F238E27FC236}">
+                <a16:creationId xmlns:a16="http://schemas.microsoft.com/office/drawing/2014/main" id="{74EE065F-DBA9-6F30-8ACD-33CFCE9C3824}"/>
+              </a:ext>
+            </a:extLst>
+          </p:cNvPr>
+          <p:cNvSpPr>
+            <a:spLocks noGrp="1"/>
+          </p:cNvSpPr>
+          <p:nvPr>
+            <p:ph idx="1"/>
+          </p:nvPr>
+        </p:nvSpPr>
+        <p:spPr/>
+        <p:txBody>
+          <a:bodyPr/>
+          <a:lstStyle/>
+          <a:p>
+            <a:r>
+              <a:rPr lang="en-GB" dirty="0"/>
+              <a:t>Feedback for plots?</a:t>
+            </a:r>
+          </a:p>
+          <a:p>
+            <a:r>
+              <a:rPr lang="en-GB" dirty="0"/>
+              <a:t>Where to find images of old and new gas cell/chip (for report and presentation)?</a:t>
+            </a:r>
+          </a:p>
+        </p:txBody>
+      </p:sp>
+    </p:spTree>
+    <p:extLst>
+      <p:ext uri="{BB962C8B-B14F-4D97-AF65-F5344CB8AC3E}">
+        <p14:creationId xmlns:p14="http://schemas.microsoft.com/office/powerpoint/2010/main" val="507767615"/>
       </p:ext>
     </p:extLst>
   </p:cSld>
@@ -3632,24 +4352,112 @@
             <p:ph idx="1"/>
           </p:nvPr>
         </p:nvSpPr>
-        <p:spPr/>
+        <p:spPr>
+          <a:xfrm>
+            <a:off x="838200" y="1825625"/>
+            <a:ext cx="10515600" cy="4892416"/>
+          </a:xfrm>
+        </p:spPr>
         <p:txBody>
           <a:bodyPr>
-            <a:normAutofit fontScale="62500" lnSpcReduction="20000"/>
+            <a:normAutofit fontScale="70000" lnSpcReduction="20000"/>
           </a:bodyPr>
           <a:lstStyle/>
           <a:p>
+            <a:pPr marL="0" indent="0">
+              <a:buNone/>
+            </a:pPr>
+            <a:r>
+              <a:rPr lang="en-GB" sz="3400" b="1" u="sng" dirty="0">
+                <a:solidFill>
+                  <a:srgbClr val="002060"/>
+                </a:solidFill>
+              </a:rPr>
+              <a:t>Work done since last week:</a:t>
+            </a:r>
+          </a:p>
+          <a:p>
             <a:r>
               <a:rPr lang="en-GB" dirty="0"/>
-              <a:t>Finished code handover document (sent via email; also on GitHub and </a:t>
-            </a:r>
-            <a:r>
-              <a:rPr lang="en-GB" dirty="0" err="1"/>
-              <a:t>Sync&amp;Share</a:t>
+              <a:t>Finished code handover document (</a:t>
+            </a:r>
+            <a:r>
+              <a:rPr lang="en-GB" i="1" dirty="0"/>
+              <a:t>set meeting for this Friday?</a:t>
             </a:r>
             <a:r>
               <a:rPr lang="en-GB" dirty="0"/>
               <a:t>)</a:t>
+            </a:r>
+          </a:p>
+          <a:p>
+            <a:r>
+              <a:rPr lang="en-GB" dirty="0"/>
+              <a:t>Set up code to use for manuscript plots</a:t>
+            </a:r>
+          </a:p>
+          <a:p>
+            <a:pPr marL="0" indent="0">
+              <a:buNone/>
+            </a:pPr>
+            <a:endParaRPr lang="en-GB" dirty="0"/>
+          </a:p>
+          <a:p>
+            <a:pPr marL="0" indent="0">
+              <a:buNone/>
+            </a:pPr>
+            <a:r>
+              <a:rPr lang="en-GB" sz="3400" b="1" u="sng" dirty="0">
+                <a:solidFill>
+                  <a:srgbClr val="002060"/>
+                </a:solidFill>
+              </a:rPr>
+              <a:t>Work left to do:</a:t>
+            </a:r>
+          </a:p>
+          <a:p>
+            <a:r>
+              <a:rPr lang="en-GB" dirty="0"/>
+              <a:t>Produce plots for manuscript </a:t>
+            </a:r>
+            <a:r>
+              <a:rPr lang="en-GB" b="1" dirty="0"/>
+              <a:t>with the improved COMSOL model </a:t>
+            </a:r>
+            <a:r>
+              <a:rPr lang="en-GB" dirty="0"/>
+              <a:t>(for both the new and the 2019 cell) </a:t>
+            </a:r>
+          </a:p>
+          <a:p>
+            <a:r>
+              <a:rPr lang="en-GB" dirty="0"/>
+              <a:t>Write presentation and report (based on manuscript plots)</a:t>
+            </a:r>
+          </a:p>
+          <a:p>
+            <a:pPr marL="0" indent="0">
+              <a:buNone/>
+            </a:pPr>
+            <a:endParaRPr lang="en-GB" dirty="0"/>
+          </a:p>
+          <a:p>
+            <a:pPr marL="0" indent="0">
+              <a:buNone/>
+            </a:pPr>
+            <a:r>
+              <a:rPr lang="en-GB" sz="3400" b="1" u="sng" dirty="0">
+                <a:solidFill>
+                  <a:srgbClr val="002060"/>
+                </a:solidFill>
+              </a:rPr>
+              <a:t>This presentation:</a:t>
+            </a:r>
+          </a:p>
+          <a:p>
+            <a:r>
+              <a:rPr lang="en-GB" dirty="0"/>
+              <a:t>Showing preliminary sample plots for the manuscript, produced using the old density models </a:t>
             </a:r>
           </a:p>
           <a:p>
@@ -3659,145 +4467,33 @@
             </a:pPr>
             <a:r>
               <a:rPr lang="en-GB" dirty="0"/>
-              <a:t>  set meeting to talk through the document and code? </a:t>
-            </a:r>
-          </a:p>
-          <a:p>
-            <a:r>
-              <a:rPr lang="en-GB" dirty="0"/>
-              <a:t>Set up code to use for manuscript plots</a:t>
-            </a:r>
-          </a:p>
-          <a:p>
-            <a:pPr lvl="1">
-              <a:buFont typeface="Wingdings" panose="05000000000000000000" pitchFamily="2" charset="2"/>
-              <a:buChar char="Ø"/>
-            </a:pPr>
-            <a:r>
-              <a:rPr lang="en-GB" dirty="0"/>
-              <a:t> no new COMSOL data yet (high Mach model of new and old chips)</a:t>
-            </a:r>
-          </a:p>
-          <a:p>
-            <a:pPr lvl="1">
-              <a:buFont typeface="Wingdings" panose="05000000000000000000" pitchFamily="2" charset="2"/>
-              <a:buChar char="Ø"/>
-            </a:pPr>
-            <a:r>
-              <a:rPr lang="en-GB" dirty="0"/>
-              <a:t> in the following, showing sample manuscript plots with the old data </a:t>
-            </a:r>
-          </a:p>
-          <a:p>
-            <a:pPr lvl="1">
-              <a:buFont typeface="Wingdings" panose="05000000000000000000" pitchFamily="2" charset="2"/>
-              <a:buChar char="Ø"/>
-            </a:pPr>
-            <a:r>
-              <a:rPr lang="en-GB" dirty="0"/>
-              <a:t> note: will need to compare measured to simulated pressures with new data!</a:t>
-            </a:r>
-          </a:p>
-          <a:p>
-            <a:r>
-              <a:rPr lang="en-GB" dirty="0"/>
-              <a:t>Still to do: final report and presentation</a:t>
-            </a:r>
-          </a:p>
-          <a:p>
-            <a:pPr lvl="1">
-              <a:buFont typeface="Wingdings" panose="05000000000000000000" pitchFamily="2" charset="2"/>
-              <a:buChar char="Ø"/>
-            </a:pPr>
-            <a:r>
-              <a:rPr lang="en-GB" dirty="0"/>
-              <a:t> waiting for new COMSOL data and manuscript plots first</a:t>
-            </a:r>
-          </a:p>
-          <a:p>
-            <a:pPr lvl="1">
-              <a:buFont typeface="Wingdings" panose="05000000000000000000" pitchFamily="2" charset="2"/>
-              <a:buChar char="Ø"/>
-            </a:pPr>
-            <a:endParaRPr lang="en-GB" dirty="0"/>
-          </a:p>
-          <a:p>
-            <a:pPr marL="457200" lvl="1" indent="0">
-              <a:buNone/>
-            </a:pPr>
-            <a:r>
-              <a:rPr lang="en-GB" dirty="0"/>
-              <a:t>For prelim plots (following): only </a:t>
-            </a:r>
-            <a:r>
-              <a:rPr lang="en-GB" dirty="0" err="1"/>
-              <a:t>Ar</a:t>
-            </a:r>
-            <a:r>
-              <a:rPr lang="en-GB" dirty="0"/>
-              <a:t>; </a:t>
-            </a:r>
-          </a:p>
-          <a:p>
-            <a:pPr marL="457200" lvl="1" indent="0">
-              <a:buNone/>
-            </a:pPr>
-            <a:r>
-              <a:rPr lang="en-GB" dirty="0"/>
-              <a:t>Think about shifting pressure?? -&gt; also shift wavelength??</a:t>
-            </a:r>
-          </a:p>
-          <a:p>
-            <a:pPr marL="457200" lvl="1" indent="0">
-              <a:buNone/>
-            </a:pPr>
-            <a:endParaRPr lang="en-GB" dirty="0"/>
-          </a:p>
-          <a:p>
-            <a:pPr marL="457200" lvl="1" indent="0">
-              <a:buNone/>
-            </a:pPr>
-            <a:r>
-              <a:rPr lang="en-GB" dirty="0"/>
-              <a:t>With final data: do all plots twice? Ne and </a:t>
-            </a:r>
-            <a:r>
-              <a:rPr lang="en-GB" dirty="0" err="1"/>
-              <a:t>Ar</a:t>
-            </a:r>
-            <a:r>
-              <a:rPr lang="en-GB" dirty="0"/>
-              <a:t>?</a:t>
-            </a:r>
-          </a:p>
-          <a:p>
-            <a:pPr marL="457200" lvl="1" indent="0">
-              <a:buNone/>
-            </a:pPr>
-            <a:endParaRPr lang="en-GB" dirty="0"/>
-          </a:p>
-          <a:p>
-            <a:pPr marL="457200" lvl="1" indent="0">
-              <a:buNone/>
-            </a:pPr>
-            <a:r>
-              <a:rPr lang="en-GB" dirty="0"/>
-              <a:t>Ask for plot formatting feedback</a:t>
-            </a:r>
-          </a:p>
-          <a:p>
-            <a:pPr marL="457200" lvl="1" indent="0">
-              <a:buNone/>
-            </a:pPr>
-            <a:endParaRPr lang="en-GB" dirty="0"/>
-          </a:p>
-          <a:p>
-            <a:pPr marL="457200" lvl="1" indent="0">
-              <a:buNone/>
-            </a:pPr>
-            <a:r>
-              <a:rPr lang="en-GB" dirty="0"/>
-              <a:t>Apart from changing plot layout, there is not much I can do right now without the new data</a:t>
+              <a:t>Produced only for Argon; for manuscript: do Argon and Neon (?)</a:t>
+            </a:r>
+          </a:p>
+          <a:p>
+            <a:r>
+              <a:rPr lang="en-GB" sz="3400" i="1" dirty="0">
+                <a:solidFill>
+                  <a:srgbClr val="002060"/>
+                </a:solidFill>
+              </a:rPr>
+              <a:t>Please give feedback on anything to be changed for the plots (e.g. labels, annotations, </a:t>
+            </a:r>
+            <a:r>
+              <a:rPr lang="en-GB" sz="3400" i="1" dirty="0" err="1">
+                <a:solidFill>
+                  <a:srgbClr val="002060"/>
+                </a:solidFill>
+              </a:rPr>
+              <a:t>fontsizes</a:t>
+            </a:r>
+            <a:r>
+              <a:rPr lang="en-GB" sz="3400" i="1" dirty="0">
+                <a:solidFill>
+                  <a:srgbClr val="002060"/>
+                </a:solidFill>
+              </a:rPr>
+              <a:t>,….)</a:t>
             </a:r>
           </a:p>
         </p:txBody>
@@ -3860,7 +4556,7 @@
         </p:blipFill>
         <p:spPr>
           <a:xfrm>
-            <a:off x="6598017" y="1850075"/>
+            <a:off x="6415714" y="1690688"/>
             <a:ext cx="5759817" cy="4319634"/>
           </a:xfrm>
           <a:prstGeom prst="rect">
@@ -3895,44 +4591,28 @@
                   <a:srgbClr val="002060"/>
                 </a:solidFill>
               </a:rPr>
-              <a:t>Sample manuscript plots</a:t>
-            </a:r>
-          </a:p>
-        </p:txBody>
-      </p:sp>
-      <p:sp>
-        <p:nvSpPr>
-          <p:cNvPr id="3" name="Content Placeholder 2">
-            <a:extLst>
-              <a:ext uri="{FF2B5EF4-FFF2-40B4-BE49-F238E27FC236}">
-                <a16:creationId xmlns:a16="http://schemas.microsoft.com/office/drawing/2014/main" id="{9CC75D50-846F-F711-4B31-9276143F0DEC}"/>
-              </a:ext>
-            </a:extLst>
-          </p:cNvPr>
-          <p:cNvSpPr>
-            <a:spLocks noGrp="1"/>
-          </p:cNvSpPr>
-          <p:nvPr>
-            <p:ph idx="1"/>
-          </p:nvPr>
-        </p:nvSpPr>
-        <p:spPr>
-          <a:xfrm>
-            <a:off x="838200" y="1517715"/>
-            <a:ext cx="10515600" cy="4351338"/>
-          </a:xfrm>
-        </p:spPr>
-        <p:txBody>
-          <a:bodyPr/>
-          <a:lstStyle/>
-          <a:p>
-            <a:pPr marL="0" indent="0">
-              <a:buNone/>
-            </a:pPr>
-            <a:r>
-              <a:rPr lang="en-GB" b="1" u="sng" dirty="0"/>
+              <a:t>Sample manuscript plots: </a:t>
+            </a:r>
+            <a:br>
+              <a:rPr lang="en-GB" b="1" dirty="0">
+                <a:solidFill>
+                  <a:srgbClr val="002060"/>
+                </a:solidFill>
+              </a:rPr>
+            </a:br>
+            <a:r>
+              <a:rPr lang="en-GB" sz="3200" b="1" i="1" u="sng" dirty="0">
+                <a:solidFill>
+                  <a:srgbClr val="002060"/>
+                </a:solidFill>
+              </a:rPr>
               <a:t>A. Simulated pressure scan energies</a:t>
             </a:r>
+            <a:endParaRPr lang="en-GB" b="1" i="1" u="sng" dirty="0">
+              <a:solidFill>
+                <a:srgbClr val="002060"/>
+              </a:solidFill>
+            </a:endParaRPr>
           </a:p>
         </p:txBody>
       </p:sp>
@@ -3964,7 +4644,7 @@
         </p:blipFill>
         <p:spPr>
           <a:xfrm>
-            <a:off x="706157" y="1917259"/>
+            <a:off x="435570" y="1690688"/>
             <a:ext cx="5759817" cy="4319634"/>
           </a:xfrm>
           <a:prstGeom prst="rect">
@@ -4019,10 +4699,10 @@
       </p:sp>
       <p:sp>
         <p:nvSpPr>
-          <p:cNvPr id="7" name="TextBox 6">
-            <a:extLst>
-              <a:ext uri="{FF2B5EF4-FFF2-40B4-BE49-F238E27FC236}">
-                <a16:creationId xmlns:a16="http://schemas.microsoft.com/office/drawing/2014/main" id="{EF5B40A0-63BB-D0ED-D283-A8F3AC0FB360}"/>
+          <p:cNvPr id="10" name="TextBox 9">
+            <a:extLst>
+              <a:ext uri="{FF2B5EF4-FFF2-40B4-BE49-F238E27FC236}">
+                <a16:creationId xmlns:a16="http://schemas.microsoft.com/office/drawing/2014/main" id="{A030EEBA-8679-1FF2-6623-78130E935FA0}"/>
               </a:ext>
             </a:extLst>
           </p:cNvPr>
@@ -4031,74 +4711,7 @@
         </p:nvSpPr>
         <p:spPr>
           <a:xfrm>
-            <a:off x="7816485" y="594385"/>
-            <a:ext cx="3537315" cy="923330"/>
-          </a:xfrm>
-          <a:prstGeom prst="rect">
-            <a:avLst/>
-          </a:prstGeom>
-          <a:noFill/>
-        </p:spPr>
-        <p:txBody>
-          <a:bodyPr wrap="none" rtlCol="0">
-            <a:spAutoFit/>
-          </a:bodyPr>
-          <a:lstStyle/>
-          <a:p>
-            <a:r>
-              <a:rPr lang="en-GB" b="1" dirty="0">
-                <a:solidFill>
-                  <a:srgbClr val="002060"/>
-                </a:solidFill>
-              </a:rPr>
-              <a:t>Notes: </a:t>
-            </a:r>
-          </a:p>
-          <a:p>
-            <a:pPr marL="285750" indent="-285750">
-              <a:buFont typeface="Arial" panose="020B0604020202020204" pitchFamily="34" charset="0"/>
-              <a:buChar char="•"/>
-            </a:pPr>
-            <a:r>
-              <a:rPr lang="en-GB" dirty="0">
-                <a:solidFill>
-                  <a:srgbClr val="002060"/>
-                </a:solidFill>
-              </a:rPr>
-              <a:t>repeat this with Ne at 400mW ?!</a:t>
-            </a:r>
-          </a:p>
-          <a:p>
-            <a:pPr marL="285750" indent="-285750">
-              <a:buFont typeface="Arial" panose="020B0604020202020204" pitchFamily="34" charset="0"/>
-              <a:buChar char="•"/>
-            </a:pPr>
-            <a:r>
-              <a:rPr lang="en-GB" dirty="0">
-                <a:solidFill>
-                  <a:srgbClr val="002060"/>
-                </a:solidFill>
-              </a:rPr>
-              <a:t>shift/rescale pressure axis?</a:t>
-            </a:r>
-          </a:p>
-        </p:txBody>
-      </p:sp>
-      <p:sp>
-        <p:nvSpPr>
-          <p:cNvPr id="10" name="TextBox 9">
-            <a:extLst>
-              <a:ext uri="{FF2B5EF4-FFF2-40B4-BE49-F238E27FC236}">
-                <a16:creationId xmlns:a16="http://schemas.microsoft.com/office/drawing/2014/main" id="{A030EEBA-8679-1FF2-6623-78130E935FA0}"/>
-              </a:ext>
-            </a:extLst>
-          </p:cNvPr>
-          <p:cNvSpPr txBox="1"/>
-          <p:nvPr/>
-        </p:nvSpPr>
-        <p:spPr>
-          <a:xfrm>
-            <a:off x="7038393" y="6178903"/>
+            <a:off x="7225005" y="6169708"/>
             <a:ext cx="4514461" cy="646331"/>
           </a:xfrm>
           <a:prstGeom prst="rect">
@@ -4187,7 +4800,7 @@
         </p:blipFill>
         <p:spPr>
           <a:xfrm>
-            <a:off x="6598017" y="1873312"/>
+            <a:off x="6432183" y="1690688"/>
             <a:ext cx="5759817" cy="4319634"/>
           </a:xfrm>
           <a:prstGeom prst="rect">
@@ -4223,7 +4836,7 @@
         </p:blipFill>
         <p:spPr>
           <a:xfrm>
-            <a:off x="705962" y="1902989"/>
+            <a:off x="533540" y="1690688"/>
             <a:ext cx="5759817" cy="4319634"/>
           </a:xfrm>
           <a:prstGeom prst="rect">
@@ -4258,63 +4871,47 @@
                   <a:srgbClr val="002060"/>
                 </a:solidFill>
               </a:rPr>
-              <a:t>Sample manuscript plots</a:t>
-            </a:r>
-          </a:p>
-        </p:txBody>
-      </p:sp>
-      <p:sp>
-        <p:nvSpPr>
-          <p:cNvPr id="3" name="Content Placeholder 2">
-            <a:extLst>
-              <a:ext uri="{FF2B5EF4-FFF2-40B4-BE49-F238E27FC236}">
-                <a16:creationId xmlns:a16="http://schemas.microsoft.com/office/drawing/2014/main" id="{9CC75D50-846F-F711-4B31-9276143F0DEC}"/>
-              </a:ext>
-            </a:extLst>
-          </p:cNvPr>
-          <p:cNvSpPr>
-            <a:spLocks noGrp="1"/>
-          </p:cNvSpPr>
-          <p:nvPr>
-            <p:ph idx="1"/>
-          </p:nvPr>
+              <a:t>Sample manuscript plots: </a:t>
+            </a:r>
+            <a:br>
+              <a:rPr lang="en-GB" b="1" dirty="0">
+                <a:solidFill>
+                  <a:srgbClr val="002060"/>
+                </a:solidFill>
+              </a:rPr>
+            </a:br>
+            <a:r>
+              <a:rPr lang="en-GB" sz="3200" b="1" i="1" u="sng" dirty="0">
+                <a:solidFill>
+                  <a:srgbClr val="002060"/>
+                </a:solidFill>
+              </a:rPr>
+              <a:t>B. Simulated v. measured UV spectra</a:t>
+            </a:r>
+            <a:endParaRPr lang="en-GB" b="1" dirty="0">
+              <a:solidFill>
+                <a:srgbClr val="002060"/>
+              </a:solidFill>
+            </a:endParaRPr>
+          </a:p>
+        </p:txBody>
+      </p:sp>
+      <p:sp>
+        <p:nvSpPr>
+          <p:cNvPr id="6" name="TextBox 5">
+            <a:extLst>
+              <a:ext uri="{FF2B5EF4-FFF2-40B4-BE49-F238E27FC236}">
+                <a16:creationId xmlns:a16="http://schemas.microsoft.com/office/drawing/2014/main" id="{3B93A1C6-E3C8-F5A4-4E5A-C707AAE22145}"/>
+              </a:ext>
+            </a:extLst>
+          </p:cNvPr>
+          <p:cNvSpPr txBox="1"/>
+          <p:nvPr/>
         </p:nvSpPr>
         <p:spPr>
           <a:xfrm>
-            <a:off x="838200" y="1539875"/>
-            <a:ext cx="10515600" cy="4351338"/>
-          </a:xfrm>
-        </p:spPr>
-        <p:txBody>
-          <a:bodyPr/>
-          <a:lstStyle/>
-          <a:p>
-            <a:pPr marL="0" indent="0">
-              <a:buNone/>
-            </a:pPr>
-            <a:r>
-              <a:rPr lang="en-GB" b="1" u="sng" dirty="0"/>
-              <a:t>B. Simulated v. measured UV spectra</a:t>
-            </a:r>
-          </a:p>
-        </p:txBody>
-      </p:sp>
-      <p:sp>
-        <p:nvSpPr>
-          <p:cNvPr id="6" name="TextBox 5">
-            <a:extLst>
-              <a:ext uri="{FF2B5EF4-FFF2-40B4-BE49-F238E27FC236}">
-                <a16:creationId xmlns:a16="http://schemas.microsoft.com/office/drawing/2014/main" id="{3B93A1C6-E3C8-F5A4-4E5A-C707AAE22145}"/>
-              </a:ext>
-            </a:extLst>
-          </p:cNvPr>
-          <p:cNvSpPr txBox="1"/>
-          <p:nvPr/>
-        </p:nvSpPr>
-        <p:spPr>
-          <a:xfrm>
-            <a:off x="1474237" y="6169709"/>
-            <a:ext cx="4514461" cy="646331"/>
+            <a:off x="1082351" y="6169709"/>
+            <a:ext cx="5349832" cy="646331"/>
           </a:xfrm>
           <a:prstGeom prst="rect">
             <a:avLst/>
@@ -4333,7 +4930,7 @@
             </a:r>
             <a:r>
               <a:rPr lang="en-GB" dirty="0"/>
-              <a:t>Argon at 150mW (simulations with </a:t>
+              <a:t>Argon at 150mW and 0.4bar (simulations with </a:t>
             </a:r>
           </a:p>
           <a:p>
@@ -4358,8 +4955,8 @@
         </p:nvSpPr>
         <p:spPr>
           <a:xfrm>
-            <a:off x="7341356" y="6123556"/>
-            <a:ext cx="4514461" cy="646331"/>
+            <a:off x="6938584" y="6123556"/>
+            <a:ext cx="5349832" cy="646331"/>
           </a:xfrm>
           <a:prstGeom prst="rect">
             <a:avLst/>
@@ -4378,7 +4975,7 @@
             </a:r>
             <a:r>
               <a:rPr lang="en-GB" dirty="0"/>
-              <a:t>Argon at 150mW (simulations with </a:t>
+              <a:t>Argon at 150mW and 0.4bar (simulations with </a:t>
             </a:r>
           </a:p>
           <a:p>
@@ -4447,7 +5044,7 @@
         </p:blipFill>
         <p:spPr>
           <a:xfrm>
-            <a:off x="859280" y="1782841"/>
+            <a:off x="3216092" y="1670869"/>
             <a:ext cx="5759817" cy="4319634"/>
           </a:xfrm>
           <a:prstGeom prst="rect">
@@ -4482,62 +5079,46 @@
                   <a:srgbClr val="002060"/>
                 </a:solidFill>
               </a:rPr>
-              <a:t>Sample manuscript plots</a:t>
-            </a:r>
-          </a:p>
-        </p:txBody>
-      </p:sp>
-      <p:sp>
-        <p:nvSpPr>
-          <p:cNvPr id="3" name="Content Placeholder 2">
-            <a:extLst>
-              <a:ext uri="{FF2B5EF4-FFF2-40B4-BE49-F238E27FC236}">
-                <a16:creationId xmlns:a16="http://schemas.microsoft.com/office/drawing/2014/main" id="{9CC75D50-846F-F711-4B31-9276143F0DEC}"/>
-              </a:ext>
-            </a:extLst>
-          </p:cNvPr>
-          <p:cNvSpPr>
-            <a:spLocks noGrp="1"/>
-          </p:cNvSpPr>
-          <p:nvPr>
-            <p:ph idx="1"/>
-          </p:nvPr>
+              <a:t>Sample manuscript plots: </a:t>
+            </a:r>
+            <a:br>
+              <a:rPr lang="en-GB" b="1" dirty="0">
+                <a:solidFill>
+                  <a:srgbClr val="002060"/>
+                </a:solidFill>
+              </a:rPr>
+            </a:br>
+            <a:r>
+              <a:rPr lang="en-GB" sz="3200" b="1" i="1" u="sng" dirty="0">
+                <a:solidFill>
+                  <a:srgbClr val="002060"/>
+                </a:solidFill>
+              </a:rPr>
+              <a:t>C. New chip v. old cell</a:t>
+            </a:r>
+            <a:endParaRPr lang="en-GB" b="1" dirty="0">
+              <a:solidFill>
+                <a:srgbClr val="002060"/>
+              </a:solidFill>
+            </a:endParaRPr>
+          </a:p>
+        </p:txBody>
+      </p:sp>
+      <p:sp>
+        <p:nvSpPr>
+          <p:cNvPr id="6" name="TextBox 5">
+            <a:extLst>
+              <a:ext uri="{FF2B5EF4-FFF2-40B4-BE49-F238E27FC236}">
+                <a16:creationId xmlns:a16="http://schemas.microsoft.com/office/drawing/2014/main" id="{3B93A1C6-E3C8-F5A4-4E5A-C707AAE22145}"/>
+              </a:ext>
+            </a:extLst>
+          </p:cNvPr>
+          <p:cNvSpPr txBox="1"/>
+          <p:nvPr/>
         </p:nvSpPr>
         <p:spPr>
           <a:xfrm>
-            <a:off x="838200" y="1539875"/>
-            <a:ext cx="10515600" cy="4351338"/>
-          </a:xfrm>
-        </p:spPr>
-        <p:txBody>
-          <a:bodyPr/>
-          <a:lstStyle/>
-          <a:p>
-            <a:pPr marL="0" indent="0">
-              <a:buNone/>
-            </a:pPr>
-            <a:r>
-              <a:rPr lang="en-GB" b="1" u="sng" dirty="0"/>
-              <a:t>C. Simulated spectra: new chip v. old chip</a:t>
-            </a:r>
-          </a:p>
-        </p:txBody>
-      </p:sp>
-      <p:sp>
-        <p:nvSpPr>
-          <p:cNvPr id="6" name="TextBox 5">
-            <a:extLst>
-              <a:ext uri="{FF2B5EF4-FFF2-40B4-BE49-F238E27FC236}">
-                <a16:creationId xmlns:a16="http://schemas.microsoft.com/office/drawing/2014/main" id="{3B93A1C6-E3C8-F5A4-4E5A-C707AAE22145}"/>
-              </a:ext>
-            </a:extLst>
-          </p:cNvPr>
-          <p:cNvSpPr txBox="1"/>
-          <p:nvPr/>
-        </p:nvSpPr>
-        <p:spPr>
-          <a:xfrm>
-            <a:off x="1474237" y="6169709"/>
+            <a:off x="3778898" y="6102475"/>
             <a:ext cx="8836090" cy="646331"/>
           </a:xfrm>
           <a:prstGeom prst="rect">
@@ -4557,13 +5138,52 @@
             </a:r>
             <a:r>
               <a:rPr lang="en-GB" dirty="0"/>
-              <a:t>Argon at 150mW (simulations with </a:t>
+              <a:t>Argon at 150mW and 0.4bar (simulations with </a:t>
             </a:r>
           </a:p>
           <a:p>
             <a:r>
               <a:rPr lang="en-GB" dirty="0"/>
-              <a:t>gradient model and COMSOL model of new chip instead of COMSOL of new and old)</a:t>
+              <a:t>gradient model and COMSOL model of new chip)</a:t>
+            </a:r>
+          </a:p>
+        </p:txBody>
+      </p:sp>
+      <p:sp>
+        <p:nvSpPr>
+          <p:cNvPr id="7" name="TextBox 6">
+            <a:extLst>
+              <a:ext uri="{FF2B5EF4-FFF2-40B4-BE49-F238E27FC236}">
+                <a16:creationId xmlns:a16="http://schemas.microsoft.com/office/drawing/2014/main" id="{D7C78500-68FE-A16A-7E3E-5BF58368D8A3}"/>
+              </a:ext>
+            </a:extLst>
+          </p:cNvPr>
+          <p:cNvSpPr txBox="1"/>
+          <p:nvPr/>
+        </p:nvSpPr>
+        <p:spPr>
+          <a:xfrm>
+            <a:off x="7315200" y="1189565"/>
+            <a:ext cx="3918701" cy="369332"/>
+          </a:xfrm>
+          <a:prstGeom prst="rect">
+            <a:avLst/>
+          </a:prstGeom>
+          <a:noFill/>
+        </p:spPr>
+        <p:txBody>
+          <a:bodyPr wrap="none" rtlCol="0">
+            <a:spAutoFit/>
+          </a:bodyPr>
+          <a:lstStyle/>
+          <a:p>
+            <a:r>
+              <a:rPr lang="en-GB" dirty="0">
+                <a:solidFill>
+                  <a:srgbClr val="002060"/>
+                </a:solidFill>
+              </a:rPr>
+              <a:t>Note: no model of old chip available yet</a:t>
             </a:r>
           </a:p>
         </p:txBody>
@@ -4598,248 +5218,12 @@
           <a:chExt cx="0" cy="0"/>
         </a:xfrm>
       </p:grpSpPr>
-      <p:sp>
-        <p:nvSpPr>
-          <p:cNvPr id="2" name="Title 1">
-            <a:extLst>
-              <a:ext uri="{FF2B5EF4-FFF2-40B4-BE49-F238E27FC236}">
-                <a16:creationId xmlns:a16="http://schemas.microsoft.com/office/drawing/2014/main" id="{BE5782E2-71E5-D382-4C67-783970FEE9AA}"/>
-              </a:ext>
-            </a:extLst>
-          </p:cNvPr>
-          <p:cNvSpPr>
-            <a:spLocks noGrp="1"/>
-          </p:cNvSpPr>
-          <p:nvPr>
-            <p:ph type="title"/>
-          </p:nvPr>
-        </p:nvSpPr>
-        <p:spPr/>
-        <p:txBody>
-          <a:bodyPr/>
-          <a:lstStyle/>
-          <a:p>
-            <a:r>
-              <a:rPr lang="en-GB" b="1" dirty="0">
-                <a:solidFill>
-                  <a:srgbClr val="002060"/>
-                </a:solidFill>
-              </a:rPr>
-              <a:t>Sample manuscript plots</a:t>
-            </a:r>
-            <a:endParaRPr lang="en-GB" dirty="0"/>
-          </a:p>
-        </p:txBody>
-      </p:sp>
-      <p:sp>
-        <p:nvSpPr>
-          <p:cNvPr id="4" name="Content Placeholder 2">
-            <a:extLst>
-              <a:ext uri="{FF2B5EF4-FFF2-40B4-BE49-F238E27FC236}">
-                <a16:creationId xmlns:a16="http://schemas.microsoft.com/office/drawing/2014/main" id="{06B587C4-01EE-1E41-B8D3-BACA60AEFACF}"/>
-              </a:ext>
-            </a:extLst>
-          </p:cNvPr>
-          <p:cNvSpPr txBox="1">
-            <a:spLocks/>
-          </p:cNvSpPr>
-          <p:nvPr/>
-        </p:nvSpPr>
-        <p:spPr>
-          <a:xfrm>
-            <a:off x="838200" y="1539875"/>
-            <a:ext cx="10515600" cy="4351338"/>
-          </a:xfrm>
-          <a:prstGeom prst="rect">
-            <a:avLst/>
-          </a:prstGeom>
-        </p:spPr>
-        <p:txBody>
-          <a:bodyPr vert="horz" lIns="91440" tIns="45720" rIns="91440" bIns="45720" rtlCol="0">
-            <a:normAutofit/>
-          </a:bodyPr>
-          <a:lstStyle>
-            <a:lvl1pPr marL="228600" indent="-228600" algn="l" defTabSz="914400" rtl="0" eaLnBrk="1" latinLnBrk="0" hangingPunct="1">
-              <a:lnSpc>
-                <a:spcPct val="90000"/>
-              </a:lnSpc>
-              <a:spcBef>
-                <a:spcPts val="1000"/>
-              </a:spcBef>
-              <a:buFont typeface="Arial" panose="020B0604020202020204" pitchFamily="34" charset="0"/>
-              <a:buChar char="•"/>
-              <a:defRPr sz="2800" kern="1200">
-                <a:solidFill>
-                  <a:schemeClr val="tx1"/>
-                </a:solidFill>
-                <a:latin typeface="+mn-lt"/>
-                <a:ea typeface="+mn-ea"/>
-                <a:cs typeface="+mn-cs"/>
-              </a:defRPr>
-            </a:lvl1pPr>
-            <a:lvl2pPr marL="685800" indent="-228600" algn="l" defTabSz="914400" rtl="0" eaLnBrk="1" latinLnBrk="0" hangingPunct="1">
-              <a:lnSpc>
-                <a:spcPct val="90000"/>
-              </a:lnSpc>
-              <a:spcBef>
-                <a:spcPts val="500"/>
-              </a:spcBef>
-              <a:buFont typeface="Arial" panose="020B0604020202020204" pitchFamily="34" charset="0"/>
-              <a:buChar char="•"/>
-              <a:defRPr sz="2400" kern="1200">
-                <a:solidFill>
-                  <a:schemeClr val="tx1"/>
-                </a:solidFill>
-                <a:latin typeface="+mn-lt"/>
-                <a:ea typeface="+mn-ea"/>
-                <a:cs typeface="+mn-cs"/>
-              </a:defRPr>
-            </a:lvl2pPr>
-            <a:lvl3pPr marL="1143000" indent="-228600" algn="l" defTabSz="914400" rtl="0" eaLnBrk="1" latinLnBrk="0" hangingPunct="1">
-              <a:lnSpc>
-                <a:spcPct val="90000"/>
-              </a:lnSpc>
-              <a:spcBef>
-                <a:spcPts val="500"/>
-              </a:spcBef>
-              <a:buFont typeface="Arial" panose="020B0604020202020204" pitchFamily="34" charset="0"/>
-              <a:buChar char="•"/>
-              <a:defRPr sz="2000" kern="1200">
-                <a:solidFill>
-                  <a:schemeClr val="tx1"/>
-                </a:solidFill>
-                <a:latin typeface="+mn-lt"/>
-                <a:ea typeface="+mn-ea"/>
-                <a:cs typeface="+mn-cs"/>
-              </a:defRPr>
-            </a:lvl3pPr>
-            <a:lvl4pPr marL="1600200" indent="-228600" algn="l" defTabSz="914400" rtl="0" eaLnBrk="1" latinLnBrk="0" hangingPunct="1">
-              <a:lnSpc>
-                <a:spcPct val="90000"/>
-              </a:lnSpc>
-              <a:spcBef>
-                <a:spcPts val="500"/>
-              </a:spcBef>
-              <a:buFont typeface="Arial" panose="020B0604020202020204" pitchFamily="34" charset="0"/>
-              <a:buChar char="•"/>
-              <a:defRPr sz="1800" kern="1200">
-                <a:solidFill>
-                  <a:schemeClr val="tx1"/>
-                </a:solidFill>
-                <a:latin typeface="+mn-lt"/>
-                <a:ea typeface="+mn-ea"/>
-                <a:cs typeface="+mn-cs"/>
-              </a:defRPr>
-            </a:lvl4pPr>
-            <a:lvl5pPr marL="2057400" indent="-228600" algn="l" defTabSz="914400" rtl="0" eaLnBrk="1" latinLnBrk="0" hangingPunct="1">
-              <a:lnSpc>
-                <a:spcPct val="90000"/>
-              </a:lnSpc>
-              <a:spcBef>
-                <a:spcPts val="500"/>
-              </a:spcBef>
-              <a:buFont typeface="Arial" panose="020B0604020202020204" pitchFamily="34" charset="0"/>
-              <a:buChar char="•"/>
-              <a:defRPr sz="1800" kern="1200">
-                <a:solidFill>
-                  <a:schemeClr val="tx1"/>
-                </a:solidFill>
-                <a:latin typeface="+mn-lt"/>
-                <a:ea typeface="+mn-ea"/>
-                <a:cs typeface="+mn-cs"/>
-              </a:defRPr>
-            </a:lvl5pPr>
-            <a:lvl6pPr marL="2514600" indent="-228600" algn="l" defTabSz="914400" rtl="0" eaLnBrk="1" latinLnBrk="0" hangingPunct="1">
-              <a:lnSpc>
-                <a:spcPct val="90000"/>
-              </a:lnSpc>
-              <a:spcBef>
-                <a:spcPts val="500"/>
-              </a:spcBef>
-              <a:buFont typeface="Arial" panose="020B0604020202020204" pitchFamily="34" charset="0"/>
-              <a:buChar char="•"/>
-              <a:defRPr sz="1800" kern="1200">
-                <a:solidFill>
-                  <a:schemeClr val="tx1"/>
-                </a:solidFill>
-                <a:latin typeface="+mn-lt"/>
-                <a:ea typeface="+mn-ea"/>
-                <a:cs typeface="+mn-cs"/>
-              </a:defRPr>
-            </a:lvl6pPr>
-            <a:lvl7pPr marL="2971800" indent="-228600" algn="l" defTabSz="914400" rtl="0" eaLnBrk="1" latinLnBrk="0" hangingPunct="1">
-              <a:lnSpc>
-                <a:spcPct val="90000"/>
-              </a:lnSpc>
-              <a:spcBef>
-                <a:spcPts val="500"/>
-              </a:spcBef>
-              <a:buFont typeface="Arial" panose="020B0604020202020204" pitchFamily="34" charset="0"/>
-              <a:buChar char="•"/>
-              <a:defRPr sz="1800" kern="1200">
-                <a:solidFill>
-                  <a:schemeClr val="tx1"/>
-                </a:solidFill>
-                <a:latin typeface="+mn-lt"/>
-                <a:ea typeface="+mn-ea"/>
-                <a:cs typeface="+mn-cs"/>
-              </a:defRPr>
-            </a:lvl7pPr>
-            <a:lvl8pPr marL="3429000" indent="-228600" algn="l" defTabSz="914400" rtl="0" eaLnBrk="1" latinLnBrk="0" hangingPunct="1">
-              <a:lnSpc>
-                <a:spcPct val="90000"/>
-              </a:lnSpc>
-              <a:spcBef>
-                <a:spcPts val="500"/>
-              </a:spcBef>
-              <a:buFont typeface="Arial" panose="020B0604020202020204" pitchFamily="34" charset="0"/>
-              <a:buChar char="•"/>
-              <a:defRPr sz="1800" kern="1200">
-                <a:solidFill>
-                  <a:schemeClr val="tx1"/>
-                </a:solidFill>
-                <a:latin typeface="+mn-lt"/>
-                <a:ea typeface="+mn-ea"/>
-                <a:cs typeface="+mn-cs"/>
-              </a:defRPr>
-            </a:lvl8pPr>
-            <a:lvl9pPr marL="3886200" indent="-228600" algn="l" defTabSz="914400" rtl="0" eaLnBrk="1" latinLnBrk="0" hangingPunct="1">
-              <a:lnSpc>
-                <a:spcPct val="90000"/>
-              </a:lnSpc>
-              <a:spcBef>
-                <a:spcPts val="500"/>
-              </a:spcBef>
-              <a:buFont typeface="Arial" panose="020B0604020202020204" pitchFamily="34" charset="0"/>
-              <a:buChar char="•"/>
-              <a:defRPr sz="1800" kern="1200">
-                <a:solidFill>
-                  <a:schemeClr val="tx1"/>
-                </a:solidFill>
-                <a:latin typeface="+mn-lt"/>
-                <a:ea typeface="+mn-ea"/>
-                <a:cs typeface="+mn-cs"/>
-              </a:defRPr>
-            </a:lvl9pPr>
-          </a:lstStyle>
-          <a:p>
-            <a:pPr marL="0" indent="0">
-              <a:buFont typeface="Arial" panose="020B0604020202020204" pitchFamily="34" charset="0"/>
-              <a:buNone/>
-            </a:pPr>
-            <a:r>
-              <a:rPr lang="en-GB" b="1" u="sng" dirty="0"/>
-              <a:t>D. Spatiotemporal UV profile at output</a:t>
-            </a:r>
-          </a:p>
-        </p:txBody>
-      </p:sp>
       <p:pic>
         <p:nvPicPr>
-          <p:cNvPr id="6" name="Picture 5" descr="A rainbow colored circle with numbers and a chart&#10;&#10;Description automatically generated with medium confidence">
-            <a:extLst>
-              <a:ext uri="{FF2B5EF4-FFF2-40B4-BE49-F238E27FC236}">
-                <a16:creationId xmlns:a16="http://schemas.microsoft.com/office/drawing/2014/main" id="{D9502DA8-6EE7-859D-23E2-6379B2A2C43A}"/>
+          <p:cNvPr id="13" name="Picture 12" descr="A rainbow colored circle with numbers and lines&#10;&#10;Description automatically generated with medium confidence">
+            <a:extLst>
+              <a:ext uri="{FF2B5EF4-FFF2-40B4-BE49-F238E27FC236}">
+                <a16:creationId xmlns:a16="http://schemas.microsoft.com/office/drawing/2014/main" id="{30D072F9-38B4-C518-3D1A-65F9D48C35FF}"/>
               </a:ext>
             </a:extLst>
           </p:cNvPr>
@@ -4862,7 +5246,7 @@
         </p:blipFill>
         <p:spPr>
           <a:xfrm>
-            <a:off x="650173" y="1922326"/>
+            <a:off x="6432182" y="1172839"/>
             <a:ext cx="5759817" cy="4319634"/>
           </a:xfrm>
           <a:prstGeom prst="rect">
@@ -4872,10 +5256,10 @@
       </p:pic>
       <p:pic>
         <p:nvPicPr>
-          <p:cNvPr id="8" name="Picture 7" descr="A rainbow colored circle with numbers&#10;&#10;Description automatically generated with medium confidence">
-            <a:extLst>
-              <a:ext uri="{FF2B5EF4-FFF2-40B4-BE49-F238E27FC236}">
-                <a16:creationId xmlns:a16="http://schemas.microsoft.com/office/drawing/2014/main" id="{C13509AE-83B0-8E30-3B15-D6E98743BF1A}"/>
+          <p:cNvPr id="5" name="Picture 4" descr="A rainbow colored circle with numbers and lines&#10;&#10;Description automatically generated with medium confidence">
+            <a:extLst>
+              <a:ext uri="{FF2B5EF4-FFF2-40B4-BE49-F238E27FC236}">
+                <a16:creationId xmlns:a16="http://schemas.microsoft.com/office/drawing/2014/main" id="{0CE6E54B-99D7-6758-BBA7-A675F52F74E0}"/>
               </a:ext>
             </a:extLst>
           </p:cNvPr>
@@ -4898,7 +5282,7 @@
         </p:blipFill>
         <p:spPr>
           <a:xfrm>
-            <a:off x="6341846" y="1922326"/>
+            <a:off x="267618" y="1205496"/>
             <a:ext cx="5759817" cy="4319634"/>
           </a:xfrm>
           <a:prstGeom prst="rect">
@@ -4908,10 +5292,58 @@
       </p:pic>
       <p:sp>
         <p:nvSpPr>
-          <p:cNvPr id="9" name="TextBox 8">
-            <a:extLst>
-              <a:ext uri="{FF2B5EF4-FFF2-40B4-BE49-F238E27FC236}">
-                <a16:creationId xmlns:a16="http://schemas.microsoft.com/office/drawing/2014/main" id="{1D90BA58-5C71-6DD5-D65B-394B25185508}"/>
+          <p:cNvPr id="2" name="Title 1">
+            <a:extLst>
+              <a:ext uri="{FF2B5EF4-FFF2-40B4-BE49-F238E27FC236}">
+                <a16:creationId xmlns:a16="http://schemas.microsoft.com/office/drawing/2014/main" id="{BE5782E2-71E5-D382-4C67-783970FEE9AA}"/>
+              </a:ext>
+            </a:extLst>
+          </p:cNvPr>
+          <p:cNvSpPr>
+            <a:spLocks noGrp="1"/>
+          </p:cNvSpPr>
+          <p:nvPr>
+            <p:ph type="title"/>
+          </p:nvPr>
+        </p:nvSpPr>
+        <p:spPr/>
+        <p:txBody>
+          <a:bodyPr/>
+          <a:lstStyle/>
+          <a:p>
+            <a:r>
+              <a:rPr lang="en-GB" b="1" dirty="0">
+                <a:solidFill>
+                  <a:srgbClr val="002060"/>
+                </a:solidFill>
+              </a:rPr>
+              <a:t>Sample manuscript plots:</a:t>
+            </a:r>
+            <a:br>
+              <a:rPr lang="en-GB" b="1" dirty="0">
+                <a:solidFill>
+                  <a:srgbClr val="002060"/>
+                </a:solidFill>
+              </a:rPr>
+            </a:br>
+            <a:r>
+              <a:rPr lang="en-GB" sz="3200" b="1" i="1" u="sng" dirty="0">
+                <a:solidFill>
+                  <a:srgbClr val="002060"/>
+                </a:solidFill>
+              </a:rPr>
+              <a:t>D. Spatiotemporal UV profile at output </a:t>
+            </a:r>
+            <a:endParaRPr lang="en-GB" i="1" u="sng" dirty="0"/>
+          </a:p>
+        </p:txBody>
+      </p:sp>
+      <p:sp>
+        <p:nvSpPr>
+          <p:cNvPr id="12" name="TextBox 11">
+            <a:extLst>
+              <a:ext uri="{FF2B5EF4-FFF2-40B4-BE49-F238E27FC236}">
+                <a16:creationId xmlns:a16="http://schemas.microsoft.com/office/drawing/2014/main" id="{43013B3F-B74F-DB66-65BB-04FBA1270B66}"/>
               </a:ext>
             </a:extLst>
           </p:cNvPr>
@@ -4920,8 +5352,8 @@
         </p:nvSpPr>
         <p:spPr>
           <a:xfrm>
-            <a:off x="7873482" y="1539875"/>
-            <a:ext cx="2318327" cy="369332"/>
+            <a:off x="7835056" y="1161426"/>
+            <a:ext cx="4232377" cy="369332"/>
           </a:xfrm>
           <a:prstGeom prst="rect">
             <a:avLst/>
@@ -4935,22 +5367,22 @@
           <a:lstStyle/>
           <a:p>
             <a:r>
-              <a:rPr lang="en-GB" dirty="0" err="1"/>
-              <a:t>Ar</a:t>
-            </a:r>
-            <a:r>
-              <a:rPr lang="en-GB" dirty="0"/>
-              <a:t> 150mW 0.4bar grad</a:t>
-            </a:r>
-          </a:p>
-        </p:txBody>
-      </p:sp>
-      <p:sp>
-        <p:nvSpPr>
-          <p:cNvPr id="10" name="TextBox 9">
-            <a:extLst>
-              <a:ext uri="{FF2B5EF4-FFF2-40B4-BE49-F238E27FC236}">
-                <a16:creationId xmlns:a16="http://schemas.microsoft.com/office/drawing/2014/main" id="{AD35B6EF-62B7-B9B4-BDD7-64E1F80A83F6}"/>
+              <a:rPr lang="en-GB" dirty="0">
+                <a:solidFill>
+                  <a:srgbClr val="002060"/>
+                </a:solidFill>
+              </a:rPr>
+              <a:t>Note: add TL pulse duration as annotation?</a:t>
+            </a:r>
+          </a:p>
+        </p:txBody>
+      </p:sp>
+      <p:sp>
+        <p:nvSpPr>
+          <p:cNvPr id="14" name="TextBox 13">
+            <a:extLst>
+              <a:ext uri="{FF2B5EF4-FFF2-40B4-BE49-F238E27FC236}">
+                <a16:creationId xmlns:a16="http://schemas.microsoft.com/office/drawing/2014/main" id="{C18ABA4D-3F3E-5740-B974-5E484436EF86}"/>
               </a:ext>
             </a:extLst>
           </p:cNvPr>
@@ -4959,8 +5391,8 @@
         </p:nvSpPr>
         <p:spPr>
           <a:xfrm>
-            <a:off x="2238375" y="6553200"/>
-            <a:ext cx="481222" cy="369332"/>
+            <a:off x="4040154" y="6042335"/>
+            <a:ext cx="5103845" cy="646331"/>
           </a:xfrm>
           <a:prstGeom prst="rect">
             <a:avLst/>
@@ -4968,24 +5400,34 @@
           <a:noFill/>
         </p:spPr>
         <p:txBody>
-          <a:bodyPr wrap="none" rtlCol="0">
+          <a:bodyPr wrap="square" rtlCol="0">
             <a:spAutoFit/>
           </a:bodyPr>
           <a:lstStyle/>
           <a:p>
             <a:r>
+              <a:rPr lang="en-GB" i="1" dirty="0"/>
+              <a:t>Fig. 4: </a:t>
+            </a:r>
+            <a:r>
               <a:rPr lang="en-GB" dirty="0"/>
-              <a:t>ion</a:t>
-            </a:r>
-          </a:p>
-        </p:txBody>
-      </p:sp>
-      <p:sp>
-        <p:nvSpPr>
-          <p:cNvPr id="11" name="TextBox 10">
-            <a:extLst>
-              <a:ext uri="{FF2B5EF4-FFF2-40B4-BE49-F238E27FC236}">
-                <a16:creationId xmlns:a16="http://schemas.microsoft.com/office/drawing/2014/main" id="{E58597D1-E69B-D094-B514-6F0EF85E2447}"/>
+              <a:t>Argon at 150mW and 0.4bar (simulations with </a:t>
+            </a:r>
+          </a:p>
+          <a:p>
+            <a:r>
+              <a:rPr lang="en-GB" dirty="0"/>
+              <a:t>gradient model)</a:t>
+            </a:r>
+          </a:p>
+        </p:txBody>
+      </p:sp>
+      <p:sp>
+        <p:nvSpPr>
+          <p:cNvPr id="16" name="TextBox 15">
+            <a:extLst>
+              <a:ext uri="{FF2B5EF4-FFF2-40B4-BE49-F238E27FC236}">
+                <a16:creationId xmlns:a16="http://schemas.microsoft.com/office/drawing/2014/main" id="{1C277CE3-3277-4CAD-FCB3-66713914A457}"/>
               </a:ext>
             </a:extLst>
           </p:cNvPr>
@@ -4994,8 +5436,8 @@
         </p:nvSpPr>
         <p:spPr>
           <a:xfrm>
-            <a:off x="9221754" y="6553200"/>
-            <a:ext cx="840295" cy="369332"/>
+            <a:off x="1912775" y="5541944"/>
+            <a:ext cx="1880130" cy="369332"/>
           </a:xfrm>
           <a:prstGeom prst="rect">
             <a:avLst/>
@@ -5009,19 +5451,22 @@
           <a:lstStyle/>
           <a:p>
             <a:r>
-              <a:rPr lang="en-GB" dirty="0" err="1"/>
-              <a:t>no_ion</a:t>
-            </a:r>
-            <a:endParaRPr lang="en-GB" dirty="0"/>
-          </a:p>
-        </p:txBody>
-      </p:sp>
-      <p:sp>
-        <p:nvSpPr>
-          <p:cNvPr id="12" name="TextBox 11">
-            <a:extLst>
-              <a:ext uri="{FF2B5EF4-FFF2-40B4-BE49-F238E27FC236}">
-                <a16:creationId xmlns:a16="http://schemas.microsoft.com/office/drawing/2014/main" id="{43013B3F-B74F-DB66-65BB-04FBA1270B66}"/>
+              <a:rPr lang="en-GB" i="1" dirty="0"/>
+              <a:t>(a) </a:t>
+            </a:r>
+            <a:r>
+              <a:rPr lang="en-GB" dirty="0"/>
+              <a:t>with ionisation</a:t>
+            </a:r>
+          </a:p>
+        </p:txBody>
+      </p:sp>
+      <p:sp>
+        <p:nvSpPr>
+          <p:cNvPr id="17" name="TextBox 16">
+            <a:extLst>
+              <a:ext uri="{FF2B5EF4-FFF2-40B4-BE49-F238E27FC236}">
+                <a16:creationId xmlns:a16="http://schemas.microsoft.com/office/drawing/2014/main" id="{6FA6327A-37D2-9071-D00E-0B2957FD12BC}"/>
               </a:ext>
             </a:extLst>
           </p:cNvPr>
@@ -5030,8 +5475,8 @@
         </p:nvSpPr>
         <p:spPr>
           <a:xfrm>
-            <a:off x="5768025" y="6308209"/>
-            <a:ext cx="2822824" cy="369332"/>
+            <a:off x="8207717" y="5541944"/>
+            <a:ext cx="2208746" cy="369332"/>
           </a:xfrm>
           <a:prstGeom prst="rect">
             <a:avLst/>
@@ -5045,8 +5490,12 @@
           <a:lstStyle/>
           <a:p>
             <a:r>
+              <a:rPr lang="en-GB" i="1" dirty="0"/>
+              <a:t>(b) </a:t>
+            </a:r>
+            <a:r>
               <a:rPr lang="en-GB" dirty="0"/>
-              <a:t>ADD TL PULSE DURATION?? </a:t>
+              <a:t>without ionisation</a:t>
             </a:r>
           </a:p>
         </p:txBody>
@@ -5099,7 +5548,9 @@
         </p:nvSpPr>
         <p:spPr/>
         <p:txBody>
-          <a:bodyPr/>
+          <a:bodyPr>
+            <a:normAutofit/>
+          </a:bodyPr>
           <a:lstStyle/>
           <a:p>
             <a:r>
@@ -5108,7 +5559,22 @@
                   <a:srgbClr val="002060"/>
                 </a:solidFill>
               </a:rPr>
-              <a:t>Sample manuscript plots</a:t>
+              <a:t>Sample manuscript plots:</a:t>
+            </a:r>
+            <a:br>
+              <a:rPr lang="en-GB" b="1" dirty="0">
+                <a:solidFill>
+                  <a:srgbClr val="002060"/>
+                </a:solidFill>
+              </a:rPr>
+            </a:br>
+            <a:r>
+              <a:rPr lang="en-GB" sz="3200" b="1" i="1" u="sng" dirty="0">
+                <a:solidFill>
+                  <a:srgbClr val="002060"/>
+                </a:solidFill>
+              </a:rPr>
+              <a:t>E. Spatiotemporal UV profile at different positions</a:t>
             </a:r>
             <a:endParaRPr lang="en-GB" dirty="0"/>
           </a:p>
@@ -5116,213 +5582,55 @@
       </p:sp>
       <p:sp>
         <p:nvSpPr>
-          <p:cNvPr id="4" name="Content Placeholder 2">
-            <a:extLst>
-              <a:ext uri="{FF2B5EF4-FFF2-40B4-BE49-F238E27FC236}">
-                <a16:creationId xmlns:a16="http://schemas.microsoft.com/office/drawing/2014/main" id="{3FF2DF13-A52F-11EC-C110-C13DB4B783E9}"/>
-              </a:ext>
-            </a:extLst>
-          </p:cNvPr>
-          <p:cNvSpPr txBox="1">
-            <a:spLocks/>
-          </p:cNvSpPr>
+          <p:cNvPr id="3" name="TextBox 2">
+            <a:extLst>
+              <a:ext uri="{FF2B5EF4-FFF2-40B4-BE49-F238E27FC236}">
+                <a16:creationId xmlns:a16="http://schemas.microsoft.com/office/drawing/2014/main" id="{CBDBE1DA-4195-C849-5BB9-9100E4D86CD8}"/>
+              </a:ext>
+            </a:extLst>
+          </p:cNvPr>
+          <p:cNvSpPr txBox="1"/>
           <p:nvPr/>
         </p:nvSpPr>
         <p:spPr>
           <a:xfrm>
-            <a:off x="838200" y="1539875"/>
-            <a:ext cx="10515600" cy="4351338"/>
+            <a:off x="3659154" y="6042335"/>
+            <a:ext cx="5103845" cy="646331"/>
           </a:xfrm>
           <a:prstGeom prst="rect">
             <a:avLst/>
           </a:prstGeom>
+          <a:noFill/>
         </p:spPr>
         <p:txBody>
-          <a:bodyPr vert="horz" lIns="91440" tIns="45720" rIns="91440" bIns="45720" rtlCol="0">
-            <a:normAutofit/>
+          <a:bodyPr wrap="square" rtlCol="0">
+            <a:spAutoFit/>
           </a:bodyPr>
-          <a:lstStyle>
-            <a:lvl1pPr marL="228600" indent="-228600" algn="l" defTabSz="914400" rtl="0" eaLnBrk="1" latinLnBrk="0" hangingPunct="1">
-              <a:lnSpc>
-                <a:spcPct val="90000"/>
-              </a:lnSpc>
-              <a:spcBef>
-                <a:spcPts val="1000"/>
-              </a:spcBef>
-              <a:buFont typeface="Arial" panose="020B0604020202020204" pitchFamily="34" charset="0"/>
-              <a:buChar char="•"/>
-              <a:defRPr sz="2800" kern="1200">
-                <a:solidFill>
-                  <a:schemeClr val="tx1"/>
-                </a:solidFill>
-                <a:latin typeface="+mn-lt"/>
-                <a:ea typeface="+mn-ea"/>
-                <a:cs typeface="+mn-cs"/>
-              </a:defRPr>
-            </a:lvl1pPr>
-            <a:lvl2pPr marL="685800" indent="-228600" algn="l" defTabSz="914400" rtl="0" eaLnBrk="1" latinLnBrk="0" hangingPunct="1">
-              <a:lnSpc>
-                <a:spcPct val="90000"/>
-              </a:lnSpc>
-              <a:spcBef>
-                <a:spcPts val="500"/>
-              </a:spcBef>
-              <a:buFont typeface="Arial" panose="020B0604020202020204" pitchFamily="34" charset="0"/>
-              <a:buChar char="•"/>
-              <a:defRPr sz="2400" kern="1200">
-                <a:solidFill>
-                  <a:schemeClr val="tx1"/>
-                </a:solidFill>
-                <a:latin typeface="+mn-lt"/>
-                <a:ea typeface="+mn-ea"/>
-                <a:cs typeface="+mn-cs"/>
-              </a:defRPr>
-            </a:lvl2pPr>
-            <a:lvl3pPr marL="1143000" indent="-228600" algn="l" defTabSz="914400" rtl="0" eaLnBrk="1" latinLnBrk="0" hangingPunct="1">
-              <a:lnSpc>
-                <a:spcPct val="90000"/>
-              </a:lnSpc>
-              <a:spcBef>
-                <a:spcPts val="500"/>
-              </a:spcBef>
-              <a:buFont typeface="Arial" panose="020B0604020202020204" pitchFamily="34" charset="0"/>
-              <a:buChar char="•"/>
-              <a:defRPr sz="2000" kern="1200">
-                <a:solidFill>
-                  <a:schemeClr val="tx1"/>
-                </a:solidFill>
-                <a:latin typeface="+mn-lt"/>
-                <a:ea typeface="+mn-ea"/>
-                <a:cs typeface="+mn-cs"/>
-              </a:defRPr>
-            </a:lvl3pPr>
-            <a:lvl4pPr marL="1600200" indent="-228600" algn="l" defTabSz="914400" rtl="0" eaLnBrk="1" latinLnBrk="0" hangingPunct="1">
-              <a:lnSpc>
-                <a:spcPct val="90000"/>
-              </a:lnSpc>
-              <a:spcBef>
-                <a:spcPts val="500"/>
-              </a:spcBef>
-              <a:buFont typeface="Arial" panose="020B0604020202020204" pitchFamily="34" charset="0"/>
-              <a:buChar char="•"/>
-              <a:defRPr sz="1800" kern="1200">
-                <a:solidFill>
-                  <a:schemeClr val="tx1"/>
-                </a:solidFill>
-                <a:latin typeface="+mn-lt"/>
-                <a:ea typeface="+mn-ea"/>
-                <a:cs typeface="+mn-cs"/>
-              </a:defRPr>
-            </a:lvl4pPr>
-            <a:lvl5pPr marL="2057400" indent="-228600" algn="l" defTabSz="914400" rtl="0" eaLnBrk="1" latinLnBrk="0" hangingPunct="1">
-              <a:lnSpc>
-                <a:spcPct val="90000"/>
-              </a:lnSpc>
-              <a:spcBef>
-                <a:spcPts val="500"/>
-              </a:spcBef>
-              <a:buFont typeface="Arial" panose="020B0604020202020204" pitchFamily="34" charset="0"/>
-              <a:buChar char="•"/>
-              <a:defRPr sz="1800" kern="1200">
-                <a:solidFill>
-                  <a:schemeClr val="tx1"/>
-                </a:solidFill>
-                <a:latin typeface="+mn-lt"/>
-                <a:ea typeface="+mn-ea"/>
-                <a:cs typeface="+mn-cs"/>
-              </a:defRPr>
-            </a:lvl5pPr>
-            <a:lvl6pPr marL="2514600" indent="-228600" algn="l" defTabSz="914400" rtl="0" eaLnBrk="1" latinLnBrk="0" hangingPunct="1">
-              <a:lnSpc>
-                <a:spcPct val="90000"/>
-              </a:lnSpc>
-              <a:spcBef>
-                <a:spcPts val="500"/>
-              </a:spcBef>
-              <a:buFont typeface="Arial" panose="020B0604020202020204" pitchFamily="34" charset="0"/>
-              <a:buChar char="•"/>
-              <a:defRPr sz="1800" kern="1200">
-                <a:solidFill>
-                  <a:schemeClr val="tx1"/>
-                </a:solidFill>
-                <a:latin typeface="+mn-lt"/>
-                <a:ea typeface="+mn-ea"/>
-                <a:cs typeface="+mn-cs"/>
-              </a:defRPr>
-            </a:lvl6pPr>
-            <a:lvl7pPr marL="2971800" indent="-228600" algn="l" defTabSz="914400" rtl="0" eaLnBrk="1" latinLnBrk="0" hangingPunct="1">
-              <a:lnSpc>
-                <a:spcPct val="90000"/>
-              </a:lnSpc>
-              <a:spcBef>
-                <a:spcPts val="500"/>
-              </a:spcBef>
-              <a:buFont typeface="Arial" panose="020B0604020202020204" pitchFamily="34" charset="0"/>
-              <a:buChar char="•"/>
-              <a:defRPr sz="1800" kern="1200">
-                <a:solidFill>
-                  <a:schemeClr val="tx1"/>
-                </a:solidFill>
-                <a:latin typeface="+mn-lt"/>
-                <a:ea typeface="+mn-ea"/>
-                <a:cs typeface="+mn-cs"/>
-              </a:defRPr>
-            </a:lvl7pPr>
-            <a:lvl8pPr marL="3429000" indent="-228600" algn="l" defTabSz="914400" rtl="0" eaLnBrk="1" latinLnBrk="0" hangingPunct="1">
-              <a:lnSpc>
-                <a:spcPct val="90000"/>
-              </a:lnSpc>
-              <a:spcBef>
-                <a:spcPts val="500"/>
-              </a:spcBef>
-              <a:buFont typeface="Arial" panose="020B0604020202020204" pitchFamily="34" charset="0"/>
-              <a:buChar char="•"/>
-              <a:defRPr sz="1800" kern="1200">
-                <a:solidFill>
-                  <a:schemeClr val="tx1"/>
-                </a:solidFill>
-                <a:latin typeface="+mn-lt"/>
-                <a:ea typeface="+mn-ea"/>
-                <a:cs typeface="+mn-cs"/>
-              </a:defRPr>
-            </a:lvl8pPr>
-            <a:lvl9pPr marL="3886200" indent="-228600" algn="l" defTabSz="914400" rtl="0" eaLnBrk="1" latinLnBrk="0" hangingPunct="1">
-              <a:lnSpc>
-                <a:spcPct val="90000"/>
-              </a:lnSpc>
-              <a:spcBef>
-                <a:spcPts val="500"/>
-              </a:spcBef>
-              <a:buFont typeface="Arial" panose="020B0604020202020204" pitchFamily="34" charset="0"/>
-              <a:buChar char="•"/>
-              <a:defRPr sz="1800" kern="1200">
-                <a:solidFill>
-                  <a:schemeClr val="tx1"/>
-                </a:solidFill>
-                <a:latin typeface="+mn-lt"/>
-                <a:ea typeface="+mn-ea"/>
-                <a:cs typeface="+mn-cs"/>
-              </a:defRPr>
-            </a:lvl9pPr>
-          </a:lstStyle>
-          <a:p>
-            <a:pPr marL="0" indent="0">
-              <a:buFont typeface="Arial" panose="020B0604020202020204" pitchFamily="34" charset="0"/>
-              <a:buNone/>
-            </a:pPr>
-            <a:r>
-              <a:rPr lang="en-GB" b="1" u="sng" dirty="0"/>
-              <a:t>E. Spatiotemporal UV profile at different positions</a:t>
+          <a:lstStyle/>
+          <a:p>
+            <a:r>
+              <a:rPr lang="en-GB" i="1" dirty="0"/>
+              <a:t>Fig. 5: </a:t>
+            </a:r>
+            <a:r>
+              <a:rPr lang="en-GB" dirty="0"/>
+              <a:t>Argon at 150mW and 0.4bar (simulations with </a:t>
+            </a:r>
+          </a:p>
+          <a:p>
+            <a:r>
+              <a:rPr lang="en-GB" dirty="0"/>
+              <a:t>gradient model)</a:t>
             </a:r>
           </a:p>
         </p:txBody>
       </p:sp>
       <p:pic>
         <p:nvPicPr>
-          <p:cNvPr id="6" name="Picture 5" descr="A group of images of numbers and symbols&#10;&#10;Description automatically generated">
-            <a:extLst>
-              <a:ext uri="{FF2B5EF4-FFF2-40B4-BE49-F238E27FC236}">
-                <a16:creationId xmlns:a16="http://schemas.microsoft.com/office/drawing/2014/main" id="{9DCD6C18-069F-0EEA-2B4D-E598FFFDC0D7}"/>
+          <p:cNvPr id="8" name="Picture 7" descr="A group of numbers and symbols&#10;&#10;Description automatically generated">
+            <a:extLst>
+              <a:ext uri="{FF2B5EF4-FFF2-40B4-BE49-F238E27FC236}">
+                <a16:creationId xmlns:a16="http://schemas.microsoft.com/office/drawing/2014/main" id="{C934DD77-A0F1-8E60-760C-A4277E08B0C5}"/>
               </a:ext>
             </a:extLst>
           </p:cNvPr>
@@ -5345,7 +5653,7 @@
         </p:blipFill>
         <p:spPr>
           <a:xfrm>
-            <a:off x="1270464" y="2047317"/>
+            <a:off x="3216091" y="1612083"/>
             <a:ext cx="5759817" cy="4319634"/>
           </a:xfrm>
           <a:prstGeom prst="rect">
@@ -5353,45 +5661,6 @@
           </a:prstGeom>
         </p:spPr>
       </p:pic>
-      <p:sp>
-        <p:nvSpPr>
-          <p:cNvPr id="7" name="TextBox 6">
-            <a:extLst>
-              <a:ext uri="{FF2B5EF4-FFF2-40B4-BE49-F238E27FC236}">
-                <a16:creationId xmlns:a16="http://schemas.microsoft.com/office/drawing/2014/main" id="{F55A44CD-EDF9-0599-881D-08BA2EA9C8ED}"/>
-              </a:ext>
-            </a:extLst>
-          </p:cNvPr>
-          <p:cNvSpPr txBox="1"/>
-          <p:nvPr/>
-        </p:nvSpPr>
-        <p:spPr>
-          <a:xfrm>
-            <a:off x="8406882" y="3429000"/>
-            <a:ext cx="2318327" cy="369332"/>
-          </a:xfrm>
-          <a:prstGeom prst="rect">
-            <a:avLst/>
-          </a:prstGeom>
-          <a:noFill/>
-        </p:spPr>
-        <p:txBody>
-          <a:bodyPr wrap="none" rtlCol="0">
-            <a:spAutoFit/>
-          </a:bodyPr>
-          <a:lstStyle/>
-          <a:p>
-            <a:r>
-              <a:rPr lang="en-GB" dirty="0" err="1"/>
-              <a:t>Ar</a:t>
-            </a:r>
-            <a:r>
-              <a:rPr lang="en-GB" dirty="0"/>
-              <a:t> 150mW 0.4bar grad</a:t>
-            </a:r>
-          </a:p>
-        </p:txBody>
-      </p:sp>
     </p:spTree>
     <p:extLst>
       <p:ext uri="{BB962C8B-B14F-4D97-AF65-F5344CB8AC3E}">
@@ -5424,209 +5693,6 @@
       </p:grpSpPr>
       <p:sp>
         <p:nvSpPr>
-          <p:cNvPr id="4" name="Content Placeholder 2">
-            <a:extLst>
-              <a:ext uri="{FF2B5EF4-FFF2-40B4-BE49-F238E27FC236}">
-                <a16:creationId xmlns:a16="http://schemas.microsoft.com/office/drawing/2014/main" id="{F8901679-2C27-325A-62B1-8DD209F70B57}"/>
-              </a:ext>
-            </a:extLst>
-          </p:cNvPr>
-          <p:cNvSpPr txBox="1">
-            <a:spLocks/>
-          </p:cNvSpPr>
-          <p:nvPr/>
-        </p:nvSpPr>
-        <p:spPr>
-          <a:xfrm>
-            <a:off x="838200" y="1539875"/>
-            <a:ext cx="10515600" cy="4351338"/>
-          </a:xfrm>
-          <a:prstGeom prst="rect">
-            <a:avLst/>
-          </a:prstGeom>
-        </p:spPr>
-        <p:txBody>
-          <a:bodyPr vert="horz" lIns="91440" tIns="45720" rIns="91440" bIns="45720" rtlCol="0">
-            <a:normAutofit/>
-          </a:bodyPr>
-          <a:lstStyle>
-            <a:lvl1pPr marL="228600" indent="-228600" algn="l" defTabSz="914400" rtl="0" eaLnBrk="1" latinLnBrk="0" hangingPunct="1">
-              <a:lnSpc>
-                <a:spcPct val="90000"/>
-              </a:lnSpc>
-              <a:spcBef>
-                <a:spcPts val="1000"/>
-              </a:spcBef>
-              <a:buFont typeface="Arial" panose="020B0604020202020204" pitchFamily="34" charset="0"/>
-              <a:buChar char="•"/>
-              <a:defRPr sz="2800" kern="1200">
-                <a:solidFill>
-                  <a:schemeClr val="tx1"/>
-                </a:solidFill>
-                <a:latin typeface="+mn-lt"/>
-                <a:ea typeface="+mn-ea"/>
-                <a:cs typeface="+mn-cs"/>
-              </a:defRPr>
-            </a:lvl1pPr>
-            <a:lvl2pPr marL="685800" indent="-228600" algn="l" defTabSz="914400" rtl="0" eaLnBrk="1" latinLnBrk="0" hangingPunct="1">
-              <a:lnSpc>
-                <a:spcPct val="90000"/>
-              </a:lnSpc>
-              <a:spcBef>
-                <a:spcPts val="500"/>
-              </a:spcBef>
-              <a:buFont typeface="Arial" panose="020B0604020202020204" pitchFamily="34" charset="0"/>
-              <a:buChar char="•"/>
-              <a:defRPr sz="2400" kern="1200">
-                <a:solidFill>
-                  <a:schemeClr val="tx1"/>
-                </a:solidFill>
-                <a:latin typeface="+mn-lt"/>
-                <a:ea typeface="+mn-ea"/>
-                <a:cs typeface="+mn-cs"/>
-              </a:defRPr>
-            </a:lvl2pPr>
-            <a:lvl3pPr marL="1143000" indent="-228600" algn="l" defTabSz="914400" rtl="0" eaLnBrk="1" latinLnBrk="0" hangingPunct="1">
-              <a:lnSpc>
-                <a:spcPct val="90000"/>
-              </a:lnSpc>
-              <a:spcBef>
-                <a:spcPts val="500"/>
-              </a:spcBef>
-              <a:buFont typeface="Arial" panose="020B0604020202020204" pitchFamily="34" charset="0"/>
-              <a:buChar char="•"/>
-              <a:defRPr sz="2000" kern="1200">
-                <a:solidFill>
-                  <a:schemeClr val="tx1"/>
-                </a:solidFill>
-                <a:latin typeface="+mn-lt"/>
-                <a:ea typeface="+mn-ea"/>
-                <a:cs typeface="+mn-cs"/>
-              </a:defRPr>
-            </a:lvl3pPr>
-            <a:lvl4pPr marL="1600200" indent="-228600" algn="l" defTabSz="914400" rtl="0" eaLnBrk="1" latinLnBrk="0" hangingPunct="1">
-              <a:lnSpc>
-                <a:spcPct val="90000"/>
-              </a:lnSpc>
-              <a:spcBef>
-                <a:spcPts val="500"/>
-              </a:spcBef>
-              <a:buFont typeface="Arial" panose="020B0604020202020204" pitchFamily="34" charset="0"/>
-              <a:buChar char="•"/>
-              <a:defRPr sz="1800" kern="1200">
-                <a:solidFill>
-                  <a:schemeClr val="tx1"/>
-                </a:solidFill>
-                <a:latin typeface="+mn-lt"/>
-                <a:ea typeface="+mn-ea"/>
-                <a:cs typeface="+mn-cs"/>
-              </a:defRPr>
-            </a:lvl4pPr>
-            <a:lvl5pPr marL="2057400" indent="-228600" algn="l" defTabSz="914400" rtl="0" eaLnBrk="1" latinLnBrk="0" hangingPunct="1">
-              <a:lnSpc>
-                <a:spcPct val="90000"/>
-              </a:lnSpc>
-              <a:spcBef>
-                <a:spcPts val="500"/>
-              </a:spcBef>
-              <a:buFont typeface="Arial" panose="020B0604020202020204" pitchFamily="34" charset="0"/>
-              <a:buChar char="•"/>
-              <a:defRPr sz="1800" kern="1200">
-                <a:solidFill>
-                  <a:schemeClr val="tx1"/>
-                </a:solidFill>
-                <a:latin typeface="+mn-lt"/>
-                <a:ea typeface="+mn-ea"/>
-                <a:cs typeface="+mn-cs"/>
-              </a:defRPr>
-            </a:lvl5pPr>
-            <a:lvl6pPr marL="2514600" indent="-228600" algn="l" defTabSz="914400" rtl="0" eaLnBrk="1" latinLnBrk="0" hangingPunct="1">
-              <a:lnSpc>
-                <a:spcPct val="90000"/>
-              </a:lnSpc>
-              <a:spcBef>
-                <a:spcPts val="500"/>
-              </a:spcBef>
-              <a:buFont typeface="Arial" panose="020B0604020202020204" pitchFamily="34" charset="0"/>
-              <a:buChar char="•"/>
-              <a:defRPr sz="1800" kern="1200">
-                <a:solidFill>
-                  <a:schemeClr val="tx1"/>
-                </a:solidFill>
-                <a:latin typeface="+mn-lt"/>
-                <a:ea typeface="+mn-ea"/>
-                <a:cs typeface="+mn-cs"/>
-              </a:defRPr>
-            </a:lvl6pPr>
-            <a:lvl7pPr marL="2971800" indent="-228600" algn="l" defTabSz="914400" rtl="0" eaLnBrk="1" latinLnBrk="0" hangingPunct="1">
-              <a:lnSpc>
-                <a:spcPct val="90000"/>
-              </a:lnSpc>
-              <a:spcBef>
-                <a:spcPts val="500"/>
-              </a:spcBef>
-              <a:buFont typeface="Arial" panose="020B0604020202020204" pitchFamily="34" charset="0"/>
-              <a:buChar char="•"/>
-              <a:defRPr sz="1800" kern="1200">
-                <a:solidFill>
-                  <a:schemeClr val="tx1"/>
-                </a:solidFill>
-                <a:latin typeface="+mn-lt"/>
-                <a:ea typeface="+mn-ea"/>
-                <a:cs typeface="+mn-cs"/>
-              </a:defRPr>
-            </a:lvl7pPr>
-            <a:lvl8pPr marL="3429000" indent="-228600" algn="l" defTabSz="914400" rtl="0" eaLnBrk="1" latinLnBrk="0" hangingPunct="1">
-              <a:lnSpc>
-                <a:spcPct val="90000"/>
-              </a:lnSpc>
-              <a:spcBef>
-                <a:spcPts val="500"/>
-              </a:spcBef>
-              <a:buFont typeface="Arial" panose="020B0604020202020204" pitchFamily="34" charset="0"/>
-              <a:buChar char="•"/>
-              <a:defRPr sz="1800" kern="1200">
-                <a:solidFill>
-                  <a:schemeClr val="tx1"/>
-                </a:solidFill>
-                <a:latin typeface="+mn-lt"/>
-                <a:ea typeface="+mn-ea"/>
-                <a:cs typeface="+mn-cs"/>
-              </a:defRPr>
-            </a:lvl8pPr>
-            <a:lvl9pPr marL="3886200" indent="-228600" algn="l" defTabSz="914400" rtl="0" eaLnBrk="1" latinLnBrk="0" hangingPunct="1">
-              <a:lnSpc>
-                <a:spcPct val="90000"/>
-              </a:lnSpc>
-              <a:spcBef>
-                <a:spcPts val="500"/>
-              </a:spcBef>
-              <a:buFont typeface="Arial" panose="020B0604020202020204" pitchFamily="34" charset="0"/>
-              <a:buChar char="•"/>
-              <a:defRPr sz="1800" kern="1200">
-                <a:solidFill>
-                  <a:schemeClr val="tx1"/>
-                </a:solidFill>
-                <a:latin typeface="+mn-lt"/>
-                <a:ea typeface="+mn-ea"/>
-                <a:cs typeface="+mn-cs"/>
-              </a:defRPr>
-            </a:lvl9pPr>
-          </a:lstStyle>
-          <a:p>
-            <a:pPr marL="0" indent="0">
-              <a:buFont typeface="Arial" panose="020B0604020202020204" pitchFamily="34" charset="0"/>
-              <a:buNone/>
-            </a:pPr>
-            <a:r>
-              <a:rPr lang="en-GB" b="1" u="sng" dirty="0"/>
-              <a:t>F. Effects of chirp</a:t>
-            </a:r>
-          </a:p>
-        </p:txBody>
-      </p:sp>
-      <p:sp>
-        <p:nvSpPr>
           <p:cNvPr id="5" name="Title 1">
             <a:extLst>
               <a:ext uri="{FF2B5EF4-FFF2-40B4-BE49-F238E27FC236}">
@@ -5657,9 +5723,24 @@
                   <a:srgbClr val="002060"/>
                 </a:solidFill>
               </a:rPr>
-              <a:t>Sample manuscript plots</a:t>
-            </a:r>
-            <a:endParaRPr lang="en-GB" dirty="0"/>
+              <a:t>Sample manuscript plots:</a:t>
+            </a:r>
+            <a:br>
+              <a:rPr lang="en-GB" b="1" dirty="0">
+                <a:solidFill>
+                  <a:srgbClr val="002060"/>
+                </a:solidFill>
+              </a:rPr>
+            </a:br>
+            <a:r>
+              <a:rPr lang="en-GB" sz="3200" b="1" i="1" u="sng" dirty="0">
+                <a:solidFill>
+                  <a:srgbClr val="002060"/>
+                </a:solidFill>
+              </a:rPr>
+              <a:t>F. Effects of chirp</a:t>
+            </a:r>
+            <a:endParaRPr lang="en-GB" i="1" u="sng" dirty="0"/>
           </a:p>
         </p:txBody>
       </p:sp>
@@ -5691,7 +5772,7 @@
         </p:blipFill>
         <p:spPr>
           <a:xfrm>
-            <a:off x="594189" y="2034293"/>
+            <a:off x="3216092" y="1745044"/>
             <a:ext cx="5759817" cy="4319634"/>
           </a:xfrm>
           <a:prstGeom prst="rect">
@@ -5701,10 +5782,10 @@
       </p:pic>
       <p:sp>
         <p:nvSpPr>
-          <p:cNvPr id="8" name="TextBox 7">
-            <a:extLst>
-              <a:ext uri="{FF2B5EF4-FFF2-40B4-BE49-F238E27FC236}">
-                <a16:creationId xmlns:a16="http://schemas.microsoft.com/office/drawing/2014/main" id="{8BDCC41E-EE0B-6AA5-F4DA-23FD5D4DE6A7}"/>
+          <p:cNvPr id="2" name="TextBox 1">
+            <a:extLst>
+              <a:ext uri="{FF2B5EF4-FFF2-40B4-BE49-F238E27FC236}">
+                <a16:creationId xmlns:a16="http://schemas.microsoft.com/office/drawing/2014/main" id="{EDF90D62-BC1C-D2A6-D766-A361E66BC4BD}"/>
               </a:ext>
             </a:extLst>
           </p:cNvPr>
@@ -5713,8 +5794,8 @@
         </p:nvSpPr>
         <p:spPr>
           <a:xfrm>
-            <a:off x="8406882" y="3429000"/>
-            <a:ext cx="2318327" cy="369332"/>
+            <a:off x="3797559" y="5934670"/>
+            <a:ext cx="9255968" cy="923330"/>
           </a:xfrm>
           <a:prstGeom prst="rect">
             <a:avLst/>
@@ -5722,18 +5803,30 @@
           <a:noFill/>
         </p:spPr>
         <p:txBody>
-          <a:bodyPr wrap="none" rtlCol="0">
+          <a:bodyPr wrap="square" rtlCol="0">
             <a:spAutoFit/>
           </a:bodyPr>
           <a:lstStyle/>
           <a:p>
             <a:r>
-              <a:rPr lang="en-GB" dirty="0" err="1"/>
-              <a:t>Ar</a:t>
+              <a:rPr lang="en-GB" i="1" dirty="0"/>
+              <a:t>Fig. 6: </a:t>
             </a:r>
             <a:r>
               <a:rPr lang="en-GB" dirty="0"/>
-              <a:t> 150mW 0.4bar grad</a:t>
+              <a:t>Argon at 150mW and 0.4bar with different </a:t>
+            </a:r>
+          </a:p>
+          <a:p>
+            <a:r>
+              <a:rPr lang="en-GB" dirty="0"/>
+              <a:t>GVD values of the input pulse (simulations with </a:t>
+            </a:r>
+          </a:p>
+          <a:p>
+            <a:r>
+              <a:rPr lang="en-GB" dirty="0"/>
+              <a:t>gradient model)</a:t>
             </a:r>
           </a:p>
         </p:txBody>
@@ -5770,209 +5863,6 @@
       </p:grpSpPr>
       <p:sp>
         <p:nvSpPr>
-          <p:cNvPr id="4" name="Content Placeholder 2">
-            <a:extLst>
-              <a:ext uri="{FF2B5EF4-FFF2-40B4-BE49-F238E27FC236}">
-                <a16:creationId xmlns:a16="http://schemas.microsoft.com/office/drawing/2014/main" id="{094C60D9-AF68-F782-0407-D1170A687175}"/>
-              </a:ext>
-            </a:extLst>
-          </p:cNvPr>
-          <p:cNvSpPr txBox="1">
-            <a:spLocks/>
-          </p:cNvSpPr>
-          <p:nvPr/>
-        </p:nvSpPr>
-        <p:spPr>
-          <a:xfrm>
-            <a:off x="838200" y="1539875"/>
-            <a:ext cx="10515600" cy="4351338"/>
-          </a:xfrm>
-          <a:prstGeom prst="rect">
-            <a:avLst/>
-          </a:prstGeom>
-        </p:spPr>
-        <p:txBody>
-          <a:bodyPr vert="horz" lIns="91440" tIns="45720" rIns="91440" bIns="45720" rtlCol="0">
-            <a:normAutofit/>
-          </a:bodyPr>
-          <a:lstStyle>
-            <a:lvl1pPr marL="228600" indent="-228600" algn="l" defTabSz="914400" rtl="0" eaLnBrk="1" latinLnBrk="0" hangingPunct="1">
-              <a:lnSpc>
-                <a:spcPct val="90000"/>
-              </a:lnSpc>
-              <a:spcBef>
-                <a:spcPts val="1000"/>
-              </a:spcBef>
-              <a:buFont typeface="Arial" panose="020B0604020202020204" pitchFamily="34" charset="0"/>
-              <a:buChar char="•"/>
-              <a:defRPr sz="2800" kern="1200">
-                <a:solidFill>
-                  <a:schemeClr val="tx1"/>
-                </a:solidFill>
-                <a:latin typeface="+mn-lt"/>
-                <a:ea typeface="+mn-ea"/>
-                <a:cs typeface="+mn-cs"/>
-              </a:defRPr>
-            </a:lvl1pPr>
-            <a:lvl2pPr marL="685800" indent="-228600" algn="l" defTabSz="914400" rtl="0" eaLnBrk="1" latinLnBrk="0" hangingPunct="1">
-              <a:lnSpc>
-                <a:spcPct val="90000"/>
-              </a:lnSpc>
-              <a:spcBef>
-                <a:spcPts val="500"/>
-              </a:spcBef>
-              <a:buFont typeface="Arial" panose="020B0604020202020204" pitchFamily="34" charset="0"/>
-              <a:buChar char="•"/>
-              <a:defRPr sz="2400" kern="1200">
-                <a:solidFill>
-                  <a:schemeClr val="tx1"/>
-                </a:solidFill>
-                <a:latin typeface="+mn-lt"/>
-                <a:ea typeface="+mn-ea"/>
-                <a:cs typeface="+mn-cs"/>
-              </a:defRPr>
-            </a:lvl2pPr>
-            <a:lvl3pPr marL="1143000" indent="-228600" algn="l" defTabSz="914400" rtl="0" eaLnBrk="1" latinLnBrk="0" hangingPunct="1">
-              <a:lnSpc>
-                <a:spcPct val="90000"/>
-              </a:lnSpc>
-              <a:spcBef>
-                <a:spcPts val="500"/>
-              </a:spcBef>
-              <a:buFont typeface="Arial" panose="020B0604020202020204" pitchFamily="34" charset="0"/>
-              <a:buChar char="•"/>
-              <a:defRPr sz="2000" kern="1200">
-                <a:solidFill>
-                  <a:schemeClr val="tx1"/>
-                </a:solidFill>
-                <a:latin typeface="+mn-lt"/>
-                <a:ea typeface="+mn-ea"/>
-                <a:cs typeface="+mn-cs"/>
-              </a:defRPr>
-            </a:lvl3pPr>
-            <a:lvl4pPr marL="1600200" indent="-228600" algn="l" defTabSz="914400" rtl="0" eaLnBrk="1" latinLnBrk="0" hangingPunct="1">
-              <a:lnSpc>
-                <a:spcPct val="90000"/>
-              </a:lnSpc>
-              <a:spcBef>
-                <a:spcPts val="500"/>
-              </a:spcBef>
-              <a:buFont typeface="Arial" panose="020B0604020202020204" pitchFamily="34" charset="0"/>
-              <a:buChar char="•"/>
-              <a:defRPr sz="1800" kern="1200">
-                <a:solidFill>
-                  <a:schemeClr val="tx1"/>
-                </a:solidFill>
-                <a:latin typeface="+mn-lt"/>
-                <a:ea typeface="+mn-ea"/>
-                <a:cs typeface="+mn-cs"/>
-              </a:defRPr>
-            </a:lvl4pPr>
-            <a:lvl5pPr marL="2057400" indent="-228600" algn="l" defTabSz="914400" rtl="0" eaLnBrk="1" latinLnBrk="0" hangingPunct="1">
-              <a:lnSpc>
-                <a:spcPct val="90000"/>
-              </a:lnSpc>
-              <a:spcBef>
-                <a:spcPts val="500"/>
-              </a:spcBef>
-              <a:buFont typeface="Arial" panose="020B0604020202020204" pitchFamily="34" charset="0"/>
-              <a:buChar char="•"/>
-              <a:defRPr sz="1800" kern="1200">
-                <a:solidFill>
-                  <a:schemeClr val="tx1"/>
-                </a:solidFill>
-                <a:latin typeface="+mn-lt"/>
-                <a:ea typeface="+mn-ea"/>
-                <a:cs typeface="+mn-cs"/>
-              </a:defRPr>
-            </a:lvl5pPr>
-            <a:lvl6pPr marL="2514600" indent="-228600" algn="l" defTabSz="914400" rtl="0" eaLnBrk="1" latinLnBrk="0" hangingPunct="1">
-              <a:lnSpc>
-                <a:spcPct val="90000"/>
-              </a:lnSpc>
-              <a:spcBef>
-                <a:spcPts val="500"/>
-              </a:spcBef>
-              <a:buFont typeface="Arial" panose="020B0604020202020204" pitchFamily="34" charset="0"/>
-              <a:buChar char="•"/>
-              <a:defRPr sz="1800" kern="1200">
-                <a:solidFill>
-                  <a:schemeClr val="tx1"/>
-                </a:solidFill>
-                <a:latin typeface="+mn-lt"/>
-                <a:ea typeface="+mn-ea"/>
-                <a:cs typeface="+mn-cs"/>
-              </a:defRPr>
-            </a:lvl6pPr>
-            <a:lvl7pPr marL="2971800" indent="-228600" algn="l" defTabSz="914400" rtl="0" eaLnBrk="1" latinLnBrk="0" hangingPunct="1">
-              <a:lnSpc>
-                <a:spcPct val="90000"/>
-              </a:lnSpc>
-              <a:spcBef>
-                <a:spcPts val="500"/>
-              </a:spcBef>
-              <a:buFont typeface="Arial" panose="020B0604020202020204" pitchFamily="34" charset="0"/>
-              <a:buChar char="•"/>
-              <a:defRPr sz="1800" kern="1200">
-                <a:solidFill>
-                  <a:schemeClr val="tx1"/>
-                </a:solidFill>
-                <a:latin typeface="+mn-lt"/>
-                <a:ea typeface="+mn-ea"/>
-                <a:cs typeface="+mn-cs"/>
-              </a:defRPr>
-            </a:lvl7pPr>
-            <a:lvl8pPr marL="3429000" indent="-228600" algn="l" defTabSz="914400" rtl="0" eaLnBrk="1" latinLnBrk="0" hangingPunct="1">
-              <a:lnSpc>
-                <a:spcPct val="90000"/>
-              </a:lnSpc>
-              <a:spcBef>
-                <a:spcPts val="500"/>
-              </a:spcBef>
-              <a:buFont typeface="Arial" panose="020B0604020202020204" pitchFamily="34" charset="0"/>
-              <a:buChar char="•"/>
-              <a:defRPr sz="1800" kern="1200">
-                <a:solidFill>
-                  <a:schemeClr val="tx1"/>
-                </a:solidFill>
-                <a:latin typeface="+mn-lt"/>
-                <a:ea typeface="+mn-ea"/>
-                <a:cs typeface="+mn-cs"/>
-              </a:defRPr>
-            </a:lvl8pPr>
-            <a:lvl9pPr marL="3886200" indent="-228600" algn="l" defTabSz="914400" rtl="0" eaLnBrk="1" latinLnBrk="0" hangingPunct="1">
-              <a:lnSpc>
-                <a:spcPct val="90000"/>
-              </a:lnSpc>
-              <a:spcBef>
-                <a:spcPts val="500"/>
-              </a:spcBef>
-              <a:buFont typeface="Arial" panose="020B0604020202020204" pitchFamily="34" charset="0"/>
-              <a:buChar char="•"/>
-              <a:defRPr sz="1800" kern="1200">
-                <a:solidFill>
-                  <a:schemeClr val="tx1"/>
-                </a:solidFill>
-                <a:latin typeface="+mn-lt"/>
-                <a:ea typeface="+mn-ea"/>
-                <a:cs typeface="+mn-cs"/>
-              </a:defRPr>
-            </a:lvl9pPr>
-          </a:lstStyle>
-          <a:p>
-            <a:pPr marL="0" indent="0">
-              <a:buFont typeface="Arial" panose="020B0604020202020204" pitchFamily="34" charset="0"/>
-              <a:buNone/>
-            </a:pPr>
-            <a:r>
-              <a:rPr lang="en-GB" b="1" u="sng" dirty="0"/>
-              <a:t>G. Effects of CEP</a:t>
-            </a:r>
-          </a:p>
-        </p:txBody>
-      </p:sp>
-      <p:sp>
-        <p:nvSpPr>
           <p:cNvPr id="5" name="Title 1">
             <a:extLst>
               <a:ext uri="{FF2B5EF4-FFF2-40B4-BE49-F238E27FC236}">
@@ -6003,7 +5893,22 @@
                   <a:srgbClr val="002060"/>
                 </a:solidFill>
               </a:rPr>
-              <a:t>Sample manuscript plots</a:t>
+              <a:t>Sample manuscript plots:</a:t>
+            </a:r>
+            <a:br>
+              <a:rPr lang="en-GB" b="1" dirty="0">
+                <a:solidFill>
+                  <a:srgbClr val="002060"/>
+                </a:solidFill>
+              </a:rPr>
+            </a:br>
+            <a:r>
+              <a:rPr lang="en-GB" sz="3200" b="1" i="1" u="sng" dirty="0">
+                <a:solidFill>
+                  <a:srgbClr val="002060"/>
+                </a:solidFill>
+              </a:rPr>
+              <a:t>G. Effects of CEP</a:t>
             </a:r>
             <a:endParaRPr lang="en-GB" dirty="0"/>
           </a:p>
@@ -6037,7 +5942,7 @@
         </p:blipFill>
         <p:spPr>
           <a:xfrm>
-            <a:off x="1206316" y="2173241"/>
+            <a:off x="3072439" y="1631134"/>
             <a:ext cx="5759817" cy="4319634"/>
           </a:xfrm>
           <a:prstGeom prst="rect">
@@ -6047,10 +5952,10 @@
       </p:pic>
       <p:sp>
         <p:nvSpPr>
-          <p:cNvPr id="8" name="TextBox 7">
-            <a:extLst>
-              <a:ext uri="{FF2B5EF4-FFF2-40B4-BE49-F238E27FC236}">
-                <a16:creationId xmlns:a16="http://schemas.microsoft.com/office/drawing/2014/main" id="{55C34D56-93E5-AF86-2D4F-0E069C3E5E5D}"/>
+          <p:cNvPr id="2" name="TextBox 1">
+            <a:extLst>
+              <a:ext uri="{FF2B5EF4-FFF2-40B4-BE49-F238E27FC236}">
+                <a16:creationId xmlns:a16="http://schemas.microsoft.com/office/drawing/2014/main" id="{0E55AAB3-80A7-EEA6-DBC1-491A15A7A980}"/>
               </a:ext>
             </a:extLst>
           </p:cNvPr>
@@ -6059,8 +5964,8 @@
         </p:nvSpPr>
         <p:spPr>
           <a:xfrm>
-            <a:off x="8406882" y="3429000"/>
-            <a:ext cx="2318327" cy="369332"/>
+            <a:off x="3266464" y="5923177"/>
+            <a:ext cx="5371765" cy="923330"/>
           </a:xfrm>
           <a:prstGeom prst="rect">
             <a:avLst/>
@@ -6068,18 +5973,24 @@
           <a:noFill/>
         </p:spPr>
         <p:txBody>
-          <a:bodyPr wrap="none" rtlCol="0">
+          <a:bodyPr wrap="square" rtlCol="0">
             <a:spAutoFit/>
           </a:bodyPr>
           <a:lstStyle/>
           <a:p>
             <a:r>
-              <a:rPr lang="en-GB" dirty="0" err="1"/>
-              <a:t>Ar</a:t>
+              <a:rPr lang="en-GB" i="1" dirty="0"/>
+              <a:t>Fig. 7: </a:t>
             </a:r>
             <a:r>
               <a:rPr lang="en-GB" dirty="0"/>
-              <a:t> 150mW 0.4bar grad</a:t>
+              <a:t>Argon at 150mW and 0.4bar with different CEP values of the input pulse (simulations with </a:t>
+            </a:r>
+          </a:p>
+          <a:p>
+            <a:r>
+              <a:rPr lang="en-GB" dirty="0"/>
+              <a:t>gradient model)</a:t>
             </a:r>
           </a:p>
         </p:txBody>
